--- a/docs/Presentation.pptx
+++ b/docs/Presentation.pptx
@@ -12,12 +12,13 @@
     <p:sldId id="260" r:id="rId6"/>
     <p:sldId id="261" r:id="rId7"/>
     <p:sldId id="262" r:id="rId8"/>
-    <p:sldId id="263" r:id="rId9"/>
-    <p:sldId id="264" r:id="rId10"/>
-    <p:sldId id="265" r:id="rId11"/>
-    <p:sldId id="266" r:id="rId12"/>
-    <p:sldId id="267" r:id="rId13"/>
-    <p:sldId id="268" r:id="rId14"/>
+    <p:sldId id="269" r:id="rId9"/>
+    <p:sldId id="263" r:id="rId10"/>
+    <p:sldId id="264" r:id="rId11"/>
+    <p:sldId id="265" r:id="rId12"/>
+    <p:sldId id="266" r:id="rId13"/>
+    <p:sldId id="267" r:id="rId14"/>
+    <p:sldId id="268" r:id="rId15"/>
   </p:sldIdLst>
   <p:sldSz cx="12192000" cy="6858000"/>
   <p:notesSz cx="6858000" cy="9144000"/>
@@ -116,6 +117,11 @@
       </a:defRPr>
     </a:lvl9pPr>
   </p:defaultTextStyle>
+  <p:extLst>
+    <p:ext uri="{EFAFB233-063F-42B5-8137-9DF3F51BA10A}">
+      <p15:sldGuideLst xmlns:p15="http://schemas.microsoft.com/office/powerpoint/2012/main"/>
+    </p:ext>
+  </p:extLst>
 </p:presentation>
 </file>
 
@@ -6042,6 +6048,1781 @@
           <p:cNvPr id="2" name="Titolo 1">
             <a:extLst>
               <a:ext uri="{FF2B5EF4-FFF2-40B4-BE49-F238E27FC236}">
+                <a16:creationId xmlns:a16="http://schemas.microsoft.com/office/drawing/2014/main" id="{29776B8B-AC00-4588-B60F-1ED8C33B6FA8}"/>
+              </a:ext>
+            </a:extLst>
+          </p:cNvPr>
+          <p:cNvSpPr>
+            <a:spLocks noGrp="1"/>
+          </p:cNvSpPr>
+          <p:nvPr>
+            <p:ph type="title"/>
+          </p:nvPr>
+        </p:nvSpPr>
+        <p:spPr>
+          <a:xfrm>
+            <a:off x="416460" y="353085"/>
+            <a:ext cx="8596668" cy="1320800"/>
+          </a:xfrm>
+        </p:spPr>
+        <p:txBody>
+          <a:bodyPr/>
+          <a:lstStyle/>
+          <a:p>
+            <a:r>
+              <a:rPr lang="it-IT" dirty="0">
+                <a:latin typeface="Times New Roman" panose="02020603050405020304" pitchFamily="18" charset="0"/>
+                <a:cs typeface="Times New Roman" panose="02020603050405020304" pitchFamily="18" charset="0"/>
+              </a:rPr>
+              <a:t>Database Creation MySQL (2/3)</a:t>
+            </a:r>
+            <a:endParaRPr lang="en-US" dirty="0"/>
+          </a:p>
+        </p:txBody>
+      </p:sp>
+      <p:sp>
+        <p:nvSpPr>
+          <p:cNvPr id="3" name="Segnaposto contenuto 2">
+            <a:extLst>
+              <a:ext uri="{FF2B5EF4-FFF2-40B4-BE49-F238E27FC236}">
+                <a16:creationId xmlns:a16="http://schemas.microsoft.com/office/drawing/2014/main" id="{541C88A0-121A-11E1-F6B9-2A3A457B723E}"/>
+              </a:ext>
+            </a:extLst>
+          </p:cNvPr>
+          <p:cNvSpPr>
+            <a:spLocks noGrp="1"/>
+          </p:cNvSpPr>
+          <p:nvPr>
+            <p:ph idx="1"/>
+          </p:nvPr>
+        </p:nvSpPr>
+        <p:spPr>
+          <a:xfrm>
+            <a:off x="416460" y="1339410"/>
+            <a:ext cx="10322627" cy="5369208"/>
+          </a:xfrm>
+        </p:spPr>
+        <p:txBody>
+          <a:bodyPr>
+            <a:normAutofit/>
+          </a:bodyPr>
+          <a:lstStyle/>
+          <a:p>
+            <a:pPr marL="0" indent="0">
+              <a:spcBef>
+                <a:spcPts val="0"/>
+              </a:spcBef>
+              <a:buNone/>
+            </a:pPr>
+            <a:r>
+              <a:rPr lang="en-US" sz="1500" dirty="0">
+                <a:solidFill>
+                  <a:srgbClr val="00B0F0"/>
+                </a:solidFill>
+                <a:latin typeface="Times New Roman" panose="02020603050405020304" pitchFamily="18" charset="0"/>
+                <a:cs typeface="Times New Roman" panose="02020603050405020304" pitchFamily="18" charset="0"/>
+              </a:rPr>
+              <a:t>CREATE TABLE </a:t>
+            </a:r>
+            <a:r>
+              <a:rPr lang="en-US" sz="1500" dirty="0">
+                <a:solidFill>
+                  <a:srgbClr val="C00000"/>
+                </a:solidFill>
+                <a:latin typeface="Times New Roman" panose="02020603050405020304" pitchFamily="18" charset="0"/>
+                <a:cs typeface="Times New Roman" panose="02020603050405020304" pitchFamily="18" charset="0"/>
+              </a:rPr>
+              <a:t>`</a:t>
+            </a:r>
+            <a:r>
+              <a:rPr lang="en-US" sz="1500" dirty="0" err="1">
+                <a:solidFill>
+                  <a:srgbClr val="C00000"/>
+                </a:solidFill>
+                <a:latin typeface="Times New Roman" panose="02020603050405020304" pitchFamily="18" charset="0"/>
+                <a:cs typeface="Times New Roman" panose="02020603050405020304" pitchFamily="18" charset="0"/>
+              </a:rPr>
+              <a:t>astearticoli</a:t>
+            </a:r>
+            <a:r>
+              <a:rPr lang="en-US" sz="1500" dirty="0">
+                <a:solidFill>
+                  <a:srgbClr val="C00000"/>
+                </a:solidFill>
+                <a:latin typeface="Times New Roman" panose="02020603050405020304" pitchFamily="18" charset="0"/>
+                <a:cs typeface="Times New Roman" panose="02020603050405020304" pitchFamily="18" charset="0"/>
+              </a:rPr>
+              <a:t>`</a:t>
+            </a:r>
+            <a:r>
+              <a:rPr lang="en-US" sz="1500" dirty="0">
+                <a:latin typeface="Times New Roman" panose="02020603050405020304" pitchFamily="18" charset="0"/>
+                <a:cs typeface="Times New Roman" panose="02020603050405020304" pitchFamily="18" charset="0"/>
+              </a:rPr>
+              <a:t> (  </a:t>
+            </a:r>
+          </a:p>
+          <a:p>
+            <a:pPr marL="0" indent="0">
+              <a:spcBef>
+                <a:spcPts val="0"/>
+              </a:spcBef>
+              <a:buNone/>
+            </a:pPr>
+            <a:r>
+              <a:rPr lang="en-US" sz="1500" dirty="0">
+                <a:latin typeface="Times New Roman" panose="02020603050405020304" pitchFamily="18" charset="0"/>
+                <a:cs typeface="Times New Roman" panose="02020603050405020304" pitchFamily="18" charset="0"/>
+              </a:rPr>
+              <a:t>	</a:t>
+            </a:r>
+            <a:r>
+              <a:rPr lang="en-US" sz="1500" dirty="0">
+                <a:solidFill>
+                  <a:srgbClr val="C00000"/>
+                </a:solidFill>
+                <a:latin typeface="Times New Roman" panose="02020603050405020304" pitchFamily="18" charset="0"/>
+                <a:cs typeface="Times New Roman" panose="02020603050405020304" pitchFamily="18" charset="0"/>
+              </a:rPr>
+              <a:t>`</a:t>
+            </a:r>
+            <a:r>
+              <a:rPr lang="en-US" sz="1500" dirty="0" err="1">
+                <a:solidFill>
+                  <a:srgbClr val="C00000"/>
+                </a:solidFill>
+                <a:latin typeface="Times New Roman" panose="02020603050405020304" pitchFamily="18" charset="0"/>
+                <a:cs typeface="Times New Roman" panose="02020603050405020304" pitchFamily="18" charset="0"/>
+              </a:rPr>
+              <a:t>articolo_codArticolo</a:t>
+            </a:r>
+            <a:r>
+              <a:rPr lang="en-US" sz="1500" dirty="0">
+                <a:solidFill>
+                  <a:srgbClr val="C00000"/>
+                </a:solidFill>
+                <a:latin typeface="Times New Roman" panose="02020603050405020304" pitchFamily="18" charset="0"/>
+                <a:cs typeface="Times New Roman" panose="02020603050405020304" pitchFamily="18" charset="0"/>
+              </a:rPr>
+              <a:t>`</a:t>
+            </a:r>
+            <a:r>
+              <a:rPr lang="en-US" sz="1500" dirty="0">
+                <a:latin typeface="Times New Roman" panose="02020603050405020304" pitchFamily="18" charset="0"/>
+                <a:cs typeface="Times New Roman" panose="02020603050405020304" pitchFamily="18" charset="0"/>
+              </a:rPr>
+              <a:t> </a:t>
+            </a:r>
+            <a:r>
+              <a:rPr lang="en-US" sz="1500" dirty="0">
+                <a:solidFill>
+                  <a:srgbClr val="00B0F0"/>
+                </a:solidFill>
+                <a:latin typeface="Times New Roman" panose="02020603050405020304" pitchFamily="18" charset="0"/>
+                <a:cs typeface="Times New Roman" panose="02020603050405020304" pitchFamily="18" charset="0"/>
+              </a:rPr>
+              <a:t>int NOT NULL</a:t>
+            </a:r>
+            <a:r>
+              <a:rPr lang="en-US" sz="1500" dirty="0">
+                <a:latin typeface="Times New Roman" panose="02020603050405020304" pitchFamily="18" charset="0"/>
+                <a:cs typeface="Times New Roman" panose="02020603050405020304" pitchFamily="18" charset="0"/>
+              </a:rPr>
+              <a:t>,  </a:t>
+            </a:r>
+          </a:p>
+          <a:p>
+            <a:pPr marL="0" indent="0">
+              <a:spcBef>
+                <a:spcPts val="0"/>
+              </a:spcBef>
+              <a:buNone/>
+            </a:pPr>
+            <a:r>
+              <a:rPr lang="en-US" sz="1500" dirty="0">
+                <a:latin typeface="Times New Roman" panose="02020603050405020304" pitchFamily="18" charset="0"/>
+                <a:cs typeface="Times New Roman" panose="02020603050405020304" pitchFamily="18" charset="0"/>
+              </a:rPr>
+              <a:t>	</a:t>
+            </a:r>
+            <a:r>
+              <a:rPr lang="en-US" sz="1500" dirty="0">
+                <a:solidFill>
+                  <a:srgbClr val="C00000"/>
+                </a:solidFill>
+                <a:latin typeface="Times New Roman" panose="02020603050405020304" pitchFamily="18" charset="0"/>
+                <a:cs typeface="Times New Roman" panose="02020603050405020304" pitchFamily="18" charset="0"/>
+              </a:rPr>
+              <a:t>`</a:t>
+            </a:r>
+            <a:r>
+              <a:rPr lang="en-US" sz="1500" dirty="0" err="1">
+                <a:solidFill>
+                  <a:srgbClr val="C00000"/>
+                </a:solidFill>
+                <a:latin typeface="Times New Roman" panose="02020603050405020304" pitchFamily="18" charset="0"/>
+                <a:cs typeface="Times New Roman" panose="02020603050405020304" pitchFamily="18" charset="0"/>
+              </a:rPr>
+              <a:t>asta_idAsta</a:t>
+            </a:r>
+            <a:r>
+              <a:rPr lang="en-US" sz="1500" dirty="0">
+                <a:solidFill>
+                  <a:srgbClr val="C00000"/>
+                </a:solidFill>
+                <a:latin typeface="Times New Roman" panose="02020603050405020304" pitchFamily="18" charset="0"/>
+                <a:cs typeface="Times New Roman" panose="02020603050405020304" pitchFamily="18" charset="0"/>
+              </a:rPr>
+              <a:t>`</a:t>
+            </a:r>
+            <a:r>
+              <a:rPr lang="en-US" sz="1500" dirty="0">
+                <a:latin typeface="Times New Roman" panose="02020603050405020304" pitchFamily="18" charset="0"/>
+                <a:cs typeface="Times New Roman" panose="02020603050405020304" pitchFamily="18" charset="0"/>
+              </a:rPr>
+              <a:t> </a:t>
+            </a:r>
+            <a:r>
+              <a:rPr lang="en-US" sz="1500" dirty="0">
+                <a:solidFill>
+                  <a:srgbClr val="00B0F0"/>
+                </a:solidFill>
+                <a:latin typeface="Times New Roman" panose="02020603050405020304" pitchFamily="18" charset="0"/>
+                <a:cs typeface="Times New Roman" panose="02020603050405020304" pitchFamily="18" charset="0"/>
+              </a:rPr>
+              <a:t>int NOT NULL</a:t>
+            </a:r>
+            <a:r>
+              <a:rPr lang="en-US" sz="1500" dirty="0">
+                <a:latin typeface="Times New Roman" panose="02020603050405020304" pitchFamily="18" charset="0"/>
+                <a:cs typeface="Times New Roman" panose="02020603050405020304" pitchFamily="18" charset="0"/>
+              </a:rPr>
+              <a:t>,  </a:t>
+            </a:r>
+          </a:p>
+          <a:p>
+            <a:pPr marL="0" indent="0">
+              <a:spcBef>
+                <a:spcPts val="0"/>
+              </a:spcBef>
+              <a:buNone/>
+            </a:pPr>
+            <a:r>
+              <a:rPr lang="en-US" sz="1500" dirty="0">
+                <a:latin typeface="Times New Roman" panose="02020603050405020304" pitchFamily="18" charset="0"/>
+                <a:cs typeface="Times New Roman" panose="02020603050405020304" pitchFamily="18" charset="0"/>
+              </a:rPr>
+              <a:t>	</a:t>
+            </a:r>
+            <a:r>
+              <a:rPr lang="en-US" sz="1500" dirty="0">
+                <a:solidFill>
+                  <a:srgbClr val="00B0F0"/>
+                </a:solidFill>
+                <a:latin typeface="Times New Roman" panose="02020603050405020304" pitchFamily="18" charset="0"/>
+                <a:cs typeface="Times New Roman" panose="02020603050405020304" pitchFamily="18" charset="0"/>
+              </a:rPr>
+              <a:t>PRIMARY KEY</a:t>
+            </a:r>
+            <a:r>
+              <a:rPr lang="en-US" sz="1500" dirty="0">
+                <a:latin typeface="Times New Roman" panose="02020603050405020304" pitchFamily="18" charset="0"/>
+                <a:cs typeface="Times New Roman" panose="02020603050405020304" pitchFamily="18" charset="0"/>
+              </a:rPr>
+              <a:t> (</a:t>
+            </a:r>
+            <a:r>
+              <a:rPr lang="en-US" sz="1500" dirty="0">
+                <a:solidFill>
+                  <a:srgbClr val="C00000"/>
+                </a:solidFill>
+                <a:latin typeface="Times New Roman" panose="02020603050405020304" pitchFamily="18" charset="0"/>
+                <a:cs typeface="Times New Roman" panose="02020603050405020304" pitchFamily="18" charset="0"/>
+              </a:rPr>
+              <a:t>`articolo_</a:t>
+            </a:r>
+            <a:r>
+              <a:rPr lang="en-US" sz="1500" dirty="0" err="1">
+                <a:solidFill>
+                  <a:srgbClr val="C00000"/>
+                </a:solidFill>
+                <a:latin typeface="Times New Roman" panose="02020603050405020304" pitchFamily="18" charset="0"/>
+                <a:cs typeface="Times New Roman" panose="02020603050405020304" pitchFamily="18" charset="0"/>
+              </a:rPr>
+              <a:t>codArticolo</a:t>
+            </a:r>
+            <a:r>
+              <a:rPr lang="en-US" sz="1500" dirty="0">
+                <a:solidFill>
+                  <a:srgbClr val="C00000"/>
+                </a:solidFill>
+                <a:latin typeface="Times New Roman" panose="02020603050405020304" pitchFamily="18" charset="0"/>
+                <a:cs typeface="Times New Roman" panose="02020603050405020304" pitchFamily="18" charset="0"/>
+              </a:rPr>
+              <a:t>`</a:t>
+            </a:r>
+            <a:r>
+              <a:rPr lang="en-US" sz="1500" dirty="0">
+                <a:latin typeface="Times New Roman" panose="02020603050405020304" pitchFamily="18" charset="0"/>
+                <a:cs typeface="Times New Roman" panose="02020603050405020304" pitchFamily="18" charset="0"/>
+              </a:rPr>
+              <a:t>,</a:t>
+            </a:r>
+            <a:r>
+              <a:rPr lang="en-US" sz="1500" dirty="0">
+                <a:solidFill>
+                  <a:srgbClr val="C00000"/>
+                </a:solidFill>
+                <a:latin typeface="Times New Roman" panose="02020603050405020304" pitchFamily="18" charset="0"/>
+                <a:cs typeface="Times New Roman" panose="02020603050405020304" pitchFamily="18" charset="0"/>
+              </a:rPr>
+              <a:t>`</a:t>
+            </a:r>
+            <a:r>
+              <a:rPr lang="en-US" sz="1500" dirty="0" err="1">
+                <a:solidFill>
+                  <a:srgbClr val="C00000"/>
+                </a:solidFill>
+                <a:latin typeface="Times New Roman" panose="02020603050405020304" pitchFamily="18" charset="0"/>
+                <a:cs typeface="Times New Roman" panose="02020603050405020304" pitchFamily="18" charset="0"/>
+              </a:rPr>
+              <a:t>asta_idAsta</a:t>
+            </a:r>
+            <a:r>
+              <a:rPr lang="en-US" sz="1500" dirty="0">
+                <a:solidFill>
+                  <a:srgbClr val="C00000"/>
+                </a:solidFill>
+                <a:latin typeface="Times New Roman" panose="02020603050405020304" pitchFamily="18" charset="0"/>
+                <a:cs typeface="Times New Roman" panose="02020603050405020304" pitchFamily="18" charset="0"/>
+              </a:rPr>
+              <a:t>`</a:t>
+            </a:r>
+            <a:r>
+              <a:rPr lang="en-US" sz="1500" dirty="0">
+                <a:latin typeface="Times New Roman" panose="02020603050405020304" pitchFamily="18" charset="0"/>
+                <a:cs typeface="Times New Roman" panose="02020603050405020304" pitchFamily="18" charset="0"/>
+              </a:rPr>
+              <a:t>),  </a:t>
+            </a:r>
+          </a:p>
+          <a:p>
+            <a:pPr marL="0" indent="0">
+              <a:spcBef>
+                <a:spcPts val="0"/>
+              </a:spcBef>
+              <a:buNone/>
+            </a:pPr>
+            <a:r>
+              <a:rPr lang="en-US" sz="1500" dirty="0">
+                <a:latin typeface="Times New Roman" panose="02020603050405020304" pitchFamily="18" charset="0"/>
+                <a:cs typeface="Times New Roman" panose="02020603050405020304" pitchFamily="18" charset="0"/>
+              </a:rPr>
+              <a:t>	</a:t>
+            </a:r>
+            <a:r>
+              <a:rPr lang="en-US" sz="1500" dirty="0">
+                <a:solidFill>
+                  <a:srgbClr val="00B0F0"/>
+                </a:solidFill>
+                <a:latin typeface="Times New Roman" panose="02020603050405020304" pitchFamily="18" charset="0"/>
+                <a:cs typeface="Times New Roman" panose="02020603050405020304" pitchFamily="18" charset="0"/>
+              </a:rPr>
+              <a:t>KEY </a:t>
+            </a:r>
+            <a:r>
+              <a:rPr lang="en-US" sz="1500" dirty="0">
+                <a:solidFill>
+                  <a:srgbClr val="C00000"/>
+                </a:solidFill>
+                <a:latin typeface="Times New Roman" panose="02020603050405020304" pitchFamily="18" charset="0"/>
+                <a:cs typeface="Times New Roman" panose="02020603050405020304" pitchFamily="18" charset="0"/>
+              </a:rPr>
+              <a:t>`</a:t>
+            </a:r>
+            <a:r>
+              <a:rPr lang="en-US" sz="1500" dirty="0" err="1">
+                <a:solidFill>
+                  <a:srgbClr val="C00000"/>
+                </a:solidFill>
+                <a:latin typeface="Times New Roman" panose="02020603050405020304" pitchFamily="18" charset="0"/>
+                <a:cs typeface="Times New Roman" panose="02020603050405020304" pitchFamily="18" charset="0"/>
+              </a:rPr>
+              <a:t>fk_asteArticoli_articolo_idx</a:t>
+            </a:r>
+            <a:r>
+              <a:rPr lang="en-US" sz="1500" dirty="0">
+                <a:solidFill>
+                  <a:srgbClr val="C00000"/>
+                </a:solidFill>
+                <a:latin typeface="Times New Roman" panose="02020603050405020304" pitchFamily="18" charset="0"/>
+                <a:cs typeface="Times New Roman" panose="02020603050405020304" pitchFamily="18" charset="0"/>
+              </a:rPr>
+              <a:t>`</a:t>
+            </a:r>
+            <a:r>
+              <a:rPr lang="en-US" sz="1500" dirty="0">
+                <a:latin typeface="Times New Roman" panose="02020603050405020304" pitchFamily="18" charset="0"/>
+                <a:cs typeface="Times New Roman" panose="02020603050405020304" pitchFamily="18" charset="0"/>
+              </a:rPr>
+              <a:t> (</a:t>
+            </a:r>
+            <a:r>
+              <a:rPr lang="en-US" sz="1500" dirty="0">
+                <a:solidFill>
+                  <a:srgbClr val="C00000"/>
+                </a:solidFill>
+                <a:latin typeface="Times New Roman" panose="02020603050405020304" pitchFamily="18" charset="0"/>
+                <a:cs typeface="Times New Roman" panose="02020603050405020304" pitchFamily="18" charset="0"/>
+              </a:rPr>
+              <a:t>`</a:t>
+            </a:r>
+            <a:r>
+              <a:rPr lang="en-US" sz="1500" dirty="0" err="1">
+                <a:solidFill>
+                  <a:srgbClr val="C00000"/>
+                </a:solidFill>
+                <a:latin typeface="Times New Roman" panose="02020603050405020304" pitchFamily="18" charset="0"/>
+                <a:cs typeface="Times New Roman" panose="02020603050405020304" pitchFamily="18" charset="0"/>
+              </a:rPr>
+              <a:t>articolo_codArticolo</a:t>
+            </a:r>
+            <a:r>
+              <a:rPr lang="en-US" sz="1500" dirty="0">
+                <a:solidFill>
+                  <a:srgbClr val="C00000"/>
+                </a:solidFill>
+                <a:latin typeface="Times New Roman" panose="02020603050405020304" pitchFamily="18" charset="0"/>
+                <a:cs typeface="Times New Roman" panose="02020603050405020304" pitchFamily="18" charset="0"/>
+              </a:rPr>
+              <a:t>`</a:t>
+            </a:r>
+            <a:r>
+              <a:rPr lang="en-US" sz="1500" dirty="0">
+                <a:latin typeface="Times New Roman" panose="02020603050405020304" pitchFamily="18" charset="0"/>
+                <a:cs typeface="Times New Roman" panose="02020603050405020304" pitchFamily="18" charset="0"/>
+              </a:rPr>
+              <a:t>),  </a:t>
+            </a:r>
+          </a:p>
+          <a:p>
+            <a:pPr marL="0" indent="0">
+              <a:spcBef>
+                <a:spcPts val="0"/>
+              </a:spcBef>
+              <a:buNone/>
+            </a:pPr>
+            <a:r>
+              <a:rPr lang="en-US" sz="1500" dirty="0">
+                <a:latin typeface="Times New Roman" panose="02020603050405020304" pitchFamily="18" charset="0"/>
+                <a:cs typeface="Times New Roman" panose="02020603050405020304" pitchFamily="18" charset="0"/>
+              </a:rPr>
+              <a:t>	</a:t>
+            </a:r>
+            <a:r>
+              <a:rPr lang="en-US" sz="1500" dirty="0">
+                <a:solidFill>
+                  <a:srgbClr val="00B0F0"/>
+                </a:solidFill>
+                <a:latin typeface="Times New Roman" panose="02020603050405020304" pitchFamily="18" charset="0"/>
+                <a:cs typeface="Times New Roman" panose="02020603050405020304" pitchFamily="18" charset="0"/>
+              </a:rPr>
+              <a:t>KEY</a:t>
+            </a:r>
+            <a:r>
+              <a:rPr lang="en-US" sz="1500" dirty="0">
+                <a:latin typeface="Times New Roman" panose="02020603050405020304" pitchFamily="18" charset="0"/>
+                <a:cs typeface="Times New Roman" panose="02020603050405020304" pitchFamily="18" charset="0"/>
+              </a:rPr>
+              <a:t> </a:t>
+            </a:r>
+            <a:r>
+              <a:rPr lang="en-US" sz="1500" dirty="0">
+                <a:solidFill>
+                  <a:srgbClr val="C00000"/>
+                </a:solidFill>
+                <a:latin typeface="Times New Roman" panose="02020603050405020304" pitchFamily="18" charset="0"/>
+                <a:cs typeface="Times New Roman" panose="02020603050405020304" pitchFamily="18" charset="0"/>
+              </a:rPr>
+              <a:t>`fk_asteArticoli_asta1_idx`</a:t>
+            </a:r>
+            <a:r>
+              <a:rPr lang="en-US" sz="1500" dirty="0">
+                <a:latin typeface="Times New Roman" panose="02020603050405020304" pitchFamily="18" charset="0"/>
+                <a:cs typeface="Times New Roman" panose="02020603050405020304" pitchFamily="18" charset="0"/>
+              </a:rPr>
+              <a:t> (</a:t>
+            </a:r>
+            <a:r>
+              <a:rPr lang="en-US" sz="1500" dirty="0">
+                <a:solidFill>
+                  <a:srgbClr val="C00000"/>
+                </a:solidFill>
+                <a:latin typeface="Times New Roman" panose="02020603050405020304" pitchFamily="18" charset="0"/>
+                <a:cs typeface="Times New Roman" panose="02020603050405020304" pitchFamily="18" charset="0"/>
+              </a:rPr>
+              <a:t>`</a:t>
+            </a:r>
+            <a:r>
+              <a:rPr lang="en-US" sz="1500" dirty="0" err="1">
+                <a:solidFill>
+                  <a:srgbClr val="C00000"/>
+                </a:solidFill>
+                <a:latin typeface="Times New Roman" panose="02020603050405020304" pitchFamily="18" charset="0"/>
+                <a:cs typeface="Times New Roman" panose="02020603050405020304" pitchFamily="18" charset="0"/>
+              </a:rPr>
+              <a:t>asta_idAsta</a:t>
+            </a:r>
+            <a:r>
+              <a:rPr lang="en-US" sz="1500" dirty="0">
+                <a:solidFill>
+                  <a:srgbClr val="C00000"/>
+                </a:solidFill>
+                <a:latin typeface="Times New Roman" panose="02020603050405020304" pitchFamily="18" charset="0"/>
+                <a:cs typeface="Times New Roman" panose="02020603050405020304" pitchFamily="18" charset="0"/>
+              </a:rPr>
+              <a:t>`</a:t>
+            </a:r>
+            <a:r>
+              <a:rPr lang="en-US" sz="1500" dirty="0">
+                <a:latin typeface="Times New Roman" panose="02020603050405020304" pitchFamily="18" charset="0"/>
+                <a:cs typeface="Times New Roman" panose="02020603050405020304" pitchFamily="18" charset="0"/>
+              </a:rPr>
+              <a:t>),  </a:t>
+            </a:r>
+          </a:p>
+          <a:p>
+            <a:pPr marL="0" indent="0">
+              <a:spcBef>
+                <a:spcPts val="0"/>
+              </a:spcBef>
+              <a:buNone/>
+            </a:pPr>
+            <a:r>
+              <a:rPr lang="en-US" sz="1500" dirty="0">
+                <a:latin typeface="Times New Roman" panose="02020603050405020304" pitchFamily="18" charset="0"/>
+                <a:cs typeface="Times New Roman" panose="02020603050405020304" pitchFamily="18" charset="0"/>
+              </a:rPr>
+              <a:t>	</a:t>
+            </a:r>
+            <a:r>
+              <a:rPr lang="en-US" sz="1500" dirty="0">
+                <a:solidFill>
+                  <a:srgbClr val="00B0F0"/>
+                </a:solidFill>
+                <a:latin typeface="Times New Roman" panose="02020603050405020304" pitchFamily="18" charset="0"/>
+                <a:cs typeface="Times New Roman" panose="02020603050405020304" pitchFamily="18" charset="0"/>
+              </a:rPr>
+              <a:t>CONSTRAINT </a:t>
+            </a:r>
+            <a:r>
+              <a:rPr lang="en-US" sz="1500" dirty="0">
+                <a:solidFill>
+                  <a:srgbClr val="C00000"/>
+                </a:solidFill>
+                <a:latin typeface="Times New Roman" panose="02020603050405020304" pitchFamily="18" charset="0"/>
+                <a:cs typeface="Times New Roman" panose="02020603050405020304" pitchFamily="18" charset="0"/>
+              </a:rPr>
+              <a:t>`</a:t>
+            </a:r>
+            <a:r>
+              <a:rPr lang="en-US" sz="1500" dirty="0" err="1">
+                <a:solidFill>
+                  <a:srgbClr val="C00000"/>
+                </a:solidFill>
+                <a:latin typeface="Times New Roman" panose="02020603050405020304" pitchFamily="18" charset="0"/>
+                <a:cs typeface="Times New Roman" panose="02020603050405020304" pitchFamily="18" charset="0"/>
+              </a:rPr>
+              <a:t>fk_asteArticoli_articolo</a:t>
+            </a:r>
+            <a:r>
+              <a:rPr lang="en-US" sz="1500" dirty="0">
+                <a:solidFill>
+                  <a:srgbClr val="C00000"/>
+                </a:solidFill>
+                <a:latin typeface="Times New Roman" panose="02020603050405020304" pitchFamily="18" charset="0"/>
+                <a:cs typeface="Times New Roman" panose="02020603050405020304" pitchFamily="18" charset="0"/>
+              </a:rPr>
+              <a:t>`</a:t>
+            </a:r>
+            <a:r>
+              <a:rPr lang="en-US" sz="1500" dirty="0">
+                <a:latin typeface="Times New Roman" panose="02020603050405020304" pitchFamily="18" charset="0"/>
+                <a:cs typeface="Times New Roman" panose="02020603050405020304" pitchFamily="18" charset="0"/>
+              </a:rPr>
+              <a:t> </a:t>
+            </a:r>
+            <a:r>
+              <a:rPr lang="en-US" sz="1500" dirty="0">
+                <a:solidFill>
+                  <a:srgbClr val="00B0F0"/>
+                </a:solidFill>
+                <a:latin typeface="Times New Roman" panose="02020603050405020304" pitchFamily="18" charset="0"/>
+                <a:cs typeface="Times New Roman" panose="02020603050405020304" pitchFamily="18" charset="0"/>
+              </a:rPr>
+              <a:t>FOREIGN KEY </a:t>
+            </a:r>
+            <a:r>
+              <a:rPr lang="en-US" sz="1500" dirty="0">
+                <a:latin typeface="Times New Roman" panose="02020603050405020304" pitchFamily="18" charset="0"/>
+                <a:cs typeface="Times New Roman" panose="02020603050405020304" pitchFamily="18" charset="0"/>
+              </a:rPr>
+              <a:t>(</a:t>
+            </a:r>
+            <a:r>
+              <a:rPr lang="en-US" sz="1500" dirty="0">
+                <a:solidFill>
+                  <a:srgbClr val="C00000"/>
+                </a:solidFill>
+                <a:latin typeface="Times New Roman" panose="02020603050405020304" pitchFamily="18" charset="0"/>
+                <a:cs typeface="Times New Roman" panose="02020603050405020304" pitchFamily="18" charset="0"/>
+              </a:rPr>
+              <a:t>`</a:t>
+            </a:r>
+            <a:r>
+              <a:rPr lang="en-US" sz="1500" dirty="0" err="1">
+                <a:solidFill>
+                  <a:srgbClr val="C00000"/>
+                </a:solidFill>
+                <a:latin typeface="Times New Roman" panose="02020603050405020304" pitchFamily="18" charset="0"/>
+                <a:cs typeface="Times New Roman" panose="02020603050405020304" pitchFamily="18" charset="0"/>
+              </a:rPr>
+              <a:t>articolo_codArticolo</a:t>
+            </a:r>
+            <a:r>
+              <a:rPr lang="en-US" sz="1500" dirty="0">
+                <a:solidFill>
+                  <a:srgbClr val="C00000"/>
+                </a:solidFill>
+                <a:latin typeface="Times New Roman" panose="02020603050405020304" pitchFamily="18" charset="0"/>
+                <a:cs typeface="Times New Roman" panose="02020603050405020304" pitchFamily="18" charset="0"/>
+              </a:rPr>
+              <a:t>`</a:t>
+            </a:r>
+            <a:r>
+              <a:rPr lang="en-US" sz="1500" dirty="0">
+                <a:latin typeface="Times New Roman" panose="02020603050405020304" pitchFamily="18" charset="0"/>
+                <a:cs typeface="Times New Roman" panose="02020603050405020304" pitchFamily="18" charset="0"/>
+              </a:rPr>
+              <a:t>) </a:t>
+            </a:r>
+          </a:p>
+          <a:p>
+            <a:pPr marL="0" indent="0">
+              <a:spcBef>
+                <a:spcPts val="0"/>
+              </a:spcBef>
+              <a:buNone/>
+            </a:pPr>
+            <a:r>
+              <a:rPr lang="en-US" sz="1500" dirty="0">
+                <a:latin typeface="Times New Roman" panose="02020603050405020304" pitchFamily="18" charset="0"/>
+                <a:cs typeface="Times New Roman" panose="02020603050405020304" pitchFamily="18" charset="0"/>
+              </a:rPr>
+              <a:t>		</a:t>
+            </a:r>
+            <a:r>
+              <a:rPr lang="en-US" sz="1500" dirty="0">
+                <a:solidFill>
+                  <a:srgbClr val="00B0F0"/>
+                </a:solidFill>
+                <a:latin typeface="Times New Roman" panose="02020603050405020304" pitchFamily="18" charset="0"/>
+                <a:cs typeface="Times New Roman" panose="02020603050405020304" pitchFamily="18" charset="0"/>
+              </a:rPr>
+              <a:t>REFERENCES</a:t>
+            </a:r>
+            <a:r>
+              <a:rPr lang="en-US" sz="1500" dirty="0">
+                <a:latin typeface="Times New Roman" panose="02020603050405020304" pitchFamily="18" charset="0"/>
+                <a:cs typeface="Times New Roman" panose="02020603050405020304" pitchFamily="18" charset="0"/>
+              </a:rPr>
+              <a:t> </a:t>
+            </a:r>
+            <a:r>
+              <a:rPr lang="en-US" sz="1500" dirty="0">
+                <a:solidFill>
+                  <a:srgbClr val="C00000"/>
+                </a:solidFill>
+                <a:latin typeface="Times New Roman" panose="02020603050405020304" pitchFamily="18" charset="0"/>
+                <a:cs typeface="Times New Roman" panose="02020603050405020304" pitchFamily="18" charset="0"/>
+              </a:rPr>
+              <a:t>`</a:t>
+            </a:r>
+            <a:r>
+              <a:rPr lang="en-US" sz="1500" dirty="0" err="1">
+                <a:solidFill>
+                  <a:srgbClr val="C00000"/>
+                </a:solidFill>
+                <a:latin typeface="Times New Roman" panose="02020603050405020304" pitchFamily="18" charset="0"/>
+                <a:cs typeface="Times New Roman" panose="02020603050405020304" pitchFamily="18" charset="0"/>
+              </a:rPr>
+              <a:t>articolo</a:t>
+            </a:r>
+            <a:r>
+              <a:rPr lang="en-US" sz="1500" dirty="0">
+                <a:solidFill>
+                  <a:srgbClr val="C00000"/>
+                </a:solidFill>
+                <a:latin typeface="Times New Roman" panose="02020603050405020304" pitchFamily="18" charset="0"/>
+                <a:cs typeface="Times New Roman" panose="02020603050405020304" pitchFamily="18" charset="0"/>
+              </a:rPr>
+              <a:t>`</a:t>
+            </a:r>
+            <a:r>
+              <a:rPr lang="en-US" sz="1500" dirty="0">
+                <a:latin typeface="Times New Roman" panose="02020603050405020304" pitchFamily="18" charset="0"/>
+                <a:cs typeface="Times New Roman" panose="02020603050405020304" pitchFamily="18" charset="0"/>
+              </a:rPr>
+              <a:t> (</a:t>
+            </a:r>
+            <a:r>
+              <a:rPr lang="en-US" sz="1500" dirty="0">
+                <a:solidFill>
+                  <a:srgbClr val="C00000"/>
+                </a:solidFill>
+                <a:latin typeface="Times New Roman" panose="02020603050405020304" pitchFamily="18" charset="0"/>
+                <a:cs typeface="Times New Roman" panose="02020603050405020304" pitchFamily="18" charset="0"/>
+              </a:rPr>
+              <a:t>`</a:t>
+            </a:r>
+            <a:r>
+              <a:rPr lang="en-US" sz="1500" dirty="0" err="1">
+                <a:solidFill>
+                  <a:srgbClr val="C00000"/>
+                </a:solidFill>
+                <a:latin typeface="Times New Roman" panose="02020603050405020304" pitchFamily="18" charset="0"/>
+                <a:cs typeface="Times New Roman" panose="02020603050405020304" pitchFamily="18" charset="0"/>
+              </a:rPr>
+              <a:t>codArticolo</a:t>
+            </a:r>
+            <a:r>
+              <a:rPr lang="en-US" sz="1500" dirty="0">
+                <a:solidFill>
+                  <a:srgbClr val="C00000"/>
+                </a:solidFill>
+                <a:latin typeface="Times New Roman" panose="02020603050405020304" pitchFamily="18" charset="0"/>
+                <a:cs typeface="Times New Roman" panose="02020603050405020304" pitchFamily="18" charset="0"/>
+              </a:rPr>
+              <a:t>`</a:t>
+            </a:r>
+            <a:r>
+              <a:rPr lang="en-US" sz="1500" dirty="0">
+                <a:latin typeface="Times New Roman" panose="02020603050405020304" pitchFamily="18" charset="0"/>
+                <a:cs typeface="Times New Roman" panose="02020603050405020304" pitchFamily="18" charset="0"/>
+              </a:rPr>
+              <a:t>),  </a:t>
+            </a:r>
+          </a:p>
+          <a:p>
+            <a:pPr marL="0" indent="0">
+              <a:spcBef>
+                <a:spcPts val="0"/>
+              </a:spcBef>
+              <a:buNone/>
+            </a:pPr>
+            <a:r>
+              <a:rPr lang="en-US" sz="1500" dirty="0">
+                <a:latin typeface="Times New Roman" panose="02020603050405020304" pitchFamily="18" charset="0"/>
+                <a:cs typeface="Times New Roman" panose="02020603050405020304" pitchFamily="18" charset="0"/>
+              </a:rPr>
+              <a:t>	</a:t>
+            </a:r>
+            <a:r>
+              <a:rPr lang="en-US" sz="1500" dirty="0">
+                <a:solidFill>
+                  <a:srgbClr val="00B0F0"/>
+                </a:solidFill>
+                <a:latin typeface="Times New Roman" panose="02020603050405020304" pitchFamily="18" charset="0"/>
+                <a:cs typeface="Times New Roman" panose="02020603050405020304" pitchFamily="18" charset="0"/>
+              </a:rPr>
+              <a:t>CONSTRAINT</a:t>
+            </a:r>
+            <a:r>
+              <a:rPr lang="en-US" sz="1500" dirty="0">
+                <a:latin typeface="Times New Roman" panose="02020603050405020304" pitchFamily="18" charset="0"/>
+                <a:cs typeface="Times New Roman" panose="02020603050405020304" pitchFamily="18" charset="0"/>
+              </a:rPr>
+              <a:t> </a:t>
+            </a:r>
+            <a:r>
+              <a:rPr lang="en-US" sz="1500" dirty="0">
+                <a:solidFill>
+                  <a:srgbClr val="C00000"/>
+                </a:solidFill>
+                <a:latin typeface="Times New Roman" panose="02020603050405020304" pitchFamily="18" charset="0"/>
+                <a:cs typeface="Times New Roman" panose="02020603050405020304" pitchFamily="18" charset="0"/>
+              </a:rPr>
+              <a:t>`fk_asteArticoli_asta1`</a:t>
+            </a:r>
+            <a:r>
+              <a:rPr lang="en-US" sz="1500" dirty="0">
+                <a:latin typeface="Times New Roman" panose="02020603050405020304" pitchFamily="18" charset="0"/>
+                <a:cs typeface="Times New Roman" panose="02020603050405020304" pitchFamily="18" charset="0"/>
+              </a:rPr>
+              <a:t> </a:t>
+            </a:r>
+            <a:r>
+              <a:rPr lang="en-US" sz="1500" dirty="0">
+                <a:solidFill>
+                  <a:srgbClr val="00B0F0"/>
+                </a:solidFill>
+                <a:latin typeface="Times New Roman" panose="02020603050405020304" pitchFamily="18" charset="0"/>
+                <a:cs typeface="Times New Roman" panose="02020603050405020304" pitchFamily="18" charset="0"/>
+              </a:rPr>
+              <a:t>FOREIGN KEY </a:t>
+            </a:r>
+            <a:r>
+              <a:rPr lang="en-US" sz="1500" dirty="0">
+                <a:latin typeface="Times New Roman" panose="02020603050405020304" pitchFamily="18" charset="0"/>
+                <a:cs typeface="Times New Roman" panose="02020603050405020304" pitchFamily="18" charset="0"/>
+              </a:rPr>
+              <a:t>(</a:t>
+            </a:r>
+            <a:r>
+              <a:rPr lang="en-US" sz="1500" dirty="0">
+                <a:solidFill>
+                  <a:srgbClr val="C00000"/>
+                </a:solidFill>
+                <a:latin typeface="Times New Roman" panose="02020603050405020304" pitchFamily="18" charset="0"/>
+                <a:cs typeface="Times New Roman" panose="02020603050405020304" pitchFamily="18" charset="0"/>
+              </a:rPr>
+              <a:t>`</a:t>
+            </a:r>
+            <a:r>
+              <a:rPr lang="en-US" sz="1500" dirty="0" err="1">
+                <a:solidFill>
+                  <a:srgbClr val="C00000"/>
+                </a:solidFill>
+                <a:latin typeface="Times New Roman" panose="02020603050405020304" pitchFamily="18" charset="0"/>
+                <a:cs typeface="Times New Roman" panose="02020603050405020304" pitchFamily="18" charset="0"/>
+              </a:rPr>
+              <a:t>asta_idAsta</a:t>
+            </a:r>
+            <a:r>
+              <a:rPr lang="en-US" sz="1500" dirty="0">
+                <a:solidFill>
+                  <a:srgbClr val="C00000"/>
+                </a:solidFill>
+                <a:latin typeface="Times New Roman" panose="02020603050405020304" pitchFamily="18" charset="0"/>
+                <a:cs typeface="Times New Roman" panose="02020603050405020304" pitchFamily="18" charset="0"/>
+              </a:rPr>
+              <a:t>`</a:t>
+            </a:r>
+            <a:r>
+              <a:rPr lang="en-US" sz="1500" dirty="0">
+                <a:latin typeface="Times New Roman" panose="02020603050405020304" pitchFamily="18" charset="0"/>
+                <a:cs typeface="Times New Roman" panose="02020603050405020304" pitchFamily="18" charset="0"/>
+              </a:rPr>
+              <a:t>) </a:t>
+            </a:r>
+            <a:r>
+              <a:rPr lang="en-US" sz="1500" dirty="0">
+                <a:solidFill>
+                  <a:srgbClr val="00B0F0"/>
+                </a:solidFill>
+                <a:latin typeface="Times New Roman" panose="02020603050405020304" pitchFamily="18" charset="0"/>
+                <a:cs typeface="Times New Roman" panose="02020603050405020304" pitchFamily="18" charset="0"/>
+              </a:rPr>
+              <a:t>REFERENCES</a:t>
+            </a:r>
+            <a:r>
+              <a:rPr lang="en-US" sz="1500" dirty="0">
+                <a:latin typeface="Times New Roman" panose="02020603050405020304" pitchFamily="18" charset="0"/>
+                <a:cs typeface="Times New Roman" panose="02020603050405020304" pitchFamily="18" charset="0"/>
+              </a:rPr>
+              <a:t> </a:t>
+            </a:r>
+            <a:r>
+              <a:rPr lang="en-US" sz="1500" dirty="0">
+                <a:solidFill>
+                  <a:srgbClr val="C00000"/>
+                </a:solidFill>
+                <a:latin typeface="Times New Roman" panose="02020603050405020304" pitchFamily="18" charset="0"/>
+                <a:cs typeface="Times New Roman" panose="02020603050405020304" pitchFamily="18" charset="0"/>
+              </a:rPr>
+              <a:t>`</a:t>
+            </a:r>
+            <a:r>
+              <a:rPr lang="en-US" sz="1500" dirty="0" err="1">
+                <a:solidFill>
+                  <a:srgbClr val="C00000"/>
+                </a:solidFill>
+                <a:latin typeface="Times New Roman" panose="02020603050405020304" pitchFamily="18" charset="0"/>
+                <a:cs typeface="Times New Roman" panose="02020603050405020304" pitchFamily="18" charset="0"/>
+              </a:rPr>
+              <a:t>asta</a:t>
+            </a:r>
+            <a:r>
+              <a:rPr lang="en-US" sz="1500" dirty="0">
+                <a:solidFill>
+                  <a:srgbClr val="C00000"/>
+                </a:solidFill>
+                <a:latin typeface="Times New Roman" panose="02020603050405020304" pitchFamily="18" charset="0"/>
+                <a:cs typeface="Times New Roman" panose="02020603050405020304" pitchFamily="18" charset="0"/>
+              </a:rPr>
+              <a:t>`</a:t>
+            </a:r>
+            <a:r>
+              <a:rPr lang="en-US" sz="1500" dirty="0">
+                <a:latin typeface="Times New Roman" panose="02020603050405020304" pitchFamily="18" charset="0"/>
+                <a:cs typeface="Times New Roman" panose="02020603050405020304" pitchFamily="18" charset="0"/>
+              </a:rPr>
+              <a:t> (</a:t>
+            </a:r>
+            <a:r>
+              <a:rPr lang="en-US" sz="1500" dirty="0">
+                <a:solidFill>
+                  <a:srgbClr val="C00000"/>
+                </a:solidFill>
+                <a:latin typeface="Times New Roman" panose="02020603050405020304" pitchFamily="18" charset="0"/>
+                <a:cs typeface="Times New Roman" panose="02020603050405020304" pitchFamily="18" charset="0"/>
+              </a:rPr>
+              <a:t>`</a:t>
+            </a:r>
+            <a:r>
+              <a:rPr lang="en-US" sz="1500" dirty="0" err="1">
+                <a:solidFill>
+                  <a:srgbClr val="C00000"/>
+                </a:solidFill>
+                <a:latin typeface="Times New Roman" panose="02020603050405020304" pitchFamily="18" charset="0"/>
+                <a:cs typeface="Times New Roman" panose="02020603050405020304" pitchFamily="18" charset="0"/>
+              </a:rPr>
+              <a:t>idAsta</a:t>
+            </a:r>
+            <a:r>
+              <a:rPr lang="en-US" sz="1500" dirty="0">
+                <a:solidFill>
+                  <a:srgbClr val="C00000"/>
+                </a:solidFill>
+                <a:latin typeface="Times New Roman" panose="02020603050405020304" pitchFamily="18" charset="0"/>
+                <a:cs typeface="Times New Roman" panose="02020603050405020304" pitchFamily="18" charset="0"/>
+              </a:rPr>
+              <a:t>`</a:t>
+            </a:r>
+            <a:r>
+              <a:rPr lang="en-US" sz="1500" dirty="0">
+                <a:latin typeface="Times New Roman" panose="02020603050405020304" pitchFamily="18" charset="0"/>
+                <a:cs typeface="Times New Roman" panose="02020603050405020304" pitchFamily="18" charset="0"/>
+              </a:rPr>
+              <a:t>)</a:t>
+            </a:r>
+          </a:p>
+          <a:p>
+            <a:pPr marL="0" indent="0">
+              <a:spcBef>
+                <a:spcPts val="0"/>
+              </a:spcBef>
+              <a:buNone/>
+            </a:pPr>
+            <a:r>
+              <a:rPr lang="en-US" sz="1500" dirty="0">
+                <a:latin typeface="Times New Roman" panose="02020603050405020304" pitchFamily="18" charset="0"/>
+                <a:cs typeface="Times New Roman" panose="02020603050405020304" pitchFamily="18" charset="0"/>
+              </a:rPr>
+              <a:t>);</a:t>
+            </a:r>
+          </a:p>
+          <a:p>
+            <a:pPr marL="0" indent="0">
+              <a:spcBef>
+                <a:spcPts val="0"/>
+              </a:spcBef>
+              <a:buNone/>
+            </a:pPr>
+            <a:endParaRPr lang="en-US" sz="1500" dirty="0">
+              <a:latin typeface="Times New Roman" panose="02020603050405020304" pitchFamily="18" charset="0"/>
+              <a:cs typeface="Times New Roman" panose="02020603050405020304" pitchFamily="18" charset="0"/>
+            </a:endParaRPr>
+          </a:p>
+          <a:p>
+            <a:pPr marL="0" indent="0">
+              <a:spcBef>
+                <a:spcPts val="0"/>
+              </a:spcBef>
+              <a:buNone/>
+            </a:pPr>
+            <a:r>
+              <a:rPr lang="en-US" sz="1500" dirty="0">
+                <a:solidFill>
+                  <a:srgbClr val="00B0F0"/>
+                </a:solidFill>
+                <a:latin typeface="Times New Roman" panose="02020603050405020304" pitchFamily="18" charset="0"/>
+                <a:cs typeface="Times New Roman" panose="02020603050405020304" pitchFamily="18" charset="0"/>
+              </a:rPr>
+              <a:t>CREATE TABLE</a:t>
+            </a:r>
+            <a:r>
+              <a:rPr lang="en-US" sz="1500" dirty="0">
+                <a:latin typeface="Times New Roman" panose="02020603050405020304" pitchFamily="18" charset="0"/>
+                <a:cs typeface="Times New Roman" panose="02020603050405020304" pitchFamily="18" charset="0"/>
+              </a:rPr>
+              <a:t> </a:t>
+            </a:r>
+            <a:r>
+              <a:rPr lang="en-US" sz="1500" dirty="0">
+                <a:solidFill>
+                  <a:srgbClr val="C00000"/>
+                </a:solidFill>
+                <a:latin typeface="Times New Roman" panose="02020603050405020304" pitchFamily="18" charset="0"/>
+                <a:cs typeface="Times New Roman" panose="02020603050405020304" pitchFamily="18" charset="0"/>
+              </a:rPr>
+              <a:t>`</a:t>
+            </a:r>
+            <a:r>
+              <a:rPr lang="en-US" sz="1500" dirty="0" err="1">
+                <a:solidFill>
+                  <a:srgbClr val="C00000"/>
+                </a:solidFill>
+                <a:latin typeface="Times New Roman" panose="02020603050405020304" pitchFamily="18" charset="0"/>
+                <a:cs typeface="Times New Roman" panose="02020603050405020304" pitchFamily="18" charset="0"/>
+              </a:rPr>
+              <a:t>utente</a:t>
+            </a:r>
+            <a:r>
+              <a:rPr lang="en-US" sz="1500" dirty="0">
+                <a:solidFill>
+                  <a:srgbClr val="C00000"/>
+                </a:solidFill>
+                <a:latin typeface="Times New Roman" panose="02020603050405020304" pitchFamily="18" charset="0"/>
+                <a:cs typeface="Times New Roman" panose="02020603050405020304" pitchFamily="18" charset="0"/>
+              </a:rPr>
+              <a:t>`</a:t>
+            </a:r>
+            <a:r>
+              <a:rPr lang="en-US" sz="1500" dirty="0">
+                <a:latin typeface="Times New Roman" panose="02020603050405020304" pitchFamily="18" charset="0"/>
+                <a:cs typeface="Times New Roman" panose="02020603050405020304" pitchFamily="18" charset="0"/>
+              </a:rPr>
+              <a:t> (  </a:t>
+            </a:r>
+          </a:p>
+          <a:p>
+            <a:pPr marL="0" indent="0">
+              <a:spcBef>
+                <a:spcPts val="0"/>
+              </a:spcBef>
+              <a:buNone/>
+            </a:pPr>
+            <a:r>
+              <a:rPr lang="en-US" sz="1500" dirty="0">
+                <a:latin typeface="Times New Roman" panose="02020603050405020304" pitchFamily="18" charset="0"/>
+                <a:cs typeface="Times New Roman" panose="02020603050405020304" pitchFamily="18" charset="0"/>
+              </a:rPr>
+              <a:t>	</a:t>
+            </a:r>
+            <a:r>
+              <a:rPr lang="en-US" sz="1500" dirty="0">
+                <a:solidFill>
+                  <a:srgbClr val="C00000"/>
+                </a:solidFill>
+                <a:latin typeface="Times New Roman" panose="02020603050405020304" pitchFamily="18" charset="0"/>
+                <a:cs typeface="Times New Roman" panose="02020603050405020304" pitchFamily="18" charset="0"/>
+              </a:rPr>
+              <a:t>`</a:t>
+            </a:r>
+            <a:r>
+              <a:rPr lang="en-US" sz="1500" dirty="0" err="1">
+                <a:solidFill>
+                  <a:srgbClr val="C00000"/>
+                </a:solidFill>
+                <a:latin typeface="Times New Roman" panose="02020603050405020304" pitchFamily="18" charset="0"/>
+                <a:cs typeface="Times New Roman" panose="02020603050405020304" pitchFamily="18" charset="0"/>
+              </a:rPr>
+              <a:t>idUtente</a:t>
+            </a:r>
+            <a:r>
+              <a:rPr lang="en-US" sz="1500" dirty="0">
+                <a:solidFill>
+                  <a:srgbClr val="C00000"/>
+                </a:solidFill>
+                <a:latin typeface="Times New Roman" panose="02020603050405020304" pitchFamily="18" charset="0"/>
+                <a:cs typeface="Times New Roman" panose="02020603050405020304" pitchFamily="18" charset="0"/>
+              </a:rPr>
+              <a:t>`</a:t>
+            </a:r>
+            <a:r>
+              <a:rPr lang="en-US" sz="1500" dirty="0">
+                <a:latin typeface="Times New Roman" panose="02020603050405020304" pitchFamily="18" charset="0"/>
+                <a:cs typeface="Times New Roman" panose="02020603050405020304" pitchFamily="18" charset="0"/>
+              </a:rPr>
+              <a:t> </a:t>
+            </a:r>
+            <a:r>
+              <a:rPr lang="en-US" sz="1500" dirty="0">
+                <a:solidFill>
+                  <a:srgbClr val="00B0F0"/>
+                </a:solidFill>
+                <a:latin typeface="Times New Roman" panose="02020603050405020304" pitchFamily="18" charset="0"/>
+                <a:cs typeface="Times New Roman" panose="02020603050405020304" pitchFamily="18" charset="0"/>
+              </a:rPr>
+              <a:t>int NOT NULL AUTO_INCREMENT</a:t>
+            </a:r>
+            <a:r>
+              <a:rPr lang="en-US" sz="1500" dirty="0">
+                <a:latin typeface="Times New Roman" panose="02020603050405020304" pitchFamily="18" charset="0"/>
+                <a:cs typeface="Times New Roman" panose="02020603050405020304" pitchFamily="18" charset="0"/>
+              </a:rPr>
+              <a:t>,  </a:t>
+            </a:r>
+          </a:p>
+          <a:p>
+            <a:pPr marL="0" indent="0">
+              <a:spcBef>
+                <a:spcPts val="0"/>
+              </a:spcBef>
+              <a:buNone/>
+            </a:pPr>
+            <a:r>
+              <a:rPr lang="en-US" sz="1500" dirty="0">
+                <a:latin typeface="Times New Roman" panose="02020603050405020304" pitchFamily="18" charset="0"/>
+                <a:cs typeface="Times New Roman" panose="02020603050405020304" pitchFamily="18" charset="0"/>
+              </a:rPr>
+              <a:t>	</a:t>
+            </a:r>
+            <a:r>
+              <a:rPr lang="en-US" sz="1500" dirty="0">
+                <a:solidFill>
+                  <a:srgbClr val="C00000"/>
+                </a:solidFill>
+                <a:latin typeface="Times New Roman" panose="02020603050405020304" pitchFamily="18" charset="0"/>
+                <a:cs typeface="Times New Roman" panose="02020603050405020304" pitchFamily="18" charset="0"/>
+              </a:rPr>
+              <a:t>`</a:t>
+            </a:r>
+            <a:r>
+              <a:rPr lang="en-US" sz="1500" dirty="0" err="1">
+                <a:solidFill>
+                  <a:srgbClr val="C00000"/>
+                </a:solidFill>
+                <a:latin typeface="Times New Roman" panose="02020603050405020304" pitchFamily="18" charset="0"/>
+                <a:cs typeface="Times New Roman" panose="02020603050405020304" pitchFamily="18" charset="0"/>
+              </a:rPr>
+              <a:t>nome</a:t>
+            </a:r>
+            <a:r>
+              <a:rPr lang="en-US" sz="1500" dirty="0">
+                <a:solidFill>
+                  <a:srgbClr val="C00000"/>
+                </a:solidFill>
+                <a:latin typeface="Times New Roman" panose="02020603050405020304" pitchFamily="18" charset="0"/>
+                <a:cs typeface="Times New Roman" panose="02020603050405020304" pitchFamily="18" charset="0"/>
+              </a:rPr>
+              <a:t>`</a:t>
+            </a:r>
+            <a:r>
+              <a:rPr lang="en-US" sz="1500" dirty="0">
+                <a:latin typeface="Times New Roman" panose="02020603050405020304" pitchFamily="18" charset="0"/>
+                <a:cs typeface="Times New Roman" panose="02020603050405020304" pitchFamily="18" charset="0"/>
+              </a:rPr>
+              <a:t> </a:t>
+            </a:r>
+            <a:r>
+              <a:rPr lang="en-US" sz="1500" dirty="0">
+                <a:solidFill>
+                  <a:srgbClr val="00B0F0"/>
+                </a:solidFill>
+                <a:latin typeface="Times New Roman" panose="02020603050405020304" pitchFamily="18" charset="0"/>
+                <a:cs typeface="Times New Roman" panose="02020603050405020304" pitchFamily="18" charset="0"/>
+              </a:rPr>
+              <a:t>varchar</a:t>
+            </a:r>
+            <a:r>
+              <a:rPr lang="en-US" sz="1500" dirty="0">
+                <a:latin typeface="Times New Roman" panose="02020603050405020304" pitchFamily="18" charset="0"/>
+                <a:cs typeface="Times New Roman" panose="02020603050405020304" pitchFamily="18" charset="0"/>
+              </a:rPr>
+              <a:t>(</a:t>
+            </a:r>
+            <a:r>
+              <a:rPr lang="en-US" sz="1500" dirty="0">
+                <a:solidFill>
+                  <a:srgbClr val="FFC000"/>
+                </a:solidFill>
+                <a:latin typeface="Times New Roman" panose="02020603050405020304" pitchFamily="18" charset="0"/>
+                <a:cs typeface="Times New Roman" panose="02020603050405020304" pitchFamily="18" charset="0"/>
+              </a:rPr>
+              <a:t>45</a:t>
+            </a:r>
+            <a:r>
+              <a:rPr lang="en-US" sz="1500" dirty="0">
+                <a:latin typeface="Times New Roman" panose="02020603050405020304" pitchFamily="18" charset="0"/>
+                <a:cs typeface="Times New Roman" panose="02020603050405020304" pitchFamily="18" charset="0"/>
+              </a:rPr>
+              <a:t>)</a:t>
+            </a:r>
+            <a:r>
+              <a:rPr lang="en-US" sz="1500" dirty="0">
+                <a:solidFill>
+                  <a:srgbClr val="00B0F0"/>
+                </a:solidFill>
+                <a:latin typeface="Times New Roman" panose="02020603050405020304" pitchFamily="18" charset="0"/>
+                <a:cs typeface="Times New Roman" panose="02020603050405020304" pitchFamily="18" charset="0"/>
+              </a:rPr>
+              <a:t> NOT NULL</a:t>
+            </a:r>
+            <a:r>
+              <a:rPr lang="en-US" sz="1500" dirty="0">
+                <a:latin typeface="Times New Roman" panose="02020603050405020304" pitchFamily="18" charset="0"/>
+                <a:cs typeface="Times New Roman" panose="02020603050405020304" pitchFamily="18" charset="0"/>
+              </a:rPr>
+              <a:t>,  </a:t>
+            </a:r>
+          </a:p>
+          <a:p>
+            <a:pPr marL="0" indent="0">
+              <a:spcBef>
+                <a:spcPts val="0"/>
+              </a:spcBef>
+              <a:buNone/>
+            </a:pPr>
+            <a:r>
+              <a:rPr lang="en-US" sz="1500" dirty="0">
+                <a:latin typeface="Times New Roman" panose="02020603050405020304" pitchFamily="18" charset="0"/>
+                <a:cs typeface="Times New Roman" panose="02020603050405020304" pitchFamily="18" charset="0"/>
+              </a:rPr>
+              <a:t>	</a:t>
+            </a:r>
+            <a:r>
+              <a:rPr lang="en-US" sz="1500" dirty="0">
+                <a:solidFill>
+                  <a:srgbClr val="C00000"/>
+                </a:solidFill>
+                <a:latin typeface="Times New Roman" panose="02020603050405020304" pitchFamily="18" charset="0"/>
+                <a:cs typeface="Times New Roman" panose="02020603050405020304" pitchFamily="18" charset="0"/>
+              </a:rPr>
+              <a:t>`</a:t>
+            </a:r>
+            <a:r>
+              <a:rPr lang="en-US" sz="1500" dirty="0" err="1">
+                <a:solidFill>
+                  <a:srgbClr val="C00000"/>
+                </a:solidFill>
+                <a:latin typeface="Times New Roman" panose="02020603050405020304" pitchFamily="18" charset="0"/>
+                <a:cs typeface="Times New Roman" panose="02020603050405020304" pitchFamily="18" charset="0"/>
+              </a:rPr>
+              <a:t>cognome</a:t>
+            </a:r>
+            <a:r>
+              <a:rPr lang="en-US" sz="1500" dirty="0">
+                <a:solidFill>
+                  <a:srgbClr val="C00000"/>
+                </a:solidFill>
+                <a:latin typeface="Times New Roman" panose="02020603050405020304" pitchFamily="18" charset="0"/>
+                <a:cs typeface="Times New Roman" panose="02020603050405020304" pitchFamily="18" charset="0"/>
+              </a:rPr>
+              <a:t>`</a:t>
+            </a:r>
+            <a:r>
+              <a:rPr lang="en-US" sz="1500" dirty="0">
+                <a:latin typeface="Times New Roman" panose="02020603050405020304" pitchFamily="18" charset="0"/>
+                <a:cs typeface="Times New Roman" panose="02020603050405020304" pitchFamily="18" charset="0"/>
+              </a:rPr>
+              <a:t> </a:t>
+            </a:r>
+            <a:r>
+              <a:rPr lang="en-US" sz="1500" dirty="0">
+                <a:solidFill>
+                  <a:srgbClr val="00B0F0"/>
+                </a:solidFill>
+                <a:latin typeface="Times New Roman" panose="02020603050405020304" pitchFamily="18" charset="0"/>
+                <a:cs typeface="Times New Roman" panose="02020603050405020304" pitchFamily="18" charset="0"/>
+              </a:rPr>
+              <a:t>varchar</a:t>
+            </a:r>
+            <a:r>
+              <a:rPr lang="en-US" sz="1500" dirty="0">
+                <a:latin typeface="Times New Roman" panose="02020603050405020304" pitchFamily="18" charset="0"/>
+                <a:cs typeface="Times New Roman" panose="02020603050405020304" pitchFamily="18" charset="0"/>
+              </a:rPr>
+              <a:t>(</a:t>
+            </a:r>
+            <a:r>
+              <a:rPr lang="en-US" sz="1500" dirty="0">
+                <a:solidFill>
+                  <a:srgbClr val="FFC000"/>
+                </a:solidFill>
+                <a:latin typeface="Times New Roman" panose="02020603050405020304" pitchFamily="18" charset="0"/>
+                <a:cs typeface="Times New Roman" panose="02020603050405020304" pitchFamily="18" charset="0"/>
+              </a:rPr>
+              <a:t>45</a:t>
+            </a:r>
+            <a:r>
+              <a:rPr lang="en-US" sz="1500" dirty="0">
+                <a:latin typeface="Times New Roman" panose="02020603050405020304" pitchFamily="18" charset="0"/>
+                <a:cs typeface="Times New Roman" panose="02020603050405020304" pitchFamily="18" charset="0"/>
+              </a:rPr>
+              <a:t>) </a:t>
+            </a:r>
+            <a:r>
+              <a:rPr lang="en-US" sz="1500" dirty="0">
+                <a:solidFill>
+                  <a:srgbClr val="00B0F0"/>
+                </a:solidFill>
+                <a:latin typeface="Times New Roman" panose="02020603050405020304" pitchFamily="18" charset="0"/>
+                <a:cs typeface="Times New Roman" panose="02020603050405020304" pitchFamily="18" charset="0"/>
+              </a:rPr>
+              <a:t>NOT NULL</a:t>
+            </a:r>
+            <a:r>
+              <a:rPr lang="en-US" sz="1500" dirty="0">
+                <a:latin typeface="Times New Roman" panose="02020603050405020304" pitchFamily="18" charset="0"/>
+                <a:cs typeface="Times New Roman" panose="02020603050405020304" pitchFamily="18" charset="0"/>
+              </a:rPr>
+              <a:t>,  </a:t>
+            </a:r>
+          </a:p>
+          <a:p>
+            <a:pPr marL="0" indent="0">
+              <a:spcBef>
+                <a:spcPts val="0"/>
+              </a:spcBef>
+              <a:buNone/>
+            </a:pPr>
+            <a:r>
+              <a:rPr lang="en-US" sz="1500" dirty="0">
+                <a:latin typeface="Times New Roman" panose="02020603050405020304" pitchFamily="18" charset="0"/>
+                <a:cs typeface="Times New Roman" panose="02020603050405020304" pitchFamily="18" charset="0"/>
+              </a:rPr>
+              <a:t>	</a:t>
+            </a:r>
+            <a:r>
+              <a:rPr lang="en-US" sz="1500" dirty="0">
+                <a:solidFill>
+                  <a:srgbClr val="C00000"/>
+                </a:solidFill>
+                <a:latin typeface="Times New Roman" panose="02020603050405020304" pitchFamily="18" charset="0"/>
+                <a:cs typeface="Times New Roman" panose="02020603050405020304" pitchFamily="18" charset="0"/>
+              </a:rPr>
+              <a:t>`email`</a:t>
+            </a:r>
+            <a:r>
+              <a:rPr lang="en-US" sz="1500" dirty="0">
+                <a:latin typeface="Times New Roman" panose="02020603050405020304" pitchFamily="18" charset="0"/>
+                <a:cs typeface="Times New Roman" panose="02020603050405020304" pitchFamily="18" charset="0"/>
+              </a:rPr>
+              <a:t> </a:t>
+            </a:r>
+            <a:r>
+              <a:rPr lang="en-US" sz="1500" dirty="0">
+                <a:solidFill>
+                  <a:srgbClr val="00B0F0"/>
+                </a:solidFill>
+                <a:latin typeface="Times New Roman" panose="02020603050405020304" pitchFamily="18" charset="0"/>
+                <a:cs typeface="Times New Roman" panose="02020603050405020304" pitchFamily="18" charset="0"/>
+              </a:rPr>
+              <a:t>varchar</a:t>
+            </a:r>
+            <a:r>
+              <a:rPr lang="en-US" sz="1500" dirty="0">
+                <a:latin typeface="Times New Roman" panose="02020603050405020304" pitchFamily="18" charset="0"/>
+                <a:cs typeface="Times New Roman" panose="02020603050405020304" pitchFamily="18" charset="0"/>
+              </a:rPr>
+              <a:t>(</a:t>
+            </a:r>
+            <a:r>
+              <a:rPr lang="en-US" sz="1500" dirty="0">
+                <a:solidFill>
+                  <a:srgbClr val="FFC000"/>
+                </a:solidFill>
+                <a:latin typeface="Times New Roman" panose="02020603050405020304" pitchFamily="18" charset="0"/>
+                <a:cs typeface="Times New Roman" panose="02020603050405020304" pitchFamily="18" charset="0"/>
+              </a:rPr>
+              <a:t>45</a:t>
+            </a:r>
+            <a:r>
+              <a:rPr lang="en-US" sz="1500" dirty="0">
+                <a:latin typeface="Times New Roman" panose="02020603050405020304" pitchFamily="18" charset="0"/>
+                <a:cs typeface="Times New Roman" panose="02020603050405020304" pitchFamily="18" charset="0"/>
+              </a:rPr>
+              <a:t>) </a:t>
+            </a:r>
+            <a:r>
+              <a:rPr lang="en-US" sz="1500" dirty="0">
+                <a:solidFill>
+                  <a:srgbClr val="00B0F0"/>
+                </a:solidFill>
+                <a:latin typeface="Times New Roman" panose="02020603050405020304" pitchFamily="18" charset="0"/>
+                <a:cs typeface="Times New Roman" panose="02020603050405020304" pitchFamily="18" charset="0"/>
+              </a:rPr>
+              <a:t>NOT NULL</a:t>
+            </a:r>
+            <a:r>
+              <a:rPr lang="en-US" sz="1500" dirty="0">
+                <a:latin typeface="Times New Roman" panose="02020603050405020304" pitchFamily="18" charset="0"/>
+                <a:cs typeface="Times New Roman" panose="02020603050405020304" pitchFamily="18" charset="0"/>
+              </a:rPr>
+              <a:t>,  </a:t>
+            </a:r>
+          </a:p>
+          <a:p>
+            <a:pPr marL="0" indent="0">
+              <a:spcBef>
+                <a:spcPts val="0"/>
+              </a:spcBef>
+              <a:buNone/>
+            </a:pPr>
+            <a:r>
+              <a:rPr lang="en-US" sz="1500" dirty="0">
+                <a:latin typeface="Times New Roman" panose="02020603050405020304" pitchFamily="18" charset="0"/>
+                <a:cs typeface="Times New Roman" panose="02020603050405020304" pitchFamily="18" charset="0"/>
+              </a:rPr>
+              <a:t>	</a:t>
+            </a:r>
+            <a:r>
+              <a:rPr lang="en-US" sz="1500" dirty="0">
+                <a:solidFill>
+                  <a:srgbClr val="C00000"/>
+                </a:solidFill>
+                <a:latin typeface="Times New Roman" panose="02020603050405020304" pitchFamily="18" charset="0"/>
+                <a:cs typeface="Times New Roman" panose="02020603050405020304" pitchFamily="18" charset="0"/>
+              </a:rPr>
+              <a:t>`password`</a:t>
+            </a:r>
+            <a:r>
+              <a:rPr lang="en-US" sz="1500" dirty="0">
+                <a:latin typeface="Times New Roman" panose="02020603050405020304" pitchFamily="18" charset="0"/>
+                <a:cs typeface="Times New Roman" panose="02020603050405020304" pitchFamily="18" charset="0"/>
+              </a:rPr>
+              <a:t> </a:t>
+            </a:r>
+            <a:r>
+              <a:rPr lang="en-US" sz="1500" dirty="0">
+                <a:solidFill>
+                  <a:srgbClr val="00B0F0"/>
+                </a:solidFill>
+                <a:latin typeface="Times New Roman" panose="02020603050405020304" pitchFamily="18" charset="0"/>
+                <a:cs typeface="Times New Roman" panose="02020603050405020304" pitchFamily="18" charset="0"/>
+              </a:rPr>
+              <a:t>varchar</a:t>
+            </a:r>
+            <a:r>
+              <a:rPr lang="en-US" sz="1500" dirty="0">
+                <a:latin typeface="Times New Roman" panose="02020603050405020304" pitchFamily="18" charset="0"/>
+                <a:cs typeface="Times New Roman" panose="02020603050405020304" pitchFamily="18" charset="0"/>
+              </a:rPr>
+              <a:t>(255) </a:t>
+            </a:r>
+            <a:r>
+              <a:rPr lang="en-US" sz="1500" dirty="0">
+                <a:solidFill>
+                  <a:srgbClr val="00B0F0"/>
+                </a:solidFill>
+                <a:latin typeface="Times New Roman" panose="02020603050405020304" pitchFamily="18" charset="0"/>
+                <a:cs typeface="Times New Roman" panose="02020603050405020304" pitchFamily="18" charset="0"/>
+              </a:rPr>
+              <a:t>NOT NULL</a:t>
+            </a:r>
+            <a:r>
+              <a:rPr lang="en-US" sz="1500" dirty="0">
+                <a:latin typeface="Times New Roman" panose="02020603050405020304" pitchFamily="18" charset="0"/>
+                <a:cs typeface="Times New Roman" panose="02020603050405020304" pitchFamily="18" charset="0"/>
+              </a:rPr>
+              <a:t>,  </a:t>
+            </a:r>
+          </a:p>
+          <a:p>
+            <a:pPr marL="0" indent="0">
+              <a:spcBef>
+                <a:spcPts val="0"/>
+              </a:spcBef>
+              <a:buNone/>
+            </a:pPr>
+            <a:r>
+              <a:rPr lang="en-US" sz="1500" dirty="0">
+                <a:latin typeface="Times New Roman" panose="02020603050405020304" pitchFamily="18" charset="0"/>
+                <a:cs typeface="Times New Roman" panose="02020603050405020304" pitchFamily="18" charset="0"/>
+              </a:rPr>
+              <a:t>	</a:t>
+            </a:r>
+            <a:r>
+              <a:rPr lang="en-US" sz="1500" dirty="0">
+                <a:solidFill>
+                  <a:srgbClr val="C00000"/>
+                </a:solidFill>
+                <a:latin typeface="Times New Roman" panose="02020603050405020304" pitchFamily="18" charset="0"/>
+                <a:cs typeface="Times New Roman" panose="02020603050405020304" pitchFamily="18" charset="0"/>
+              </a:rPr>
+              <a:t>`</a:t>
+            </a:r>
+            <a:r>
+              <a:rPr lang="en-US" sz="1500" dirty="0" err="1">
+                <a:solidFill>
+                  <a:srgbClr val="C00000"/>
+                </a:solidFill>
+                <a:latin typeface="Times New Roman" panose="02020603050405020304" pitchFamily="18" charset="0"/>
+                <a:cs typeface="Times New Roman" panose="02020603050405020304" pitchFamily="18" charset="0"/>
+              </a:rPr>
+              <a:t>indirizzo</a:t>
+            </a:r>
+            <a:r>
+              <a:rPr lang="en-US" sz="1500" dirty="0">
+                <a:solidFill>
+                  <a:srgbClr val="C00000"/>
+                </a:solidFill>
+                <a:latin typeface="Times New Roman" panose="02020603050405020304" pitchFamily="18" charset="0"/>
+                <a:cs typeface="Times New Roman" panose="02020603050405020304" pitchFamily="18" charset="0"/>
+              </a:rPr>
+              <a:t>`</a:t>
+            </a:r>
+            <a:r>
+              <a:rPr lang="en-US" sz="1500" dirty="0">
+                <a:latin typeface="Times New Roman" panose="02020603050405020304" pitchFamily="18" charset="0"/>
+                <a:cs typeface="Times New Roman" panose="02020603050405020304" pitchFamily="18" charset="0"/>
+              </a:rPr>
+              <a:t> </a:t>
+            </a:r>
+            <a:r>
+              <a:rPr lang="en-US" sz="1500" dirty="0">
+                <a:solidFill>
+                  <a:srgbClr val="00B0F0"/>
+                </a:solidFill>
+                <a:latin typeface="Times New Roman" panose="02020603050405020304" pitchFamily="18" charset="0"/>
+                <a:cs typeface="Times New Roman" panose="02020603050405020304" pitchFamily="18" charset="0"/>
+              </a:rPr>
+              <a:t>varchar</a:t>
+            </a:r>
+            <a:r>
+              <a:rPr lang="en-US" sz="1500" dirty="0">
+                <a:latin typeface="Times New Roman" panose="02020603050405020304" pitchFamily="18" charset="0"/>
+                <a:cs typeface="Times New Roman" panose="02020603050405020304" pitchFamily="18" charset="0"/>
+              </a:rPr>
+              <a:t>(</a:t>
+            </a:r>
+            <a:r>
+              <a:rPr lang="en-US" sz="1500" dirty="0">
+                <a:solidFill>
+                  <a:srgbClr val="FFC000"/>
+                </a:solidFill>
+                <a:latin typeface="Times New Roman" panose="02020603050405020304" pitchFamily="18" charset="0"/>
+                <a:cs typeface="Times New Roman" panose="02020603050405020304" pitchFamily="18" charset="0"/>
+              </a:rPr>
+              <a:t>45</a:t>
+            </a:r>
+            <a:r>
+              <a:rPr lang="en-US" sz="1500" dirty="0">
+                <a:latin typeface="Times New Roman" panose="02020603050405020304" pitchFamily="18" charset="0"/>
+                <a:cs typeface="Times New Roman" panose="02020603050405020304" pitchFamily="18" charset="0"/>
+              </a:rPr>
+              <a:t>) </a:t>
+            </a:r>
+            <a:r>
+              <a:rPr lang="en-US" sz="1500" dirty="0">
+                <a:solidFill>
+                  <a:srgbClr val="00B0F0"/>
+                </a:solidFill>
+                <a:latin typeface="Times New Roman" panose="02020603050405020304" pitchFamily="18" charset="0"/>
+                <a:cs typeface="Times New Roman" panose="02020603050405020304" pitchFamily="18" charset="0"/>
+              </a:rPr>
+              <a:t>NOT NULL</a:t>
+            </a:r>
+            <a:r>
+              <a:rPr lang="en-US" sz="1500" dirty="0">
+                <a:latin typeface="Times New Roman" panose="02020603050405020304" pitchFamily="18" charset="0"/>
+                <a:cs typeface="Times New Roman" panose="02020603050405020304" pitchFamily="18" charset="0"/>
+              </a:rPr>
+              <a:t>,  </a:t>
+            </a:r>
+          </a:p>
+          <a:p>
+            <a:pPr marL="0" indent="0">
+              <a:spcBef>
+                <a:spcPts val="0"/>
+              </a:spcBef>
+              <a:buNone/>
+            </a:pPr>
+            <a:r>
+              <a:rPr lang="en-US" sz="1500" dirty="0">
+                <a:latin typeface="Times New Roman" panose="02020603050405020304" pitchFamily="18" charset="0"/>
+                <a:cs typeface="Times New Roman" panose="02020603050405020304" pitchFamily="18" charset="0"/>
+              </a:rPr>
+              <a:t>	</a:t>
+            </a:r>
+            <a:r>
+              <a:rPr lang="en-US" sz="1500" dirty="0">
+                <a:solidFill>
+                  <a:srgbClr val="00B0F0"/>
+                </a:solidFill>
+                <a:latin typeface="Times New Roman" panose="02020603050405020304" pitchFamily="18" charset="0"/>
+                <a:cs typeface="Times New Roman" panose="02020603050405020304" pitchFamily="18" charset="0"/>
+              </a:rPr>
+              <a:t>PRIMARY KEY</a:t>
+            </a:r>
+            <a:r>
+              <a:rPr lang="en-US" sz="1500" dirty="0">
+                <a:latin typeface="Times New Roman" panose="02020603050405020304" pitchFamily="18" charset="0"/>
+                <a:cs typeface="Times New Roman" panose="02020603050405020304" pitchFamily="18" charset="0"/>
+              </a:rPr>
+              <a:t> (</a:t>
+            </a:r>
+            <a:r>
+              <a:rPr lang="en-US" sz="1500" dirty="0">
+                <a:solidFill>
+                  <a:srgbClr val="C00000"/>
+                </a:solidFill>
+                <a:latin typeface="Times New Roman" panose="02020603050405020304" pitchFamily="18" charset="0"/>
+                <a:cs typeface="Times New Roman" panose="02020603050405020304" pitchFamily="18" charset="0"/>
+              </a:rPr>
+              <a:t>`</a:t>
+            </a:r>
+            <a:r>
+              <a:rPr lang="en-US" sz="1500" dirty="0" err="1">
+                <a:solidFill>
+                  <a:srgbClr val="C00000"/>
+                </a:solidFill>
+                <a:latin typeface="Times New Roman" panose="02020603050405020304" pitchFamily="18" charset="0"/>
+                <a:cs typeface="Times New Roman" panose="02020603050405020304" pitchFamily="18" charset="0"/>
+              </a:rPr>
+              <a:t>idUtente</a:t>
+            </a:r>
+            <a:r>
+              <a:rPr lang="en-US" sz="1500" dirty="0">
+                <a:solidFill>
+                  <a:srgbClr val="C00000"/>
+                </a:solidFill>
+                <a:latin typeface="Times New Roman" panose="02020603050405020304" pitchFamily="18" charset="0"/>
+                <a:cs typeface="Times New Roman" panose="02020603050405020304" pitchFamily="18" charset="0"/>
+              </a:rPr>
+              <a:t>`</a:t>
+            </a:r>
+            <a:r>
+              <a:rPr lang="en-US" sz="1500" dirty="0">
+                <a:latin typeface="Times New Roman" panose="02020603050405020304" pitchFamily="18" charset="0"/>
+                <a:cs typeface="Times New Roman" panose="02020603050405020304" pitchFamily="18" charset="0"/>
+              </a:rPr>
+              <a:t>),  </a:t>
+            </a:r>
+          </a:p>
+          <a:p>
+            <a:pPr marL="0" indent="0">
+              <a:spcBef>
+                <a:spcPts val="0"/>
+              </a:spcBef>
+              <a:buNone/>
+            </a:pPr>
+            <a:r>
+              <a:rPr lang="en-US" sz="1500" dirty="0">
+                <a:latin typeface="Times New Roman" panose="02020603050405020304" pitchFamily="18" charset="0"/>
+                <a:cs typeface="Times New Roman" panose="02020603050405020304" pitchFamily="18" charset="0"/>
+              </a:rPr>
+              <a:t>	</a:t>
+            </a:r>
+            <a:r>
+              <a:rPr lang="en-US" sz="1500" dirty="0">
+                <a:solidFill>
+                  <a:srgbClr val="00B0F0"/>
+                </a:solidFill>
+                <a:latin typeface="Times New Roman" panose="02020603050405020304" pitchFamily="18" charset="0"/>
+                <a:cs typeface="Times New Roman" panose="02020603050405020304" pitchFamily="18" charset="0"/>
+              </a:rPr>
+              <a:t>UNIQUE KEY </a:t>
+            </a:r>
+            <a:r>
+              <a:rPr lang="en-US" sz="1500" dirty="0">
+                <a:solidFill>
+                  <a:srgbClr val="C00000"/>
+                </a:solidFill>
+                <a:latin typeface="Times New Roman" panose="02020603050405020304" pitchFamily="18" charset="0"/>
+                <a:cs typeface="Times New Roman" panose="02020603050405020304" pitchFamily="18" charset="0"/>
+              </a:rPr>
+              <a:t>`</a:t>
+            </a:r>
+            <a:r>
+              <a:rPr lang="en-US" sz="1500" dirty="0" err="1">
+                <a:solidFill>
+                  <a:srgbClr val="C00000"/>
+                </a:solidFill>
+                <a:latin typeface="Times New Roman" panose="02020603050405020304" pitchFamily="18" charset="0"/>
+                <a:cs typeface="Times New Roman" panose="02020603050405020304" pitchFamily="18" charset="0"/>
+              </a:rPr>
+              <a:t>email_UNIQUE</a:t>
+            </a:r>
+            <a:r>
+              <a:rPr lang="en-US" sz="1500" dirty="0">
+                <a:solidFill>
+                  <a:srgbClr val="C00000"/>
+                </a:solidFill>
+                <a:latin typeface="Times New Roman" panose="02020603050405020304" pitchFamily="18" charset="0"/>
+                <a:cs typeface="Times New Roman" panose="02020603050405020304" pitchFamily="18" charset="0"/>
+              </a:rPr>
+              <a:t>`</a:t>
+            </a:r>
+            <a:r>
+              <a:rPr lang="en-US" sz="1500" dirty="0">
+                <a:latin typeface="Times New Roman" panose="02020603050405020304" pitchFamily="18" charset="0"/>
+                <a:cs typeface="Times New Roman" panose="02020603050405020304" pitchFamily="18" charset="0"/>
+              </a:rPr>
+              <a:t> (</a:t>
+            </a:r>
+            <a:r>
+              <a:rPr lang="en-US" sz="1500" dirty="0">
+                <a:solidFill>
+                  <a:srgbClr val="C00000"/>
+                </a:solidFill>
+                <a:latin typeface="Times New Roman" panose="02020603050405020304" pitchFamily="18" charset="0"/>
+                <a:cs typeface="Times New Roman" panose="02020603050405020304" pitchFamily="18" charset="0"/>
+              </a:rPr>
+              <a:t>`email`</a:t>
+            </a:r>
+            <a:r>
+              <a:rPr lang="en-US" sz="1500" dirty="0">
+                <a:latin typeface="Times New Roman" panose="02020603050405020304" pitchFamily="18" charset="0"/>
+                <a:cs typeface="Times New Roman" panose="02020603050405020304" pitchFamily="18" charset="0"/>
+              </a:rPr>
+              <a:t>)</a:t>
+            </a:r>
+          </a:p>
+          <a:p>
+            <a:pPr marL="0" indent="0">
+              <a:spcBef>
+                <a:spcPts val="0"/>
+              </a:spcBef>
+              <a:buNone/>
+            </a:pPr>
+            <a:r>
+              <a:rPr lang="en-US" sz="1500" dirty="0">
+                <a:latin typeface="Times New Roman" panose="02020603050405020304" pitchFamily="18" charset="0"/>
+                <a:cs typeface="Times New Roman" panose="02020603050405020304" pitchFamily="18" charset="0"/>
+              </a:rPr>
+              <a:t>);</a:t>
+            </a:r>
+          </a:p>
+        </p:txBody>
+      </p:sp>
+    </p:spTree>
+    <p:extLst>
+      <p:ext uri="{BB962C8B-B14F-4D97-AF65-F5344CB8AC3E}">
+        <p14:creationId xmlns:p14="http://schemas.microsoft.com/office/powerpoint/2010/main" val="2628600513"/>
+      </p:ext>
+    </p:extLst>
+  </p:cSld>
+  <p:clrMapOvr>
+    <a:masterClrMapping/>
+  </p:clrMapOvr>
+</p:sld>
+</file>
+
+<file path=ppt/slides/slide11.xml><?xml version="1.0" encoding="utf-8"?>
+<p:sld xmlns:a="http://schemas.openxmlformats.org/drawingml/2006/main" xmlns:r="http://schemas.openxmlformats.org/officeDocument/2006/relationships" xmlns:p="http://schemas.openxmlformats.org/presentationml/2006/main">
+  <p:cSld>
+    <p:spTree>
+      <p:nvGrpSpPr>
+        <p:cNvPr id="1" name=""/>
+        <p:cNvGrpSpPr/>
+        <p:nvPr/>
+      </p:nvGrpSpPr>
+      <p:grpSpPr>
+        <a:xfrm>
+          <a:off x="0" y="0"/>
+          <a:ext cx="0" cy="0"/>
+          <a:chOff x="0" y="0"/>
+          <a:chExt cx="0" cy="0"/>
+        </a:xfrm>
+      </p:grpSpPr>
+      <p:sp>
+        <p:nvSpPr>
+          <p:cNvPr id="2" name="Titolo 1">
+            <a:extLst>
+              <a:ext uri="{FF2B5EF4-FFF2-40B4-BE49-F238E27FC236}">
                 <a16:creationId xmlns:a16="http://schemas.microsoft.com/office/drawing/2014/main" id="{95BC9576-290D-B7E3-DDA1-A225E7C437F8}"/>
               </a:ext>
             </a:extLst>
@@ -7177,7 +8958,7 @@
 </p:sld>
 </file>
 
-<file path=ppt/slides/slide11.xml><?xml version="1.0" encoding="utf-8"?>
+<file path=ppt/slides/slide12.xml><?xml version="1.0" encoding="utf-8"?>
 <p:sld xmlns:a="http://schemas.openxmlformats.org/drawingml/2006/main" xmlns:r="http://schemas.openxmlformats.org/officeDocument/2006/relationships" xmlns:p="http://schemas.openxmlformats.org/presentationml/2006/main">
   <p:cSld>
     <p:spTree>
@@ -7517,9 +9298,7 @@
                 <a:effectLst/>
                 <a:uFill>
                   <a:solidFill>
-                    <a:schemeClr val="accent6">
-                      <a:lumMod val="75000"/>
-                    </a:schemeClr>
+                    <a:srgbClr val="B45A00"/>
                   </a:solidFill>
                 </a:uFill>
                 <a:latin typeface="Times New Roman" panose="02020603050405020304" pitchFamily="18" charset="0"/>
@@ -7543,9 +9322,7 @@
                 <a:effectLst/>
                 <a:uFill>
                   <a:solidFill>
-                    <a:schemeClr val="accent6">
-                      <a:lumMod val="75000"/>
-                    </a:schemeClr>
+                    <a:srgbClr val="B45A00"/>
                   </a:solidFill>
                 </a:uFill>
                 <a:latin typeface="Times New Roman" panose="02020603050405020304" pitchFamily="18" charset="0"/>
@@ -7716,11 +9493,9 @@
               <a:t>, </a:t>
             </a:r>
             <a:r>
-              <a:rPr lang="en-US" sz="1400" dirty="0">
-                <a:solidFill>
-                  <a:schemeClr val="accent6">
-                    <a:lumMod val="75000"/>
-                  </a:schemeClr>
+              <a:rPr lang="en-US" sz="1400" b="1" dirty="0">
+                <a:solidFill>
+                  <a:srgbClr val="B45A00"/>
                 </a:solidFill>
                 <a:latin typeface="Times New Roman" panose="02020603050405020304" pitchFamily="18" charset="0"/>
                 <a:cs typeface="Times New Roman" panose="02020603050405020304" pitchFamily="18" charset="0"/>
@@ -7743,7 +9518,7 @@
 </p:sld>
 </file>
 
-<file path=ppt/slides/slide12.xml><?xml version="1.0" encoding="utf-8"?>
+<file path=ppt/slides/slide13.xml><?xml version="1.0" encoding="utf-8"?>
 <p:sld xmlns:a="http://schemas.openxmlformats.org/drawingml/2006/main" xmlns:r="http://schemas.openxmlformats.org/officeDocument/2006/relationships" xmlns:p="http://schemas.openxmlformats.org/presentationml/2006/main">
   <p:cSld>
     <p:spTree>
@@ -7940,25 +9715,36 @@
               <a:t> permette all’utente di </a:t>
             </a:r>
             <a:r>
+              <a:rPr lang="it-IT" sz="1800" b="1" i="0" u="none" strike="noStrike" dirty="0">
+                <a:solidFill>
+                  <a:srgbClr val="B45A00"/>
+                </a:solidFill>
+                <a:effectLst/>
+                <a:latin typeface="Times New Roman" panose="02020603050405020304" pitchFamily="18" charset="0"/>
+                <a:cs typeface="Times New Roman" panose="02020603050405020304" pitchFamily="18" charset="0"/>
+              </a:rPr>
+              <a:t>chiudere l’asta </a:t>
+            </a:r>
+            <a:r>
               <a:rPr lang="it-IT" sz="1800" b="0" i="0" u="none" strike="noStrike" dirty="0">
-                <a:solidFill>
-                  <a:schemeClr val="accent6">
-                    <a:lumMod val="75000"/>
-                  </a:schemeClr>
-                </a:solidFill>
-                <a:effectLst/>
-                <a:latin typeface="Times New Roman" panose="02020603050405020304" pitchFamily="18" charset="0"/>
-                <a:cs typeface="Times New Roman" panose="02020603050405020304" pitchFamily="18" charset="0"/>
-              </a:rPr>
-              <a:t>chiudere l’asta </a:t>
-            </a:r>
+                <a:effectLst/>
+                <a:latin typeface="Times New Roman" panose="02020603050405020304" pitchFamily="18" charset="0"/>
+                <a:cs typeface="Times New Roman" panose="02020603050405020304" pitchFamily="18" charset="0"/>
+              </a:rPr>
+              <a:t>se è giunta l’ora della scadenza (si ignori il caso di aste scadute ma non chiuse dall’utente). </a:t>
+            </a:r>
+          </a:p>
+          <a:p>
+            <a:pPr marL="0" indent="0">
+              <a:buNone/>
+            </a:pPr>
             <a:r>
               <a:rPr lang="it-IT" sz="1800" b="0" i="0" u="none" strike="noStrike" dirty="0">
                 <a:effectLst/>
                 <a:latin typeface="Times New Roman" panose="02020603050405020304" pitchFamily="18" charset="0"/>
                 <a:cs typeface="Times New Roman" panose="02020603050405020304" pitchFamily="18" charset="0"/>
               </a:rPr>
-              <a:t>se è giunta l’ora della scadenza (si ignori il caso di aste scadute ma non chiuse dall’utente). </a:t>
+              <a:t>Se l’asta è chiusa, la pagina riporta tutti i dati dell’asta, il nome dell’aggiudicatario, il prezzo finale e l’indirizzo (fisso) di spedizione dell’utente.  </a:t>
             </a:r>
           </a:p>
           <a:p>
@@ -7971,7 +9757,64 @@
                 <a:latin typeface="Times New Roman" panose="02020603050405020304" pitchFamily="18" charset="0"/>
                 <a:cs typeface="Times New Roman" panose="02020603050405020304" pitchFamily="18" charset="0"/>
               </a:rPr>
-              <a:t>Se l’asta è chiusa, la pagina riporta tutti i dati dell’asta, il nome dell’aggiudicatario, il prezzo finale e l’indirizzo (fisso) di spedizione dell’utente.  </a:t>
+              <a:t>La pagina ACQUISTO contiene una </a:t>
+            </a:r>
+            <a:r>
+              <a:rPr lang="it-IT" sz="1800" b="0" i="0" u="none" strike="noStrike" dirty="0">
+                <a:solidFill>
+                  <a:schemeClr val="accent1"/>
+                </a:solidFill>
+                <a:effectLst/>
+                <a:latin typeface="Times New Roman" panose="02020603050405020304" pitchFamily="18" charset="0"/>
+                <a:cs typeface="Times New Roman" panose="02020603050405020304" pitchFamily="18" charset="0"/>
+              </a:rPr>
+              <a:t>form di ricerca </a:t>
+            </a:r>
+            <a:r>
+              <a:rPr lang="it-IT" sz="1800" b="0" i="0" u="none" strike="noStrike" dirty="0">
+                <a:effectLst/>
+                <a:latin typeface="Times New Roman" panose="02020603050405020304" pitchFamily="18" charset="0"/>
+                <a:cs typeface="Times New Roman" panose="02020603050405020304" pitchFamily="18" charset="0"/>
+              </a:rPr>
+              <a:t>per parola chiave. Quando l’acquirente </a:t>
+            </a:r>
+            <a:r>
+              <a:rPr lang="it-IT" sz="1800" b="0" i="0" u="none" strike="noStrike" dirty="0">
+                <a:solidFill>
+                  <a:srgbClr val="00B0F0"/>
+                </a:solidFill>
+                <a:effectLst/>
+                <a:latin typeface="Times New Roman" panose="02020603050405020304" pitchFamily="18" charset="0"/>
+                <a:cs typeface="Times New Roman" panose="02020603050405020304" pitchFamily="18" charset="0"/>
+              </a:rPr>
+              <a:t>invia una parola chiave</a:t>
+            </a:r>
+            <a:r>
+              <a:rPr lang="it-IT" sz="1800" b="0" i="0" u="none" strike="noStrike" dirty="0">
+                <a:effectLst/>
+                <a:latin typeface="Times New Roman" panose="02020603050405020304" pitchFamily="18" charset="0"/>
+                <a:cs typeface="Times New Roman" panose="02020603050405020304" pitchFamily="18" charset="0"/>
+              </a:rPr>
+              <a:t>  la pagina ACQUISTO è aggiornata e mostra un </a:t>
+            </a:r>
+            <a:r>
+              <a:rPr lang="it-IT" sz="1800" b="0" i="0" u="none" strike="noStrike" dirty="0">
+                <a:solidFill>
+                  <a:schemeClr val="accent1"/>
+                </a:solidFill>
+                <a:effectLst/>
+                <a:latin typeface="Times New Roman" panose="02020603050405020304" pitchFamily="18" charset="0"/>
+                <a:cs typeface="Times New Roman" panose="02020603050405020304" pitchFamily="18" charset="0"/>
+              </a:rPr>
+              <a:t>elenco di aste aperte </a:t>
+            </a:r>
+            <a:r>
+              <a:rPr lang="it-IT" sz="1800" b="0" i="0" u="none" strike="noStrike" dirty="0">
+                <a:effectLst/>
+                <a:latin typeface="Times New Roman" panose="02020603050405020304" pitchFamily="18" charset="0"/>
+                <a:cs typeface="Times New Roman" panose="02020603050405020304" pitchFamily="18" charset="0"/>
+              </a:rPr>
+              <a:t>(la cui scadenza è posteriore alla data e ora dell’invio) per cui la parola chiave compare nel nome o nella descrizione di almeno uno degli articoli dell’asta. </a:t>
             </a:r>
           </a:p>
           <a:p>
@@ -7984,18 +9827,56 @@
                 <a:latin typeface="Times New Roman" panose="02020603050405020304" pitchFamily="18" charset="0"/>
                 <a:cs typeface="Times New Roman" panose="02020603050405020304" pitchFamily="18" charset="0"/>
               </a:rPr>
-              <a:t>La pagina ACQUISTO contiene una </a:t>
+              <a:t>La lista è ordinata in modo decrescente in base al tempo (numero di giorni e  ore) mancante alla chiusura. </a:t>
             </a:r>
             <a:r>
               <a:rPr lang="it-IT" sz="1800" b="0" i="0" u="none" strike="noStrike" dirty="0">
                 <a:solidFill>
+                  <a:srgbClr val="00B0F0"/>
+                </a:solidFill>
+                <a:effectLst/>
+                <a:latin typeface="Times New Roman" panose="02020603050405020304" pitchFamily="18" charset="0"/>
+                <a:cs typeface="Times New Roman" panose="02020603050405020304" pitchFamily="18" charset="0"/>
+              </a:rPr>
+              <a:t>Cliccando su un’asta aperta </a:t>
+            </a:r>
+            <a:r>
+              <a:rPr lang="it-IT" sz="1800" b="0" i="0" u="none" strike="noStrike" dirty="0">
+                <a:effectLst/>
+                <a:latin typeface="Times New Roman" panose="02020603050405020304" pitchFamily="18" charset="0"/>
+                <a:cs typeface="Times New Roman" panose="02020603050405020304" pitchFamily="18" charset="0"/>
+              </a:rPr>
+              <a:t>compare la pagina </a:t>
+            </a:r>
+            <a:r>
+              <a:rPr lang="it-IT" sz="1800" b="0" i="0" u="none" strike="noStrike" dirty="0">
+                <a:solidFill>
+                  <a:srgbClr val="FF0000"/>
+                </a:solidFill>
+                <a:effectLst/>
+                <a:latin typeface="Times New Roman" panose="02020603050405020304" pitchFamily="18" charset="0"/>
+                <a:cs typeface="Times New Roman" panose="02020603050405020304" pitchFamily="18" charset="0"/>
+              </a:rPr>
+              <a:t>OFFERTA</a:t>
+            </a:r>
+            <a:r>
+              <a:rPr lang="it-IT" sz="1800" b="0" i="0" u="none" strike="noStrike" dirty="0">
+                <a:effectLst/>
+                <a:latin typeface="Times New Roman" panose="02020603050405020304" pitchFamily="18" charset="0"/>
+                <a:cs typeface="Times New Roman" panose="02020603050405020304" pitchFamily="18" charset="0"/>
+              </a:rPr>
+              <a:t> che mostra i </a:t>
+            </a:r>
+            <a:r>
+              <a:rPr lang="it-IT" sz="1800" b="0" i="0" u="none" strike="noStrike" dirty="0">
+                <a:solidFill>
                   <a:schemeClr val="accent1"/>
                 </a:solidFill>
                 <a:effectLst/>
                 <a:latin typeface="Times New Roman" panose="02020603050405020304" pitchFamily="18" charset="0"/>
                 <a:cs typeface="Times New Roman" panose="02020603050405020304" pitchFamily="18" charset="0"/>
               </a:rPr>
-              <a:t>form di ricerca </a:t>
+              <a:t>dati degli articoli, l’elenco delle offerte pervenute in ordine di data+ora decrescente e un campo di input </a:t>
             </a:r>
             <a:r>
               <a:rPr lang="it-IT" sz="1800" b="0" i="0" u="none" strike="noStrike" dirty="0">
@@ -8003,122 +9884,12 @@
                 <a:latin typeface="Times New Roman" panose="02020603050405020304" pitchFamily="18" charset="0"/>
                 <a:cs typeface="Times New Roman" panose="02020603050405020304" pitchFamily="18" charset="0"/>
               </a:rPr>
-              <a:t>per parola chiave. Quando l’acquirente </a:t>
-            </a:r>
-            <a:r>
-              <a:rPr lang="it-IT" sz="1800" b="0" i="0" u="none" strike="noStrike" dirty="0">
-                <a:solidFill>
-                  <a:srgbClr val="00B0F0"/>
-                </a:solidFill>
-                <a:effectLst/>
-                <a:latin typeface="Times New Roman" panose="02020603050405020304" pitchFamily="18" charset="0"/>
-                <a:cs typeface="Times New Roman" panose="02020603050405020304" pitchFamily="18" charset="0"/>
-              </a:rPr>
-              <a:t>invia una parola chiave</a:t>
-            </a:r>
-            <a:r>
-              <a:rPr lang="it-IT" sz="1800" b="0" i="0" u="none" strike="noStrike" dirty="0">
-                <a:effectLst/>
-                <a:latin typeface="Times New Roman" panose="02020603050405020304" pitchFamily="18" charset="0"/>
-                <a:cs typeface="Times New Roman" panose="02020603050405020304" pitchFamily="18" charset="0"/>
-              </a:rPr>
-              <a:t>  la pagina ACQUISTO è aggiornata e mostra un </a:t>
-            </a:r>
-            <a:r>
-              <a:rPr lang="it-IT" sz="1800" b="0" i="0" u="none" strike="noStrike" dirty="0">
-                <a:solidFill>
-                  <a:schemeClr val="accent1"/>
-                </a:solidFill>
-                <a:effectLst/>
-                <a:latin typeface="Times New Roman" panose="02020603050405020304" pitchFamily="18" charset="0"/>
-                <a:cs typeface="Times New Roman" panose="02020603050405020304" pitchFamily="18" charset="0"/>
-              </a:rPr>
-              <a:t>elenco di aste aperte </a:t>
-            </a:r>
-            <a:r>
-              <a:rPr lang="it-IT" sz="1800" b="0" i="0" u="none" strike="noStrike" dirty="0">
-                <a:effectLst/>
-                <a:latin typeface="Times New Roman" panose="02020603050405020304" pitchFamily="18" charset="0"/>
-                <a:cs typeface="Times New Roman" panose="02020603050405020304" pitchFamily="18" charset="0"/>
-              </a:rPr>
-              <a:t>(la cui scadenza è posteriore alla data e ora dell’invio) per cui la parola chiave compare nel nome o nella descrizione di almeno uno degli articoli dell’asta. </a:t>
-            </a:r>
-          </a:p>
-          <a:p>
-            <a:pPr marL="0" indent="0">
-              <a:buNone/>
-            </a:pPr>
-            <a:r>
-              <a:rPr lang="it-IT" sz="1800" b="0" i="0" u="none" strike="noStrike" dirty="0">
-                <a:effectLst/>
-                <a:latin typeface="Times New Roman" panose="02020603050405020304" pitchFamily="18" charset="0"/>
-                <a:cs typeface="Times New Roman" panose="02020603050405020304" pitchFamily="18" charset="0"/>
-              </a:rPr>
-              <a:t>La lista è ordinata in modo decrescente in base al tempo (numero di giorni e  ore) mancante alla chiusura. </a:t>
-            </a:r>
-            <a:r>
-              <a:rPr lang="it-IT" sz="1800" b="0" i="0" u="none" strike="noStrike" dirty="0">
-                <a:solidFill>
-                  <a:srgbClr val="00B0F0"/>
-                </a:solidFill>
-                <a:effectLst/>
-                <a:latin typeface="Times New Roman" panose="02020603050405020304" pitchFamily="18" charset="0"/>
-                <a:cs typeface="Times New Roman" panose="02020603050405020304" pitchFamily="18" charset="0"/>
-              </a:rPr>
-              <a:t>Cliccando su un’asta aperta </a:t>
-            </a:r>
-            <a:r>
-              <a:rPr lang="it-IT" sz="1800" b="0" i="0" u="none" strike="noStrike" dirty="0">
-                <a:effectLst/>
-                <a:latin typeface="Times New Roman" panose="02020603050405020304" pitchFamily="18" charset="0"/>
-                <a:cs typeface="Times New Roman" panose="02020603050405020304" pitchFamily="18" charset="0"/>
-              </a:rPr>
-              <a:t>compare la pagina </a:t>
-            </a:r>
-            <a:r>
-              <a:rPr lang="it-IT" sz="1800" b="0" i="0" u="none" strike="noStrike" dirty="0">
-                <a:solidFill>
-                  <a:srgbClr val="FF0000"/>
-                </a:solidFill>
-                <a:effectLst/>
-                <a:latin typeface="Times New Roman" panose="02020603050405020304" pitchFamily="18" charset="0"/>
-                <a:cs typeface="Times New Roman" panose="02020603050405020304" pitchFamily="18" charset="0"/>
-              </a:rPr>
-              <a:t>OFFERTA</a:t>
-            </a:r>
-            <a:r>
-              <a:rPr lang="it-IT" sz="1800" b="0" i="0" u="none" strike="noStrike" dirty="0">
-                <a:effectLst/>
-                <a:latin typeface="Times New Roman" panose="02020603050405020304" pitchFamily="18" charset="0"/>
-                <a:cs typeface="Times New Roman" panose="02020603050405020304" pitchFamily="18" charset="0"/>
-              </a:rPr>
-              <a:t> che mostra i </a:t>
-            </a:r>
-            <a:r>
-              <a:rPr lang="it-IT" sz="1800" b="0" i="0" u="none" strike="noStrike" dirty="0">
-                <a:solidFill>
-                  <a:schemeClr val="accent1"/>
-                </a:solidFill>
-                <a:effectLst/>
-                <a:latin typeface="Times New Roman" panose="02020603050405020304" pitchFamily="18" charset="0"/>
-                <a:cs typeface="Times New Roman" panose="02020603050405020304" pitchFamily="18" charset="0"/>
-              </a:rPr>
-              <a:t>dati degli articoli, l’elenco delle offerte pervenute in ordine di data+ora decrescente e un campo di input </a:t>
-            </a:r>
-            <a:r>
-              <a:rPr lang="it-IT" sz="1800" b="0" i="0" u="none" strike="noStrike" dirty="0">
-                <a:effectLst/>
-                <a:latin typeface="Times New Roman" panose="02020603050405020304" pitchFamily="18" charset="0"/>
-                <a:cs typeface="Times New Roman" panose="02020603050405020304" pitchFamily="18" charset="0"/>
-              </a:rPr>
               <a:t>per </a:t>
             </a:r>
             <a:r>
-              <a:rPr lang="it-IT" sz="1800" b="0" i="0" u="none" strike="noStrike" dirty="0">
-                <a:solidFill>
-                  <a:schemeClr val="accent6">
-                    <a:lumMod val="75000"/>
-                  </a:schemeClr>
+              <a:rPr lang="it-IT" sz="1800" b="1" i="0" u="none" strike="noStrike" dirty="0">
+                <a:solidFill>
+                  <a:srgbClr val="B45A00"/>
                 </a:solidFill>
                 <a:effectLst/>
                 <a:latin typeface="Times New Roman" panose="02020603050405020304" pitchFamily="18" charset="0"/>
@@ -8315,11 +10086,9 @@
               <a:t>, </a:t>
             </a:r>
             <a:r>
-              <a:rPr lang="en-US" sz="1400" dirty="0">
-                <a:solidFill>
-                  <a:schemeClr val="accent6">
-                    <a:lumMod val="75000"/>
-                  </a:schemeClr>
+              <a:rPr lang="en-US" sz="1400" b="1" dirty="0">
+                <a:solidFill>
+                  <a:srgbClr val="B45A00"/>
                 </a:solidFill>
                 <a:latin typeface="Times New Roman" panose="02020603050405020304" pitchFamily="18" charset="0"/>
                 <a:cs typeface="Times New Roman" panose="02020603050405020304" pitchFamily="18" charset="0"/>
@@ -8342,7 +10111,7 @@
 </p:sld>
 </file>
 
-<file path=ppt/slides/slide13.xml><?xml version="1.0" encoding="utf-8"?>
+<file path=ppt/slides/slide14.xml><?xml version="1.0" encoding="utf-8"?>
 <p:sld xmlns:a="http://schemas.openxmlformats.org/drawingml/2006/main" xmlns:r="http://schemas.openxmlformats.org/officeDocument/2006/relationships" xmlns:p="http://schemas.openxmlformats.org/presentationml/2006/main">
   <p:cSld>
     <p:spTree>
@@ -8595,11 +10364,9 @@
               <a:t>e che sono ancora aperte. L’informazione dell’ultima azione compiuta e delle aste visitate è </a:t>
             </a:r>
             <a:r>
-              <a:rPr lang="it-IT" sz="1800" b="0" i="0" u="none" strike="noStrike" dirty="0">
-                <a:solidFill>
-                  <a:schemeClr val="accent6">
-                    <a:lumMod val="75000"/>
-                  </a:schemeClr>
+              <a:rPr lang="it-IT" sz="1800" b="1" i="0" u="none" strike="noStrike" dirty="0">
+                <a:solidFill>
+                  <a:srgbClr val="B45A00"/>
                 </a:solidFill>
                 <a:effectLst/>
                 <a:latin typeface="Times New Roman" panose="02020603050405020304" pitchFamily="18" charset="0"/>
@@ -8632,7 +10399,25 @@
                 <a:latin typeface="Times New Roman" panose="02020603050405020304" pitchFamily="18" charset="0"/>
                 <a:cs typeface="Times New Roman" panose="02020603050405020304" pitchFamily="18" charset="0"/>
               </a:rPr>
-              <a:t>Ogni interazione dell’utente è gestita senza ricaricare completamente la pagina, ma produce </a:t>
+              <a:t>Ogni </a:t>
+            </a:r>
+            <a:r>
+              <a:rPr lang="it-IT" dirty="0">
+                <a:solidFill>
+                  <a:srgbClr val="00B0F0"/>
+                </a:solidFill>
+                <a:latin typeface="Times New Roman" panose="02020603050405020304" pitchFamily="18" charset="0"/>
+                <a:cs typeface="Times New Roman" panose="02020603050405020304" pitchFamily="18" charset="0"/>
+              </a:rPr>
+              <a:t>interazione dell’utente </a:t>
+            </a:r>
+            <a:r>
+              <a:rPr lang="it-IT" sz="1800" b="0" i="0" u="none" strike="noStrike" dirty="0">
+                <a:effectLst/>
+                <a:latin typeface="Times New Roman" panose="02020603050405020304" pitchFamily="18" charset="0"/>
+                <a:cs typeface="Times New Roman" panose="02020603050405020304" pitchFamily="18" charset="0"/>
+              </a:rPr>
+              <a:t>è gestita senza ricaricare completamente la pagina, ma produce </a:t>
             </a:r>
             <a:r>
               <a:rPr lang="it-IT" sz="1800" b="0" i="0" u="none" strike="noStrike" dirty="0">
@@ -8645,7 +10430,18 @@
                 <a:latin typeface="Times New Roman" panose="02020603050405020304" pitchFamily="18" charset="0"/>
                 <a:cs typeface="Times New Roman" panose="02020603050405020304" pitchFamily="18" charset="0"/>
               </a:rPr>
-              <a:t>l’invocazione asincrona del server </a:t>
+              <a:t>l’</a:t>
+            </a:r>
+            <a:r>
+              <a:rPr lang="it-IT" sz="1800" b="1" i="0" u="none" strike="noStrike" dirty="0">
+                <a:solidFill>
+                  <a:srgbClr val="B45A00"/>
+                </a:solidFill>
+                <a:effectLst/>
+                <a:latin typeface="Times New Roman" panose="02020603050405020304" pitchFamily="18" charset="0"/>
+                <a:cs typeface="Times New Roman" panose="02020603050405020304" pitchFamily="18" charset="0"/>
+              </a:rPr>
+              <a:t>invocazione asincrona del server </a:t>
             </a:r>
             <a:r>
               <a:rPr lang="it-IT" sz="1800" b="0" i="0" u="none" strike="noStrike" dirty="0">
@@ -8654,6 +10450,17 @@
                 <a:cs typeface="Times New Roman" panose="02020603050405020304" pitchFamily="18" charset="0"/>
               </a:rPr>
               <a:t>e l’eventuale </a:t>
+            </a:r>
+            <a:r>
+              <a:rPr lang="it-IT" sz="1800" b="1" i="0" u="none" strike="noStrike" dirty="0">
+                <a:solidFill>
+                  <a:srgbClr val="B45A00"/>
+                </a:solidFill>
+                <a:effectLst/>
+                <a:latin typeface="Times New Roman" panose="02020603050405020304" pitchFamily="18" charset="0"/>
+                <a:cs typeface="Times New Roman" panose="02020603050405020304" pitchFamily="18" charset="0"/>
+              </a:rPr>
+              <a:t>modifica solo del contenuto da aggiornare</a:t>
             </a:r>
             <a:r>
               <a:rPr lang="it-IT" sz="1800" b="0" i="0" u="none" strike="noStrike" dirty="0">
@@ -8666,7 +10473,7 @@
                 <a:latin typeface="Times New Roman" panose="02020603050405020304" pitchFamily="18" charset="0"/>
                 <a:cs typeface="Times New Roman" panose="02020603050405020304" pitchFamily="18" charset="0"/>
               </a:rPr>
-              <a:t>modifica solo del contenuto da aggiornare </a:t>
+              <a:t> </a:t>
             </a:r>
             <a:r>
               <a:rPr lang="it-IT" sz="1800" b="0" i="0" u="none" strike="noStrike" dirty="0">
@@ -10483,35 +12290,6 @@
           </a:p>
         </p:txBody>
       </p:sp>
-      <p:pic>
-        <p:nvPicPr>
-          <p:cNvPr id="5" name="Segnaposto contenuto 4">
-            <a:extLst>
-              <a:ext uri="{FF2B5EF4-FFF2-40B4-BE49-F238E27FC236}">
-                <a16:creationId xmlns:a16="http://schemas.microsoft.com/office/drawing/2014/main" id="{BE0EF8E8-BC89-577F-59A8-AD68AD42213B}"/>
-              </a:ext>
-            </a:extLst>
-          </p:cNvPr>
-          <p:cNvPicPr>
-            <a:picLocks noGrp="1" noChangeAspect="1"/>
-          </p:cNvPicPr>
-          <p:nvPr>
-            <p:ph idx="1"/>
-          </p:nvPr>
-        </p:nvPicPr>
-        <p:blipFill>
-          <a:blip r:embed="rId2"/>
-          <a:stretch>
-            <a:fillRect/>
-          </a:stretch>
-        </p:blipFill>
-        <p:spPr>
-          <a:xfrm>
-            <a:off x="677334" y="906046"/>
-            <a:ext cx="7995611" cy="5943227"/>
-          </a:xfrm>
-        </p:spPr>
-      </p:pic>
       <p:sp>
         <p:nvSpPr>
           <p:cNvPr id="6" name="CasellaDiTesto 5">
@@ -10564,6 +12342,36 @@
           </a:p>
         </p:txBody>
       </p:sp>
+      <p:pic>
+        <p:nvPicPr>
+          <p:cNvPr id="14" name="Immagine 13">
+            <a:extLst>
+              <a:ext uri="{FF2B5EF4-FFF2-40B4-BE49-F238E27FC236}">
+                <a16:creationId xmlns:a16="http://schemas.microsoft.com/office/drawing/2014/main" id="{9E43EFD4-BA0A-F0D7-BC49-755A697455EC}"/>
+              </a:ext>
+            </a:extLst>
+          </p:cNvPr>
+          <p:cNvPicPr>
+            <a:picLocks noChangeAspect="1"/>
+          </p:cNvPicPr>
+          <p:nvPr/>
+        </p:nvPicPr>
+        <p:blipFill>
+          <a:blip r:embed="rId2"/>
+          <a:stretch>
+            <a:fillRect/>
+          </a:stretch>
+        </p:blipFill>
+        <p:spPr>
+          <a:xfrm>
+            <a:off x="677334" y="952500"/>
+            <a:ext cx="6994100" cy="5577321"/>
+          </a:xfrm>
+          <a:prstGeom prst="rect">
+            <a:avLst/>
+          </a:prstGeom>
+        </p:spPr>
+      </p:pic>
     </p:spTree>
     <p:extLst>
       <p:ext uri="{BB962C8B-B14F-4D97-AF65-F5344CB8AC3E}">
@@ -10578,6 +12386,158 @@
 </file>
 
 <file path=ppt/slides/slide8.xml><?xml version="1.0" encoding="utf-8"?>
+<p:sld xmlns:a="http://schemas.openxmlformats.org/drawingml/2006/main" xmlns:r="http://schemas.openxmlformats.org/officeDocument/2006/relationships" xmlns:p="http://schemas.openxmlformats.org/presentationml/2006/main">
+  <p:cSld>
+    <p:spTree>
+      <p:nvGrpSpPr>
+        <p:cNvPr id="1" name=""/>
+        <p:cNvGrpSpPr/>
+        <p:nvPr/>
+      </p:nvGrpSpPr>
+      <p:grpSpPr>
+        <a:xfrm>
+          <a:off x="0" y="0"/>
+          <a:ext cx="0" cy="0"/>
+          <a:chOff x="0" y="0"/>
+          <a:chExt cx="0" cy="0"/>
+        </a:xfrm>
+      </p:grpSpPr>
+      <p:sp>
+        <p:nvSpPr>
+          <p:cNvPr id="2" name="Titolo 1">
+            <a:extLst>
+              <a:ext uri="{FF2B5EF4-FFF2-40B4-BE49-F238E27FC236}">
+                <a16:creationId xmlns:a16="http://schemas.microsoft.com/office/drawing/2014/main" id="{B875D7AB-F7E3-285F-C53D-AFF8128F93EE}"/>
+              </a:ext>
+            </a:extLst>
+          </p:cNvPr>
+          <p:cNvSpPr>
+            <a:spLocks noGrp="1"/>
+          </p:cNvSpPr>
+          <p:nvPr>
+            <p:ph type="title"/>
+          </p:nvPr>
+        </p:nvSpPr>
+        <p:spPr>
+          <a:xfrm>
+            <a:off x="677334" y="166254"/>
+            <a:ext cx="8596668" cy="1320800"/>
+          </a:xfrm>
+        </p:spPr>
+        <p:txBody>
+          <a:bodyPr/>
+          <a:lstStyle/>
+          <a:p>
+            <a:r>
+              <a:rPr lang="it-IT" dirty="0">
+                <a:latin typeface="Times New Roman" panose="02020603050405020304" pitchFamily="18" charset="0"/>
+                <a:cs typeface="Times New Roman" panose="02020603050405020304" pitchFamily="18" charset="0"/>
+              </a:rPr>
+              <a:t>Schema Entità Relazioni Ristrutturato (ER)</a:t>
+            </a:r>
+            <a:endParaRPr lang="en-US" dirty="0">
+              <a:latin typeface="Times New Roman" panose="02020603050405020304" pitchFamily="18" charset="0"/>
+              <a:cs typeface="Times New Roman" panose="02020603050405020304" pitchFamily="18" charset="0"/>
+            </a:endParaRPr>
+          </a:p>
+        </p:txBody>
+      </p:sp>
+      <p:sp>
+        <p:nvSpPr>
+          <p:cNvPr id="6" name="CasellaDiTesto 5">
+            <a:extLst>
+              <a:ext uri="{FF2B5EF4-FFF2-40B4-BE49-F238E27FC236}">
+                <a16:creationId xmlns:a16="http://schemas.microsoft.com/office/drawing/2014/main" id="{2047CCD2-425B-6FB0-0C95-D00189B1F046}"/>
+              </a:ext>
+            </a:extLst>
+          </p:cNvPr>
+          <p:cNvSpPr txBox="1"/>
+          <p:nvPr/>
+        </p:nvSpPr>
+        <p:spPr>
+          <a:xfrm>
+            <a:off x="6604000" y="73891"/>
+            <a:ext cx="2346036" cy="292388"/>
+          </a:xfrm>
+          <a:prstGeom prst="rect">
+            <a:avLst/>
+          </a:prstGeom>
+          <a:noFill/>
+        </p:spPr>
+        <p:txBody>
+          <a:bodyPr wrap="square" rtlCol="0">
+            <a:spAutoFit/>
+          </a:bodyPr>
+          <a:lstStyle/>
+          <a:p>
+            <a:r>
+              <a:rPr lang="it-IT" sz="1300" dirty="0">
+                <a:solidFill>
+                  <a:schemeClr val="bg2">
+                    <a:lumMod val="50000"/>
+                  </a:schemeClr>
+                </a:solidFill>
+                <a:latin typeface="Times New Roman" panose="02020603050405020304" pitchFamily="18" charset="0"/>
+                <a:cs typeface="Times New Roman" panose="02020603050405020304" pitchFamily="18" charset="0"/>
+              </a:rPr>
+              <a:t>Tutti gli attributi sono non nulli</a:t>
+            </a:r>
+            <a:endParaRPr lang="en-US" sz="1300" dirty="0">
+              <a:solidFill>
+                <a:schemeClr val="bg2">
+                  <a:lumMod val="50000"/>
+                </a:schemeClr>
+              </a:solidFill>
+              <a:latin typeface="Times New Roman" panose="02020603050405020304" pitchFamily="18" charset="0"/>
+              <a:cs typeface="Times New Roman" panose="02020603050405020304" pitchFamily="18" charset="0"/>
+            </a:endParaRPr>
+          </a:p>
+        </p:txBody>
+      </p:sp>
+      <p:pic>
+        <p:nvPicPr>
+          <p:cNvPr id="7" name="Immagine 6">
+            <a:extLst>
+              <a:ext uri="{FF2B5EF4-FFF2-40B4-BE49-F238E27FC236}">
+                <a16:creationId xmlns:a16="http://schemas.microsoft.com/office/drawing/2014/main" id="{02DD1413-C6F8-F6FC-DE82-D08846ED83C5}"/>
+              </a:ext>
+            </a:extLst>
+          </p:cNvPr>
+          <p:cNvPicPr>
+            <a:picLocks noChangeAspect="1"/>
+          </p:cNvPicPr>
+          <p:nvPr/>
+        </p:nvPicPr>
+        <p:blipFill>
+          <a:blip r:embed="rId2"/>
+          <a:stretch>
+            <a:fillRect/>
+          </a:stretch>
+        </p:blipFill>
+        <p:spPr>
+          <a:xfrm>
+            <a:off x="962025" y="1011959"/>
+            <a:ext cx="7105650" cy="5772150"/>
+          </a:xfrm>
+          <a:prstGeom prst="rect">
+            <a:avLst/>
+          </a:prstGeom>
+        </p:spPr>
+      </p:pic>
+    </p:spTree>
+    <p:extLst>
+      <p:ext uri="{BB962C8B-B14F-4D97-AF65-F5344CB8AC3E}">
+        <p14:creationId xmlns:p14="http://schemas.microsoft.com/office/powerpoint/2010/main" val="3462267675"/>
+      </p:ext>
+    </p:extLst>
+  </p:cSld>
+  <p:clrMapOvr>
+    <a:masterClrMapping/>
+  </p:clrMapOvr>
+</p:sld>
+</file>
+
+<file path=ppt/slides/slide9.xml><?xml version="1.0" encoding="utf-8"?>
 <p:sld xmlns:a="http://schemas.openxmlformats.org/drawingml/2006/main" xmlns:r="http://schemas.openxmlformats.org/officeDocument/2006/relationships" xmlns:p="http://schemas.openxmlformats.org/presentationml/2006/main">
   <p:cSld>
     <p:spTree>
@@ -11721,6 +13681,9 @@
           </a:p>
           <a:p>
             <a:pPr marL="0" indent="0">
+              <a:spcBef>
+                <a:spcPts val="0"/>
+              </a:spcBef>
               <a:buNone/>
             </a:pPr>
             <a:r>
@@ -11738,669 +13701,8 @@
           </a:p>
           <a:p>
             <a:pPr marL="0" indent="0">
-              <a:spcBef>
-                <a:spcPts val="0"/>
-              </a:spcBef>
               <a:buNone/>
             </a:pPr>
-            <a:r>
-              <a:rPr lang="en-US" sz="1500" dirty="0">
-                <a:solidFill>
-                  <a:srgbClr val="00B0F0"/>
-                </a:solidFill>
-                <a:latin typeface="Times New Roman" panose="02020603050405020304" pitchFamily="18" charset="0"/>
-                <a:cs typeface="Times New Roman" panose="02020603050405020304" pitchFamily="18" charset="0"/>
-              </a:rPr>
-              <a:t>CREATE TABLE</a:t>
-            </a:r>
-            <a:r>
-              <a:rPr lang="en-US" sz="1500" dirty="0">
-                <a:solidFill>
-                  <a:schemeClr val="bg2">
-                    <a:lumMod val="25000"/>
-                  </a:schemeClr>
-                </a:solidFill>
-                <a:latin typeface="Times New Roman" panose="02020603050405020304" pitchFamily="18" charset="0"/>
-                <a:cs typeface="Times New Roman" panose="02020603050405020304" pitchFamily="18" charset="0"/>
-              </a:rPr>
-              <a:t> </a:t>
-            </a:r>
-            <a:r>
-              <a:rPr lang="en-US" sz="1500" dirty="0">
-                <a:solidFill>
-                  <a:srgbClr val="C00000"/>
-                </a:solidFill>
-                <a:latin typeface="Times New Roman" panose="02020603050405020304" pitchFamily="18" charset="0"/>
-                <a:cs typeface="Times New Roman" panose="02020603050405020304" pitchFamily="18" charset="0"/>
-              </a:rPr>
-              <a:t>`</a:t>
-            </a:r>
-            <a:r>
-              <a:rPr lang="en-US" sz="1500" dirty="0" err="1">
-                <a:solidFill>
-                  <a:srgbClr val="C00000"/>
-                </a:solidFill>
-                <a:latin typeface="Times New Roman" panose="02020603050405020304" pitchFamily="18" charset="0"/>
-                <a:cs typeface="Times New Roman" panose="02020603050405020304" pitchFamily="18" charset="0"/>
-              </a:rPr>
-              <a:t>asta</a:t>
-            </a:r>
-            <a:r>
-              <a:rPr lang="en-US" sz="1500" dirty="0">
-                <a:solidFill>
-                  <a:srgbClr val="C00000"/>
-                </a:solidFill>
-                <a:latin typeface="Times New Roman" panose="02020603050405020304" pitchFamily="18" charset="0"/>
-                <a:cs typeface="Times New Roman" panose="02020603050405020304" pitchFamily="18" charset="0"/>
-              </a:rPr>
-              <a:t>`</a:t>
-            </a:r>
-            <a:r>
-              <a:rPr lang="en-US" sz="1500" dirty="0">
-                <a:solidFill>
-                  <a:srgbClr val="FF0000"/>
-                </a:solidFill>
-                <a:latin typeface="Times New Roman" panose="02020603050405020304" pitchFamily="18" charset="0"/>
-                <a:cs typeface="Times New Roman" panose="02020603050405020304" pitchFamily="18" charset="0"/>
-              </a:rPr>
-              <a:t> </a:t>
-            </a:r>
-            <a:r>
-              <a:rPr lang="en-US" sz="1500" dirty="0">
-                <a:solidFill>
-                  <a:schemeClr val="bg2">
-                    <a:lumMod val="25000"/>
-                  </a:schemeClr>
-                </a:solidFill>
-                <a:latin typeface="Times New Roman" panose="02020603050405020304" pitchFamily="18" charset="0"/>
-                <a:cs typeface="Times New Roman" panose="02020603050405020304" pitchFamily="18" charset="0"/>
-              </a:rPr>
-              <a:t>(  </a:t>
-            </a:r>
-          </a:p>
-          <a:p>
-            <a:pPr marL="0" indent="0">
-              <a:spcBef>
-                <a:spcPts val="0"/>
-              </a:spcBef>
-              <a:buNone/>
-            </a:pPr>
-            <a:r>
-              <a:rPr lang="en-US" sz="1500" dirty="0">
-                <a:solidFill>
-                  <a:schemeClr val="bg2">
-                    <a:lumMod val="25000"/>
-                  </a:schemeClr>
-                </a:solidFill>
-                <a:latin typeface="Times New Roman" panose="02020603050405020304" pitchFamily="18" charset="0"/>
-                <a:cs typeface="Times New Roman" panose="02020603050405020304" pitchFamily="18" charset="0"/>
-              </a:rPr>
-              <a:t>	</a:t>
-            </a:r>
-            <a:r>
-              <a:rPr lang="en-US" sz="1500" dirty="0">
-                <a:solidFill>
-                  <a:srgbClr val="C00000"/>
-                </a:solidFill>
-                <a:latin typeface="Times New Roman" panose="02020603050405020304" pitchFamily="18" charset="0"/>
-                <a:cs typeface="Times New Roman" panose="02020603050405020304" pitchFamily="18" charset="0"/>
-              </a:rPr>
-              <a:t>`</a:t>
-            </a:r>
-            <a:r>
-              <a:rPr lang="en-US" sz="1500" dirty="0" err="1">
-                <a:solidFill>
-                  <a:srgbClr val="C00000"/>
-                </a:solidFill>
-                <a:latin typeface="Times New Roman" panose="02020603050405020304" pitchFamily="18" charset="0"/>
-                <a:cs typeface="Times New Roman" panose="02020603050405020304" pitchFamily="18" charset="0"/>
-              </a:rPr>
-              <a:t>idAsta</a:t>
-            </a:r>
-            <a:r>
-              <a:rPr lang="en-US" sz="1500" dirty="0">
-                <a:solidFill>
-                  <a:srgbClr val="C00000"/>
-                </a:solidFill>
-                <a:latin typeface="Times New Roman" panose="02020603050405020304" pitchFamily="18" charset="0"/>
-                <a:cs typeface="Times New Roman" panose="02020603050405020304" pitchFamily="18" charset="0"/>
-              </a:rPr>
-              <a:t>`</a:t>
-            </a:r>
-            <a:r>
-              <a:rPr lang="en-US" sz="1500" dirty="0">
-                <a:solidFill>
-                  <a:schemeClr val="bg2">
-                    <a:lumMod val="25000"/>
-                  </a:schemeClr>
-                </a:solidFill>
-                <a:latin typeface="Times New Roman" panose="02020603050405020304" pitchFamily="18" charset="0"/>
-                <a:cs typeface="Times New Roman" panose="02020603050405020304" pitchFamily="18" charset="0"/>
-              </a:rPr>
-              <a:t> </a:t>
-            </a:r>
-            <a:r>
-              <a:rPr lang="en-US" sz="1500" dirty="0">
-                <a:solidFill>
-                  <a:srgbClr val="00B0F0"/>
-                </a:solidFill>
-                <a:latin typeface="Times New Roman" panose="02020603050405020304" pitchFamily="18" charset="0"/>
-                <a:cs typeface="Times New Roman" panose="02020603050405020304" pitchFamily="18" charset="0"/>
-              </a:rPr>
-              <a:t>int NOT NULL AUTO_INCREMENT</a:t>
-            </a:r>
-            <a:r>
-              <a:rPr lang="en-US" sz="1500" dirty="0">
-                <a:solidFill>
-                  <a:schemeClr val="bg2">
-                    <a:lumMod val="25000"/>
-                  </a:schemeClr>
-                </a:solidFill>
-                <a:latin typeface="Times New Roman" panose="02020603050405020304" pitchFamily="18" charset="0"/>
-                <a:cs typeface="Times New Roman" panose="02020603050405020304" pitchFamily="18" charset="0"/>
-              </a:rPr>
-              <a:t>,  	</a:t>
-            </a:r>
-          </a:p>
-          <a:p>
-            <a:pPr marL="0" indent="0">
-              <a:spcBef>
-                <a:spcPts val="0"/>
-              </a:spcBef>
-              <a:buNone/>
-            </a:pPr>
-            <a:r>
-              <a:rPr lang="en-US" sz="1500" dirty="0">
-                <a:solidFill>
-                  <a:schemeClr val="bg2">
-                    <a:lumMod val="25000"/>
-                  </a:schemeClr>
-                </a:solidFill>
-                <a:latin typeface="Times New Roman" panose="02020603050405020304" pitchFamily="18" charset="0"/>
-                <a:cs typeface="Times New Roman" panose="02020603050405020304" pitchFamily="18" charset="0"/>
-              </a:rPr>
-              <a:t>	</a:t>
-            </a:r>
-            <a:r>
-              <a:rPr lang="en-US" sz="1500" dirty="0">
-                <a:solidFill>
-                  <a:srgbClr val="C00000"/>
-                </a:solidFill>
-                <a:latin typeface="Times New Roman" panose="02020603050405020304" pitchFamily="18" charset="0"/>
-                <a:cs typeface="Times New Roman" panose="02020603050405020304" pitchFamily="18" charset="0"/>
-              </a:rPr>
-              <a:t>`</a:t>
-            </a:r>
-            <a:r>
-              <a:rPr lang="en-US" sz="1500" dirty="0" err="1">
-                <a:solidFill>
-                  <a:srgbClr val="C00000"/>
-                </a:solidFill>
-                <a:latin typeface="Times New Roman" panose="02020603050405020304" pitchFamily="18" charset="0"/>
-                <a:cs typeface="Times New Roman" panose="02020603050405020304" pitchFamily="18" charset="0"/>
-              </a:rPr>
-              <a:t>rialzoMin</a:t>
-            </a:r>
-            <a:r>
-              <a:rPr lang="en-US" sz="1500" dirty="0">
-                <a:solidFill>
-                  <a:srgbClr val="C00000"/>
-                </a:solidFill>
-                <a:latin typeface="Times New Roman" panose="02020603050405020304" pitchFamily="18" charset="0"/>
-                <a:cs typeface="Times New Roman" panose="02020603050405020304" pitchFamily="18" charset="0"/>
-              </a:rPr>
-              <a:t>`</a:t>
-            </a:r>
-            <a:r>
-              <a:rPr lang="en-US" sz="1500" dirty="0">
-                <a:solidFill>
-                  <a:schemeClr val="bg2">
-                    <a:lumMod val="25000"/>
-                  </a:schemeClr>
-                </a:solidFill>
-                <a:latin typeface="Times New Roman" panose="02020603050405020304" pitchFamily="18" charset="0"/>
-                <a:cs typeface="Times New Roman" panose="02020603050405020304" pitchFamily="18" charset="0"/>
-              </a:rPr>
-              <a:t> </a:t>
-            </a:r>
-            <a:r>
-              <a:rPr lang="en-US" sz="1500" dirty="0">
-                <a:solidFill>
-                  <a:srgbClr val="00B0F0"/>
-                </a:solidFill>
-                <a:latin typeface="Times New Roman" panose="02020603050405020304" pitchFamily="18" charset="0"/>
-                <a:cs typeface="Times New Roman" panose="02020603050405020304" pitchFamily="18" charset="0"/>
-              </a:rPr>
-              <a:t>decimal</a:t>
-            </a:r>
-            <a:r>
-              <a:rPr lang="en-US" sz="1500" dirty="0">
-                <a:solidFill>
-                  <a:schemeClr val="bg2">
-                    <a:lumMod val="25000"/>
-                  </a:schemeClr>
-                </a:solidFill>
-                <a:latin typeface="Times New Roman" panose="02020603050405020304" pitchFamily="18" charset="0"/>
-                <a:cs typeface="Times New Roman" panose="02020603050405020304" pitchFamily="18" charset="0"/>
-              </a:rPr>
-              <a:t>(</a:t>
-            </a:r>
-            <a:r>
-              <a:rPr lang="en-US" sz="1500" dirty="0">
-                <a:solidFill>
-                  <a:srgbClr val="FFC000"/>
-                </a:solidFill>
-                <a:latin typeface="Times New Roman" panose="02020603050405020304" pitchFamily="18" charset="0"/>
-                <a:cs typeface="Times New Roman" panose="02020603050405020304" pitchFamily="18" charset="0"/>
-              </a:rPr>
-              <a:t>10</a:t>
-            </a:r>
-            <a:r>
-              <a:rPr lang="en-US" sz="1500" dirty="0">
-                <a:solidFill>
-                  <a:schemeClr val="bg2">
-                    <a:lumMod val="25000"/>
-                  </a:schemeClr>
-                </a:solidFill>
-                <a:latin typeface="Times New Roman" panose="02020603050405020304" pitchFamily="18" charset="0"/>
-                <a:cs typeface="Times New Roman" panose="02020603050405020304" pitchFamily="18" charset="0"/>
-              </a:rPr>
-              <a:t>,</a:t>
-            </a:r>
-            <a:r>
-              <a:rPr lang="en-US" sz="1500" dirty="0">
-                <a:solidFill>
-                  <a:srgbClr val="FFC000"/>
-                </a:solidFill>
-                <a:latin typeface="Times New Roman" panose="02020603050405020304" pitchFamily="18" charset="0"/>
-                <a:cs typeface="Times New Roman" panose="02020603050405020304" pitchFamily="18" charset="0"/>
-              </a:rPr>
-              <a:t>2</a:t>
-            </a:r>
-            <a:r>
-              <a:rPr lang="en-US" sz="1500" dirty="0">
-                <a:solidFill>
-                  <a:schemeClr val="bg2">
-                    <a:lumMod val="25000"/>
-                  </a:schemeClr>
-                </a:solidFill>
-                <a:latin typeface="Times New Roman" panose="02020603050405020304" pitchFamily="18" charset="0"/>
-                <a:cs typeface="Times New Roman" panose="02020603050405020304" pitchFamily="18" charset="0"/>
-              </a:rPr>
-              <a:t>) </a:t>
-            </a:r>
-            <a:r>
-              <a:rPr lang="en-US" sz="1500" dirty="0">
-                <a:solidFill>
-                  <a:srgbClr val="00B0F0"/>
-                </a:solidFill>
-                <a:latin typeface="Times New Roman" panose="02020603050405020304" pitchFamily="18" charset="0"/>
-                <a:cs typeface="Times New Roman" panose="02020603050405020304" pitchFamily="18" charset="0"/>
-              </a:rPr>
-              <a:t>NOT NULL</a:t>
-            </a:r>
-            <a:r>
-              <a:rPr lang="en-US" sz="1500" dirty="0">
-                <a:solidFill>
-                  <a:schemeClr val="bg2">
-                    <a:lumMod val="25000"/>
-                  </a:schemeClr>
-                </a:solidFill>
-                <a:latin typeface="Times New Roman" panose="02020603050405020304" pitchFamily="18" charset="0"/>
-                <a:cs typeface="Times New Roman" panose="02020603050405020304" pitchFamily="18" charset="0"/>
-              </a:rPr>
-              <a:t>,  </a:t>
-            </a:r>
-          </a:p>
-          <a:p>
-            <a:pPr marL="0" indent="0">
-              <a:spcBef>
-                <a:spcPts val="0"/>
-              </a:spcBef>
-              <a:buNone/>
-            </a:pPr>
-            <a:r>
-              <a:rPr lang="en-US" sz="1500" dirty="0">
-                <a:solidFill>
-                  <a:schemeClr val="bg2">
-                    <a:lumMod val="25000"/>
-                  </a:schemeClr>
-                </a:solidFill>
-                <a:latin typeface="Times New Roman" panose="02020603050405020304" pitchFamily="18" charset="0"/>
-                <a:cs typeface="Times New Roman" panose="02020603050405020304" pitchFamily="18" charset="0"/>
-              </a:rPr>
-              <a:t>	</a:t>
-            </a:r>
-            <a:r>
-              <a:rPr lang="en-US" sz="1500" dirty="0">
-                <a:solidFill>
-                  <a:srgbClr val="C00000"/>
-                </a:solidFill>
-                <a:latin typeface="Times New Roman" panose="02020603050405020304" pitchFamily="18" charset="0"/>
-                <a:cs typeface="Times New Roman" panose="02020603050405020304" pitchFamily="18" charset="0"/>
-              </a:rPr>
-              <a:t>`</a:t>
-            </a:r>
-            <a:r>
-              <a:rPr lang="en-US" sz="1500" dirty="0" err="1">
-                <a:solidFill>
-                  <a:srgbClr val="C00000"/>
-                </a:solidFill>
-                <a:latin typeface="Times New Roman" panose="02020603050405020304" pitchFamily="18" charset="0"/>
-                <a:cs typeface="Times New Roman" panose="02020603050405020304" pitchFamily="18" charset="0"/>
-              </a:rPr>
-              <a:t>scadenza</a:t>
-            </a:r>
-            <a:r>
-              <a:rPr lang="en-US" sz="1500" dirty="0">
-                <a:solidFill>
-                  <a:srgbClr val="C00000"/>
-                </a:solidFill>
-                <a:latin typeface="Times New Roman" panose="02020603050405020304" pitchFamily="18" charset="0"/>
-                <a:cs typeface="Times New Roman" panose="02020603050405020304" pitchFamily="18" charset="0"/>
-              </a:rPr>
-              <a:t>`</a:t>
-            </a:r>
-            <a:r>
-              <a:rPr lang="en-US" sz="1500" dirty="0">
-                <a:solidFill>
-                  <a:schemeClr val="bg2">
-                    <a:lumMod val="25000"/>
-                  </a:schemeClr>
-                </a:solidFill>
-                <a:latin typeface="Times New Roman" panose="02020603050405020304" pitchFamily="18" charset="0"/>
-                <a:cs typeface="Times New Roman" panose="02020603050405020304" pitchFamily="18" charset="0"/>
-              </a:rPr>
-              <a:t> </a:t>
-            </a:r>
-            <a:r>
-              <a:rPr lang="en-US" sz="1500" dirty="0">
-                <a:solidFill>
-                  <a:srgbClr val="00B0F0"/>
-                </a:solidFill>
-                <a:latin typeface="Times New Roman" panose="02020603050405020304" pitchFamily="18" charset="0"/>
-                <a:cs typeface="Times New Roman" panose="02020603050405020304" pitchFamily="18" charset="0"/>
-              </a:rPr>
-              <a:t>datetime NOT NULL</a:t>
-            </a:r>
-            <a:r>
-              <a:rPr lang="en-US" sz="1500" dirty="0">
-                <a:solidFill>
-                  <a:schemeClr val="bg2">
-                    <a:lumMod val="25000"/>
-                  </a:schemeClr>
-                </a:solidFill>
-                <a:latin typeface="Times New Roman" panose="02020603050405020304" pitchFamily="18" charset="0"/>
-                <a:cs typeface="Times New Roman" panose="02020603050405020304" pitchFamily="18" charset="0"/>
-              </a:rPr>
-              <a:t>,  </a:t>
-            </a:r>
-          </a:p>
-          <a:p>
-            <a:pPr marL="0" indent="0">
-              <a:spcBef>
-                <a:spcPts val="0"/>
-              </a:spcBef>
-              <a:buNone/>
-            </a:pPr>
-            <a:r>
-              <a:rPr lang="en-US" sz="1500" dirty="0">
-                <a:solidFill>
-                  <a:schemeClr val="bg2">
-                    <a:lumMod val="25000"/>
-                  </a:schemeClr>
-                </a:solidFill>
-                <a:latin typeface="Times New Roman" panose="02020603050405020304" pitchFamily="18" charset="0"/>
-                <a:cs typeface="Times New Roman" panose="02020603050405020304" pitchFamily="18" charset="0"/>
-              </a:rPr>
-              <a:t>	</a:t>
-            </a:r>
-            <a:r>
-              <a:rPr lang="en-US" sz="1500" dirty="0">
-                <a:solidFill>
-                  <a:srgbClr val="C00000"/>
-                </a:solidFill>
-                <a:latin typeface="Times New Roman" panose="02020603050405020304" pitchFamily="18" charset="0"/>
-                <a:cs typeface="Times New Roman" panose="02020603050405020304" pitchFamily="18" charset="0"/>
-              </a:rPr>
-              <a:t>`</a:t>
-            </a:r>
-            <a:r>
-              <a:rPr lang="en-US" sz="1500" dirty="0" err="1">
-                <a:solidFill>
-                  <a:srgbClr val="C00000"/>
-                </a:solidFill>
-                <a:latin typeface="Times New Roman" panose="02020603050405020304" pitchFamily="18" charset="0"/>
-                <a:cs typeface="Times New Roman" panose="02020603050405020304" pitchFamily="18" charset="0"/>
-              </a:rPr>
-              <a:t>chiusa</a:t>
-            </a:r>
-            <a:r>
-              <a:rPr lang="en-US" sz="1500" dirty="0">
-                <a:solidFill>
-                  <a:srgbClr val="C00000"/>
-                </a:solidFill>
-                <a:latin typeface="Times New Roman" panose="02020603050405020304" pitchFamily="18" charset="0"/>
-                <a:cs typeface="Times New Roman" panose="02020603050405020304" pitchFamily="18" charset="0"/>
-              </a:rPr>
-              <a:t>`</a:t>
-            </a:r>
-            <a:r>
-              <a:rPr lang="en-US" sz="1500" dirty="0">
-                <a:solidFill>
-                  <a:schemeClr val="bg2">
-                    <a:lumMod val="25000"/>
-                  </a:schemeClr>
-                </a:solidFill>
-                <a:latin typeface="Times New Roman" panose="02020603050405020304" pitchFamily="18" charset="0"/>
-                <a:cs typeface="Times New Roman" panose="02020603050405020304" pitchFamily="18" charset="0"/>
-              </a:rPr>
-              <a:t> </a:t>
-            </a:r>
-            <a:r>
-              <a:rPr lang="en-US" sz="1500" dirty="0" err="1">
-                <a:solidFill>
-                  <a:srgbClr val="00B0F0"/>
-                </a:solidFill>
-                <a:latin typeface="Times New Roman" panose="02020603050405020304" pitchFamily="18" charset="0"/>
-                <a:cs typeface="Times New Roman" panose="02020603050405020304" pitchFamily="18" charset="0"/>
-              </a:rPr>
-              <a:t>tinyint</a:t>
-            </a:r>
-            <a:r>
-              <a:rPr lang="en-US" sz="1500" dirty="0">
-                <a:solidFill>
-                  <a:schemeClr val="bg2">
-                    <a:lumMod val="25000"/>
-                  </a:schemeClr>
-                </a:solidFill>
-                <a:latin typeface="Times New Roman" panose="02020603050405020304" pitchFamily="18" charset="0"/>
-                <a:cs typeface="Times New Roman" panose="02020603050405020304" pitchFamily="18" charset="0"/>
-              </a:rPr>
-              <a:t>(</a:t>
-            </a:r>
-            <a:r>
-              <a:rPr lang="en-US" sz="1500" dirty="0">
-                <a:solidFill>
-                  <a:srgbClr val="FFC000"/>
-                </a:solidFill>
-                <a:latin typeface="Times New Roman" panose="02020603050405020304" pitchFamily="18" charset="0"/>
-                <a:cs typeface="Times New Roman" panose="02020603050405020304" pitchFamily="18" charset="0"/>
-              </a:rPr>
-              <a:t>1</a:t>
-            </a:r>
-            <a:r>
-              <a:rPr lang="en-US" sz="1500" dirty="0">
-                <a:solidFill>
-                  <a:schemeClr val="bg2">
-                    <a:lumMod val="25000"/>
-                  </a:schemeClr>
-                </a:solidFill>
-                <a:latin typeface="Times New Roman" panose="02020603050405020304" pitchFamily="18" charset="0"/>
-                <a:cs typeface="Times New Roman" panose="02020603050405020304" pitchFamily="18" charset="0"/>
-              </a:rPr>
-              <a:t>) </a:t>
-            </a:r>
-            <a:r>
-              <a:rPr lang="en-US" sz="1500" dirty="0">
-                <a:solidFill>
-                  <a:srgbClr val="00B0F0"/>
-                </a:solidFill>
-                <a:latin typeface="Times New Roman" panose="02020603050405020304" pitchFamily="18" charset="0"/>
-                <a:cs typeface="Times New Roman" panose="02020603050405020304" pitchFamily="18" charset="0"/>
-              </a:rPr>
-              <a:t>NOT NULL DEFAULT</a:t>
-            </a:r>
-            <a:r>
-              <a:rPr lang="en-US" sz="1500" dirty="0">
-                <a:solidFill>
-                  <a:schemeClr val="bg2">
-                    <a:lumMod val="25000"/>
-                  </a:schemeClr>
-                </a:solidFill>
-                <a:latin typeface="Times New Roman" panose="02020603050405020304" pitchFamily="18" charset="0"/>
-                <a:cs typeface="Times New Roman" panose="02020603050405020304" pitchFamily="18" charset="0"/>
-              </a:rPr>
-              <a:t> </a:t>
-            </a:r>
-            <a:r>
-              <a:rPr lang="en-US" sz="1500" dirty="0">
-                <a:solidFill>
-                  <a:srgbClr val="FFC000"/>
-                </a:solidFill>
-                <a:latin typeface="Times New Roman" panose="02020603050405020304" pitchFamily="18" charset="0"/>
-                <a:cs typeface="Times New Roman" panose="02020603050405020304" pitchFamily="18" charset="0"/>
-              </a:rPr>
-              <a:t>'0’</a:t>
-            </a:r>
-            <a:r>
-              <a:rPr lang="en-US" sz="1500" dirty="0">
-                <a:solidFill>
-                  <a:schemeClr val="bg2">
-                    <a:lumMod val="25000"/>
-                  </a:schemeClr>
-                </a:solidFill>
-                <a:latin typeface="Times New Roman" panose="02020603050405020304" pitchFamily="18" charset="0"/>
-                <a:cs typeface="Times New Roman" panose="02020603050405020304" pitchFamily="18" charset="0"/>
-              </a:rPr>
-              <a:t>,  </a:t>
-            </a:r>
-          </a:p>
-          <a:p>
-            <a:pPr marL="0" indent="0">
-              <a:spcBef>
-                <a:spcPts val="0"/>
-              </a:spcBef>
-              <a:buNone/>
-            </a:pPr>
-            <a:r>
-              <a:rPr lang="en-US" sz="1500" dirty="0">
-                <a:solidFill>
-                  <a:schemeClr val="bg2">
-                    <a:lumMod val="25000"/>
-                  </a:schemeClr>
-                </a:solidFill>
-                <a:latin typeface="Times New Roman" panose="02020603050405020304" pitchFamily="18" charset="0"/>
-                <a:cs typeface="Times New Roman" panose="02020603050405020304" pitchFamily="18" charset="0"/>
-              </a:rPr>
-              <a:t>	</a:t>
-            </a:r>
-            <a:r>
-              <a:rPr lang="en-US" sz="1500" dirty="0">
-                <a:solidFill>
-                  <a:srgbClr val="00B0F0"/>
-                </a:solidFill>
-                <a:latin typeface="Times New Roman" panose="02020603050405020304" pitchFamily="18" charset="0"/>
-                <a:cs typeface="Times New Roman" panose="02020603050405020304" pitchFamily="18" charset="0"/>
-              </a:rPr>
-              <a:t>PRIMARY KEY</a:t>
-            </a:r>
-            <a:r>
-              <a:rPr lang="en-US" sz="1500" dirty="0">
-                <a:solidFill>
-                  <a:schemeClr val="bg2">
-                    <a:lumMod val="25000"/>
-                  </a:schemeClr>
-                </a:solidFill>
-                <a:latin typeface="Times New Roman" panose="02020603050405020304" pitchFamily="18" charset="0"/>
-                <a:cs typeface="Times New Roman" panose="02020603050405020304" pitchFamily="18" charset="0"/>
-              </a:rPr>
-              <a:t> (</a:t>
-            </a:r>
-            <a:r>
-              <a:rPr lang="en-US" sz="1500" dirty="0">
-                <a:solidFill>
-                  <a:srgbClr val="C00000"/>
-                </a:solidFill>
-                <a:latin typeface="Times New Roman" panose="02020603050405020304" pitchFamily="18" charset="0"/>
-                <a:cs typeface="Times New Roman" panose="02020603050405020304" pitchFamily="18" charset="0"/>
-              </a:rPr>
-              <a:t>`</a:t>
-            </a:r>
-            <a:r>
-              <a:rPr lang="en-US" sz="1500" dirty="0" err="1">
-                <a:solidFill>
-                  <a:srgbClr val="C00000"/>
-                </a:solidFill>
-                <a:latin typeface="Times New Roman" panose="02020603050405020304" pitchFamily="18" charset="0"/>
-                <a:cs typeface="Times New Roman" panose="02020603050405020304" pitchFamily="18" charset="0"/>
-              </a:rPr>
-              <a:t>idAsta</a:t>
-            </a:r>
-            <a:r>
-              <a:rPr lang="en-US" sz="1500" dirty="0">
-                <a:solidFill>
-                  <a:srgbClr val="C00000"/>
-                </a:solidFill>
-                <a:latin typeface="Times New Roman" panose="02020603050405020304" pitchFamily="18" charset="0"/>
-                <a:cs typeface="Times New Roman" panose="02020603050405020304" pitchFamily="18" charset="0"/>
-              </a:rPr>
-              <a:t>`</a:t>
-            </a:r>
-            <a:r>
-              <a:rPr lang="en-US" sz="1500" dirty="0">
-                <a:solidFill>
-                  <a:schemeClr val="bg2">
-                    <a:lumMod val="25000"/>
-                  </a:schemeClr>
-                </a:solidFill>
-                <a:latin typeface="Times New Roman" panose="02020603050405020304" pitchFamily="18" charset="0"/>
-                <a:cs typeface="Times New Roman" panose="02020603050405020304" pitchFamily="18" charset="0"/>
-              </a:rPr>
-              <a:t>)</a:t>
-            </a:r>
-          </a:p>
-          <a:p>
-            <a:pPr marL="0" indent="0">
-              <a:spcBef>
-                <a:spcPts val="0"/>
-              </a:spcBef>
-              <a:buNone/>
-            </a:pPr>
-            <a:r>
-              <a:rPr lang="en-US" sz="1500" dirty="0">
-                <a:solidFill>
-                  <a:schemeClr val="bg2">
-                    <a:lumMod val="25000"/>
-                  </a:schemeClr>
-                </a:solidFill>
-                <a:latin typeface="Times New Roman" panose="02020603050405020304" pitchFamily="18" charset="0"/>
-                <a:cs typeface="Times New Roman" panose="02020603050405020304" pitchFamily="18" charset="0"/>
-              </a:rPr>
-              <a:t>)</a:t>
-            </a:r>
-            <a:r>
-              <a:rPr lang="it-IT" sz="1500" dirty="0">
-                <a:solidFill>
-                  <a:schemeClr val="bg2">
-                    <a:lumMod val="25000"/>
-                  </a:schemeClr>
-                </a:solidFill>
-                <a:latin typeface="Times New Roman" panose="02020603050405020304" pitchFamily="18" charset="0"/>
-                <a:cs typeface="Times New Roman" panose="02020603050405020304" pitchFamily="18" charset="0"/>
-              </a:rPr>
-              <a:t>;</a:t>
-            </a:r>
             <a:endParaRPr lang="en-US" sz="1500" dirty="0">
               <a:solidFill>
                 <a:schemeClr val="bg2">
@@ -12411,1787 +13713,687 @@
               <a:cs typeface="Times New Roman" panose="02020603050405020304" pitchFamily="18" charset="0"/>
             </a:endParaRPr>
           </a:p>
+          <a:p>
+            <a:pPr marL="0" indent="0">
+              <a:spcBef>
+                <a:spcPts val="0"/>
+              </a:spcBef>
+              <a:buNone/>
+            </a:pPr>
+            <a:r>
+              <a:rPr lang="en-US" sz="1500" dirty="0">
+                <a:solidFill>
+                  <a:srgbClr val="00B0F0"/>
+                </a:solidFill>
+                <a:latin typeface="Times New Roman" panose="02020603050405020304" pitchFamily="18" charset="0"/>
+                <a:cs typeface="Times New Roman" panose="02020603050405020304" pitchFamily="18" charset="0"/>
+              </a:rPr>
+              <a:t>CREATE TABLE</a:t>
+            </a:r>
+            <a:r>
+              <a:rPr lang="en-US" sz="1500" dirty="0">
+                <a:solidFill>
+                  <a:schemeClr val="bg2">
+                    <a:lumMod val="25000"/>
+                  </a:schemeClr>
+                </a:solidFill>
+                <a:latin typeface="Times New Roman" panose="02020603050405020304" pitchFamily="18" charset="0"/>
+                <a:cs typeface="Times New Roman" panose="02020603050405020304" pitchFamily="18" charset="0"/>
+              </a:rPr>
+              <a:t> </a:t>
+            </a:r>
+            <a:r>
+              <a:rPr lang="en-US" sz="1500" dirty="0">
+                <a:solidFill>
+                  <a:srgbClr val="C00000"/>
+                </a:solidFill>
+                <a:latin typeface="Times New Roman" panose="02020603050405020304" pitchFamily="18" charset="0"/>
+                <a:cs typeface="Times New Roman" panose="02020603050405020304" pitchFamily="18" charset="0"/>
+              </a:rPr>
+              <a:t>`</a:t>
+            </a:r>
+            <a:r>
+              <a:rPr lang="en-US" sz="1500" dirty="0" err="1">
+                <a:solidFill>
+                  <a:srgbClr val="C00000"/>
+                </a:solidFill>
+                <a:latin typeface="Times New Roman" panose="02020603050405020304" pitchFamily="18" charset="0"/>
+                <a:cs typeface="Times New Roman" panose="02020603050405020304" pitchFamily="18" charset="0"/>
+              </a:rPr>
+              <a:t>asta</a:t>
+            </a:r>
+            <a:r>
+              <a:rPr lang="en-US" sz="1500" dirty="0">
+                <a:solidFill>
+                  <a:srgbClr val="C00000"/>
+                </a:solidFill>
+                <a:latin typeface="Times New Roman" panose="02020603050405020304" pitchFamily="18" charset="0"/>
+                <a:cs typeface="Times New Roman" panose="02020603050405020304" pitchFamily="18" charset="0"/>
+              </a:rPr>
+              <a:t>`</a:t>
+            </a:r>
+            <a:r>
+              <a:rPr lang="en-US" sz="1500" dirty="0">
+                <a:solidFill>
+                  <a:srgbClr val="FF0000"/>
+                </a:solidFill>
+                <a:latin typeface="Times New Roman" panose="02020603050405020304" pitchFamily="18" charset="0"/>
+                <a:cs typeface="Times New Roman" panose="02020603050405020304" pitchFamily="18" charset="0"/>
+              </a:rPr>
+              <a:t> </a:t>
+            </a:r>
+            <a:r>
+              <a:rPr lang="en-US" sz="1500" dirty="0">
+                <a:solidFill>
+                  <a:schemeClr val="bg2">
+                    <a:lumMod val="25000"/>
+                  </a:schemeClr>
+                </a:solidFill>
+                <a:latin typeface="Times New Roman" panose="02020603050405020304" pitchFamily="18" charset="0"/>
+                <a:cs typeface="Times New Roman" panose="02020603050405020304" pitchFamily="18" charset="0"/>
+              </a:rPr>
+              <a:t>(  </a:t>
+            </a:r>
+          </a:p>
+          <a:p>
+            <a:pPr marL="0" indent="0">
+              <a:spcBef>
+                <a:spcPts val="0"/>
+              </a:spcBef>
+              <a:buNone/>
+            </a:pPr>
+            <a:r>
+              <a:rPr lang="en-US" sz="1500" dirty="0">
+                <a:solidFill>
+                  <a:schemeClr val="bg2">
+                    <a:lumMod val="25000"/>
+                  </a:schemeClr>
+                </a:solidFill>
+                <a:latin typeface="Times New Roman" panose="02020603050405020304" pitchFamily="18" charset="0"/>
+                <a:cs typeface="Times New Roman" panose="02020603050405020304" pitchFamily="18" charset="0"/>
+              </a:rPr>
+              <a:t>	</a:t>
+            </a:r>
+            <a:r>
+              <a:rPr lang="en-US" sz="1500" dirty="0">
+                <a:solidFill>
+                  <a:srgbClr val="C00000"/>
+                </a:solidFill>
+                <a:latin typeface="Times New Roman" panose="02020603050405020304" pitchFamily="18" charset="0"/>
+                <a:cs typeface="Times New Roman" panose="02020603050405020304" pitchFamily="18" charset="0"/>
+              </a:rPr>
+              <a:t>`</a:t>
+            </a:r>
+            <a:r>
+              <a:rPr lang="en-US" sz="1500" dirty="0" err="1">
+                <a:solidFill>
+                  <a:srgbClr val="C00000"/>
+                </a:solidFill>
+                <a:latin typeface="Times New Roman" panose="02020603050405020304" pitchFamily="18" charset="0"/>
+                <a:cs typeface="Times New Roman" panose="02020603050405020304" pitchFamily="18" charset="0"/>
+              </a:rPr>
+              <a:t>idAsta</a:t>
+            </a:r>
+            <a:r>
+              <a:rPr lang="en-US" sz="1500" dirty="0">
+                <a:solidFill>
+                  <a:srgbClr val="C00000"/>
+                </a:solidFill>
+                <a:latin typeface="Times New Roman" panose="02020603050405020304" pitchFamily="18" charset="0"/>
+                <a:cs typeface="Times New Roman" panose="02020603050405020304" pitchFamily="18" charset="0"/>
+              </a:rPr>
+              <a:t>`</a:t>
+            </a:r>
+            <a:r>
+              <a:rPr lang="en-US" sz="1500" dirty="0">
+                <a:solidFill>
+                  <a:schemeClr val="bg2">
+                    <a:lumMod val="25000"/>
+                  </a:schemeClr>
+                </a:solidFill>
+                <a:latin typeface="Times New Roman" panose="02020603050405020304" pitchFamily="18" charset="0"/>
+                <a:cs typeface="Times New Roman" panose="02020603050405020304" pitchFamily="18" charset="0"/>
+              </a:rPr>
+              <a:t> </a:t>
+            </a:r>
+            <a:r>
+              <a:rPr lang="en-US" sz="1500" dirty="0">
+                <a:solidFill>
+                  <a:srgbClr val="00B0F0"/>
+                </a:solidFill>
+                <a:latin typeface="Times New Roman" panose="02020603050405020304" pitchFamily="18" charset="0"/>
+                <a:cs typeface="Times New Roman" panose="02020603050405020304" pitchFamily="18" charset="0"/>
+              </a:rPr>
+              <a:t>int NOT NULL AUTO_INCREMENT</a:t>
+            </a:r>
+            <a:r>
+              <a:rPr lang="en-US" sz="1500" dirty="0">
+                <a:solidFill>
+                  <a:schemeClr val="bg2">
+                    <a:lumMod val="25000"/>
+                  </a:schemeClr>
+                </a:solidFill>
+                <a:latin typeface="Times New Roman" panose="02020603050405020304" pitchFamily="18" charset="0"/>
+                <a:cs typeface="Times New Roman" panose="02020603050405020304" pitchFamily="18" charset="0"/>
+              </a:rPr>
+              <a:t>,  	</a:t>
+            </a:r>
+          </a:p>
+          <a:p>
+            <a:pPr marL="0" indent="0">
+              <a:spcBef>
+                <a:spcPts val="0"/>
+              </a:spcBef>
+              <a:buNone/>
+            </a:pPr>
+            <a:r>
+              <a:rPr lang="en-US" sz="1500" dirty="0">
+                <a:solidFill>
+                  <a:schemeClr val="bg2">
+                    <a:lumMod val="25000"/>
+                  </a:schemeClr>
+                </a:solidFill>
+                <a:latin typeface="Times New Roman" panose="02020603050405020304" pitchFamily="18" charset="0"/>
+                <a:cs typeface="Times New Roman" panose="02020603050405020304" pitchFamily="18" charset="0"/>
+              </a:rPr>
+              <a:t>	</a:t>
+            </a:r>
+            <a:r>
+              <a:rPr lang="en-US" sz="1500" dirty="0">
+                <a:solidFill>
+                  <a:srgbClr val="C00000"/>
+                </a:solidFill>
+                <a:latin typeface="Times New Roman" panose="02020603050405020304" pitchFamily="18" charset="0"/>
+                <a:cs typeface="Times New Roman" panose="02020603050405020304" pitchFamily="18" charset="0"/>
+              </a:rPr>
+              <a:t>`</a:t>
+            </a:r>
+            <a:r>
+              <a:rPr lang="en-US" sz="1500" dirty="0" err="1">
+                <a:solidFill>
+                  <a:srgbClr val="C00000"/>
+                </a:solidFill>
+                <a:latin typeface="Times New Roman" panose="02020603050405020304" pitchFamily="18" charset="0"/>
+                <a:cs typeface="Times New Roman" panose="02020603050405020304" pitchFamily="18" charset="0"/>
+              </a:rPr>
+              <a:t>rialzoMin</a:t>
+            </a:r>
+            <a:r>
+              <a:rPr lang="en-US" sz="1500" dirty="0">
+                <a:solidFill>
+                  <a:srgbClr val="C00000"/>
+                </a:solidFill>
+                <a:latin typeface="Times New Roman" panose="02020603050405020304" pitchFamily="18" charset="0"/>
+                <a:cs typeface="Times New Roman" panose="02020603050405020304" pitchFamily="18" charset="0"/>
+              </a:rPr>
+              <a:t>`</a:t>
+            </a:r>
+            <a:r>
+              <a:rPr lang="en-US" sz="1500" dirty="0">
+                <a:solidFill>
+                  <a:schemeClr val="bg2">
+                    <a:lumMod val="25000"/>
+                  </a:schemeClr>
+                </a:solidFill>
+                <a:latin typeface="Times New Roman" panose="02020603050405020304" pitchFamily="18" charset="0"/>
+                <a:cs typeface="Times New Roman" panose="02020603050405020304" pitchFamily="18" charset="0"/>
+              </a:rPr>
+              <a:t> </a:t>
+            </a:r>
+            <a:r>
+              <a:rPr lang="en-US" sz="1500" dirty="0">
+                <a:solidFill>
+                  <a:srgbClr val="00B0F0"/>
+                </a:solidFill>
+                <a:latin typeface="Times New Roman" panose="02020603050405020304" pitchFamily="18" charset="0"/>
+                <a:cs typeface="Times New Roman" panose="02020603050405020304" pitchFamily="18" charset="0"/>
+              </a:rPr>
+              <a:t>decimal</a:t>
+            </a:r>
+            <a:r>
+              <a:rPr lang="en-US" sz="1500" dirty="0">
+                <a:solidFill>
+                  <a:schemeClr val="bg2">
+                    <a:lumMod val="25000"/>
+                  </a:schemeClr>
+                </a:solidFill>
+                <a:latin typeface="Times New Roman" panose="02020603050405020304" pitchFamily="18" charset="0"/>
+                <a:cs typeface="Times New Roman" panose="02020603050405020304" pitchFamily="18" charset="0"/>
+              </a:rPr>
+              <a:t>(</a:t>
+            </a:r>
+            <a:r>
+              <a:rPr lang="en-US" sz="1500" dirty="0">
+                <a:solidFill>
+                  <a:srgbClr val="FFC000"/>
+                </a:solidFill>
+                <a:latin typeface="Times New Roman" panose="02020603050405020304" pitchFamily="18" charset="0"/>
+                <a:cs typeface="Times New Roman" panose="02020603050405020304" pitchFamily="18" charset="0"/>
+              </a:rPr>
+              <a:t>10</a:t>
+            </a:r>
+            <a:r>
+              <a:rPr lang="en-US" sz="1500" dirty="0">
+                <a:solidFill>
+                  <a:schemeClr val="bg2">
+                    <a:lumMod val="25000"/>
+                  </a:schemeClr>
+                </a:solidFill>
+                <a:latin typeface="Times New Roman" panose="02020603050405020304" pitchFamily="18" charset="0"/>
+                <a:cs typeface="Times New Roman" panose="02020603050405020304" pitchFamily="18" charset="0"/>
+              </a:rPr>
+              <a:t>,</a:t>
+            </a:r>
+            <a:r>
+              <a:rPr lang="en-US" sz="1500" dirty="0">
+                <a:solidFill>
+                  <a:srgbClr val="FFC000"/>
+                </a:solidFill>
+                <a:latin typeface="Times New Roman" panose="02020603050405020304" pitchFamily="18" charset="0"/>
+                <a:cs typeface="Times New Roman" panose="02020603050405020304" pitchFamily="18" charset="0"/>
+              </a:rPr>
+              <a:t>2</a:t>
+            </a:r>
+            <a:r>
+              <a:rPr lang="en-US" sz="1500" dirty="0">
+                <a:solidFill>
+                  <a:schemeClr val="bg2">
+                    <a:lumMod val="25000"/>
+                  </a:schemeClr>
+                </a:solidFill>
+                <a:latin typeface="Times New Roman" panose="02020603050405020304" pitchFamily="18" charset="0"/>
+                <a:cs typeface="Times New Roman" panose="02020603050405020304" pitchFamily="18" charset="0"/>
+              </a:rPr>
+              <a:t>) </a:t>
+            </a:r>
+            <a:r>
+              <a:rPr lang="en-US" sz="1500" dirty="0">
+                <a:solidFill>
+                  <a:srgbClr val="00B0F0"/>
+                </a:solidFill>
+                <a:latin typeface="Times New Roman" panose="02020603050405020304" pitchFamily="18" charset="0"/>
+                <a:cs typeface="Times New Roman" panose="02020603050405020304" pitchFamily="18" charset="0"/>
+              </a:rPr>
+              <a:t>NOT NULL</a:t>
+            </a:r>
+            <a:r>
+              <a:rPr lang="en-US" sz="1500" dirty="0">
+                <a:solidFill>
+                  <a:schemeClr val="bg2">
+                    <a:lumMod val="25000"/>
+                  </a:schemeClr>
+                </a:solidFill>
+                <a:latin typeface="Times New Roman" panose="02020603050405020304" pitchFamily="18" charset="0"/>
+                <a:cs typeface="Times New Roman" panose="02020603050405020304" pitchFamily="18" charset="0"/>
+              </a:rPr>
+              <a:t>,  </a:t>
+            </a:r>
+          </a:p>
+          <a:p>
+            <a:pPr marL="0" indent="0">
+              <a:spcBef>
+                <a:spcPts val="0"/>
+              </a:spcBef>
+              <a:buNone/>
+            </a:pPr>
+            <a:r>
+              <a:rPr lang="en-US" sz="1500" dirty="0">
+                <a:solidFill>
+                  <a:schemeClr val="bg2">
+                    <a:lumMod val="25000"/>
+                  </a:schemeClr>
+                </a:solidFill>
+                <a:latin typeface="Times New Roman" panose="02020603050405020304" pitchFamily="18" charset="0"/>
+                <a:cs typeface="Times New Roman" panose="02020603050405020304" pitchFamily="18" charset="0"/>
+              </a:rPr>
+              <a:t>	</a:t>
+            </a:r>
+            <a:r>
+              <a:rPr lang="en-US" sz="1500" dirty="0">
+                <a:solidFill>
+                  <a:srgbClr val="C00000"/>
+                </a:solidFill>
+                <a:latin typeface="Times New Roman" panose="02020603050405020304" pitchFamily="18" charset="0"/>
+                <a:cs typeface="Times New Roman" panose="02020603050405020304" pitchFamily="18" charset="0"/>
+              </a:rPr>
+              <a:t>`</a:t>
+            </a:r>
+            <a:r>
+              <a:rPr lang="en-US" sz="1500" dirty="0" err="1">
+                <a:solidFill>
+                  <a:srgbClr val="C00000"/>
+                </a:solidFill>
+                <a:latin typeface="Times New Roman" panose="02020603050405020304" pitchFamily="18" charset="0"/>
+                <a:cs typeface="Times New Roman" panose="02020603050405020304" pitchFamily="18" charset="0"/>
+              </a:rPr>
+              <a:t>scadenza</a:t>
+            </a:r>
+            <a:r>
+              <a:rPr lang="en-US" sz="1500" dirty="0">
+                <a:solidFill>
+                  <a:srgbClr val="C00000"/>
+                </a:solidFill>
+                <a:latin typeface="Times New Roman" panose="02020603050405020304" pitchFamily="18" charset="0"/>
+                <a:cs typeface="Times New Roman" panose="02020603050405020304" pitchFamily="18" charset="0"/>
+              </a:rPr>
+              <a:t>`</a:t>
+            </a:r>
+            <a:r>
+              <a:rPr lang="en-US" sz="1500" dirty="0">
+                <a:solidFill>
+                  <a:schemeClr val="bg2">
+                    <a:lumMod val="25000"/>
+                  </a:schemeClr>
+                </a:solidFill>
+                <a:latin typeface="Times New Roman" panose="02020603050405020304" pitchFamily="18" charset="0"/>
+                <a:cs typeface="Times New Roman" panose="02020603050405020304" pitchFamily="18" charset="0"/>
+              </a:rPr>
+              <a:t> </a:t>
+            </a:r>
+            <a:r>
+              <a:rPr lang="en-US" sz="1500" dirty="0">
+                <a:solidFill>
+                  <a:srgbClr val="00B0F0"/>
+                </a:solidFill>
+                <a:latin typeface="Times New Roman" panose="02020603050405020304" pitchFamily="18" charset="0"/>
+                <a:cs typeface="Times New Roman" panose="02020603050405020304" pitchFamily="18" charset="0"/>
+              </a:rPr>
+              <a:t>datetime NOT NULL</a:t>
+            </a:r>
+            <a:r>
+              <a:rPr lang="en-US" sz="1500" dirty="0">
+                <a:solidFill>
+                  <a:schemeClr val="bg2">
+                    <a:lumMod val="25000"/>
+                  </a:schemeClr>
+                </a:solidFill>
+                <a:latin typeface="Times New Roman" panose="02020603050405020304" pitchFamily="18" charset="0"/>
+                <a:cs typeface="Times New Roman" panose="02020603050405020304" pitchFamily="18" charset="0"/>
+              </a:rPr>
+              <a:t>,  </a:t>
+            </a:r>
+          </a:p>
+          <a:p>
+            <a:pPr marL="0" indent="0">
+              <a:spcBef>
+                <a:spcPts val="0"/>
+              </a:spcBef>
+              <a:buNone/>
+            </a:pPr>
+            <a:r>
+              <a:rPr lang="en-US" sz="1500" dirty="0">
+                <a:solidFill>
+                  <a:schemeClr val="bg2">
+                    <a:lumMod val="25000"/>
+                  </a:schemeClr>
+                </a:solidFill>
+                <a:latin typeface="Times New Roman" panose="02020603050405020304" pitchFamily="18" charset="0"/>
+                <a:cs typeface="Times New Roman" panose="02020603050405020304" pitchFamily="18" charset="0"/>
+              </a:rPr>
+              <a:t>	</a:t>
+            </a:r>
+            <a:r>
+              <a:rPr lang="en-US" sz="1500" dirty="0">
+                <a:solidFill>
+                  <a:srgbClr val="C00000"/>
+                </a:solidFill>
+                <a:latin typeface="Times New Roman" panose="02020603050405020304" pitchFamily="18" charset="0"/>
+                <a:cs typeface="Times New Roman" panose="02020603050405020304" pitchFamily="18" charset="0"/>
+              </a:rPr>
+              <a:t>`</a:t>
+            </a:r>
+            <a:r>
+              <a:rPr lang="en-US" sz="1500" dirty="0" err="1">
+                <a:solidFill>
+                  <a:srgbClr val="C00000"/>
+                </a:solidFill>
+                <a:latin typeface="Times New Roman" panose="02020603050405020304" pitchFamily="18" charset="0"/>
+                <a:cs typeface="Times New Roman" panose="02020603050405020304" pitchFamily="18" charset="0"/>
+              </a:rPr>
+              <a:t>chiusa</a:t>
+            </a:r>
+            <a:r>
+              <a:rPr lang="en-US" sz="1500" dirty="0">
+                <a:solidFill>
+                  <a:srgbClr val="C00000"/>
+                </a:solidFill>
+                <a:latin typeface="Times New Roman" panose="02020603050405020304" pitchFamily="18" charset="0"/>
+                <a:cs typeface="Times New Roman" panose="02020603050405020304" pitchFamily="18" charset="0"/>
+              </a:rPr>
+              <a:t>`</a:t>
+            </a:r>
+            <a:r>
+              <a:rPr lang="en-US" sz="1500" dirty="0">
+                <a:solidFill>
+                  <a:schemeClr val="bg2">
+                    <a:lumMod val="25000"/>
+                  </a:schemeClr>
+                </a:solidFill>
+                <a:latin typeface="Times New Roman" panose="02020603050405020304" pitchFamily="18" charset="0"/>
+                <a:cs typeface="Times New Roman" panose="02020603050405020304" pitchFamily="18" charset="0"/>
+              </a:rPr>
+              <a:t> </a:t>
+            </a:r>
+            <a:r>
+              <a:rPr lang="en-US" sz="1500" dirty="0" err="1">
+                <a:solidFill>
+                  <a:srgbClr val="00B0F0"/>
+                </a:solidFill>
+                <a:latin typeface="Times New Roman" panose="02020603050405020304" pitchFamily="18" charset="0"/>
+                <a:cs typeface="Times New Roman" panose="02020603050405020304" pitchFamily="18" charset="0"/>
+              </a:rPr>
+              <a:t>tinyint</a:t>
+            </a:r>
+            <a:r>
+              <a:rPr lang="en-US" sz="1500" dirty="0">
+                <a:solidFill>
+                  <a:schemeClr val="bg2">
+                    <a:lumMod val="25000"/>
+                  </a:schemeClr>
+                </a:solidFill>
+                <a:latin typeface="Times New Roman" panose="02020603050405020304" pitchFamily="18" charset="0"/>
+                <a:cs typeface="Times New Roman" panose="02020603050405020304" pitchFamily="18" charset="0"/>
+              </a:rPr>
+              <a:t>(</a:t>
+            </a:r>
+            <a:r>
+              <a:rPr lang="en-US" sz="1500" dirty="0">
+                <a:solidFill>
+                  <a:srgbClr val="FFC000"/>
+                </a:solidFill>
+                <a:latin typeface="Times New Roman" panose="02020603050405020304" pitchFamily="18" charset="0"/>
+                <a:cs typeface="Times New Roman" panose="02020603050405020304" pitchFamily="18" charset="0"/>
+              </a:rPr>
+              <a:t>1</a:t>
+            </a:r>
+            <a:r>
+              <a:rPr lang="en-US" sz="1500" dirty="0">
+                <a:solidFill>
+                  <a:schemeClr val="bg2">
+                    <a:lumMod val="25000"/>
+                  </a:schemeClr>
+                </a:solidFill>
+                <a:latin typeface="Times New Roman" panose="02020603050405020304" pitchFamily="18" charset="0"/>
+                <a:cs typeface="Times New Roman" panose="02020603050405020304" pitchFamily="18" charset="0"/>
+              </a:rPr>
+              <a:t>) </a:t>
+            </a:r>
+            <a:r>
+              <a:rPr lang="en-US" sz="1500" dirty="0">
+                <a:solidFill>
+                  <a:srgbClr val="00B0F0"/>
+                </a:solidFill>
+                <a:latin typeface="Times New Roman" panose="02020603050405020304" pitchFamily="18" charset="0"/>
+                <a:cs typeface="Times New Roman" panose="02020603050405020304" pitchFamily="18" charset="0"/>
+              </a:rPr>
+              <a:t>NOT NULL DEFAULT</a:t>
+            </a:r>
+            <a:r>
+              <a:rPr lang="en-US" sz="1500" dirty="0">
+                <a:solidFill>
+                  <a:schemeClr val="bg2">
+                    <a:lumMod val="25000"/>
+                  </a:schemeClr>
+                </a:solidFill>
+                <a:latin typeface="Times New Roman" panose="02020603050405020304" pitchFamily="18" charset="0"/>
+                <a:cs typeface="Times New Roman" panose="02020603050405020304" pitchFamily="18" charset="0"/>
+              </a:rPr>
+              <a:t> </a:t>
+            </a:r>
+            <a:r>
+              <a:rPr lang="en-US" sz="1500" dirty="0">
+                <a:solidFill>
+                  <a:srgbClr val="FFC000"/>
+                </a:solidFill>
+                <a:latin typeface="Times New Roman" panose="02020603050405020304" pitchFamily="18" charset="0"/>
+                <a:cs typeface="Times New Roman" panose="02020603050405020304" pitchFamily="18" charset="0"/>
+              </a:rPr>
+              <a:t>'0’</a:t>
+            </a:r>
+            <a:r>
+              <a:rPr lang="en-US" sz="1500" dirty="0">
+                <a:solidFill>
+                  <a:schemeClr val="bg2">
+                    <a:lumMod val="25000"/>
+                  </a:schemeClr>
+                </a:solidFill>
+                <a:latin typeface="Times New Roman" panose="02020603050405020304" pitchFamily="18" charset="0"/>
+                <a:cs typeface="Times New Roman" panose="02020603050405020304" pitchFamily="18" charset="0"/>
+              </a:rPr>
+              <a:t>,  </a:t>
+            </a:r>
+          </a:p>
+          <a:p>
+            <a:pPr marL="0" indent="0">
+              <a:spcBef>
+                <a:spcPts val="0"/>
+              </a:spcBef>
+              <a:buNone/>
+            </a:pPr>
+            <a:r>
+              <a:rPr lang="en-US" sz="1500" dirty="0">
+                <a:solidFill>
+                  <a:schemeClr val="bg2">
+                    <a:lumMod val="25000"/>
+                  </a:schemeClr>
+                </a:solidFill>
+                <a:latin typeface="Times New Roman" panose="02020603050405020304" pitchFamily="18" charset="0"/>
+                <a:cs typeface="Times New Roman" panose="02020603050405020304" pitchFamily="18" charset="0"/>
+              </a:rPr>
+              <a:t>	</a:t>
+            </a:r>
+            <a:r>
+              <a:rPr lang="en-US" sz="1500" dirty="0">
+                <a:solidFill>
+                  <a:srgbClr val="00B0F0"/>
+                </a:solidFill>
+                <a:latin typeface="Times New Roman" panose="02020603050405020304" pitchFamily="18" charset="0"/>
+                <a:cs typeface="Times New Roman" panose="02020603050405020304" pitchFamily="18" charset="0"/>
+              </a:rPr>
+              <a:t>PRIMARY KEY</a:t>
+            </a:r>
+            <a:r>
+              <a:rPr lang="en-US" sz="1500" dirty="0">
+                <a:solidFill>
+                  <a:schemeClr val="bg2">
+                    <a:lumMod val="25000"/>
+                  </a:schemeClr>
+                </a:solidFill>
+                <a:latin typeface="Times New Roman" panose="02020603050405020304" pitchFamily="18" charset="0"/>
+                <a:cs typeface="Times New Roman" panose="02020603050405020304" pitchFamily="18" charset="0"/>
+              </a:rPr>
+              <a:t> (</a:t>
+            </a:r>
+            <a:r>
+              <a:rPr lang="en-US" sz="1500" dirty="0">
+                <a:solidFill>
+                  <a:srgbClr val="C00000"/>
+                </a:solidFill>
+                <a:latin typeface="Times New Roman" panose="02020603050405020304" pitchFamily="18" charset="0"/>
+                <a:cs typeface="Times New Roman" panose="02020603050405020304" pitchFamily="18" charset="0"/>
+              </a:rPr>
+              <a:t>`</a:t>
+            </a:r>
+            <a:r>
+              <a:rPr lang="en-US" sz="1500" dirty="0" err="1">
+                <a:solidFill>
+                  <a:srgbClr val="C00000"/>
+                </a:solidFill>
+                <a:latin typeface="Times New Roman" panose="02020603050405020304" pitchFamily="18" charset="0"/>
+                <a:cs typeface="Times New Roman" panose="02020603050405020304" pitchFamily="18" charset="0"/>
+              </a:rPr>
+              <a:t>idAsta</a:t>
+            </a:r>
+            <a:r>
+              <a:rPr lang="en-US" sz="1500" dirty="0">
+                <a:solidFill>
+                  <a:srgbClr val="C00000"/>
+                </a:solidFill>
+                <a:latin typeface="Times New Roman" panose="02020603050405020304" pitchFamily="18" charset="0"/>
+                <a:cs typeface="Times New Roman" panose="02020603050405020304" pitchFamily="18" charset="0"/>
+              </a:rPr>
+              <a:t>`</a:t>
+            </a:r>
+            <a:r>
+              <a:rPr lang="en-US" sz="1500" dirty="0">
+                <a:solidFill>
+                  <a:schemeClr val="bg2">
+                    <a:lumMod val="25000"/>
+                  </a:schemeClr>
+                </a:solidFill>
+                <a:latin typeface="Times New Roman" panose="02020603050405020304" pitchFamily="18" charset="0"/>
+                <a:cs typeface="Times New Roman" panose="02020603050405020304" pitchFamily="18" charset="0"/>
+              </a:rPr>
+              <a:t>)</a:t>
+            </a:r>
+          </a:p>
+          <a:p>
+            <a:pPr marL="0" indent="0">
+              <a:spcBef>
+                <a:spcPts val="0"/>
+              </a:spcBef>
+              <a:buNone/>
+            </a:pPr>
+            <a:r>
+              <a:rPr lang="en-US" sz="1500" dirty="0">
+                <a:solidFill>
+                  <a:schemeClr val="bg2">
+                    <a:lumMod val="25000"/>
+                  </a:schemeClr>
+                </a:solidFill>
+                <a:latin typeface="Times New Roman" panose="02020603050405020304" pitchFamily="18" charset="0"/>
+                <a:cs typeface="Times New Roman" panose="02020603050405020304" pitchFamily="18" charset="0"/>
+              </a:rPr>
+              <a:t>)</a:t>
+            </a:r>
+            <a:r>
+              <a:rPr lang="it-IT" sz="1500" dirty="0">
+                <a:solidFill>
+                  <a:schemeClr val="bg2">
+                    <a:lumMod val="25000"/>
+                  </a:schemeClr>
+                </a:solidFill>
+                <a:latin typeface="Times New Roman" panose="02020603050405020304" pitchFamily="18" charset="0"/>
+                <a:cs typeface="Times New Roman" panose="02020603050405020304" pitchFamily="18" charset="0"/>
+              </a:rPr>
+              <a:t>;</a:t>
+            </a:r>
+            <a:endParaRPr lang="en-US" sz="1500" dirty="0">
+              <a:solidFill>
+                <a:schemeClr val="bg2">
+                  <a:lumMod val="25000"/>
+                </a:schemeClr>
+              </a:solidFill>
+              <a:latin typeface="Times New Roman" panose="02020603050405020304" pitchFamily="18" charset="0"/>
+              <a:cs typeface="Times New Roman" panose="02020603050405020304" pitchFamily="18" charset="0"/>
+            </a:endParaRPr>
+          </a:p>
         </p:txBody>
       </p:sp>
     </p:spTree>
     <p:extLst>
       <p:ext uri="{BB962C8B-B14F-4D97-AF65-F5344CB8AC3E}">
         <p14:creationId xmlns:p14="http://schemas.microsoft.com/office/powerpoint/2010/main" val="3999435416"/>
-      </p:ext>
-    </p:extLst>
-  </p:cSld>
-  <p:clrMapOvr>
-    <a:masterClrMapping/>
-  </p:clrMapOvr>
-</p:sld>
-</file>
-
-<file path=ppt/slides/slide9.xml><?xml version="1.0" encoding="utf-8"?>
-<p:sld xmlns:a="http://schemas.openxmlformats.org/drawingml/2006/main" xmlns:r="http://schemas.openxmlformats.org/officeDocument/2006/relationships" xmlns:p="http://schemas.openxmlformats.org/presentationml/2006/main">
-  <p:cSld>
-    <p:spTree>
-      <p:nvGrpSpPr>
-        <p:cNvPr id="1" name=""/>
-        <p:cNvGrpSpPr/>
-        <p:nvPr/>
-      </p:nvGrpSpPr>
-      <p:grpSpPr>
-        <a:xfrm>
-          <a:off x="0" y="0"/>
-          <a:ext cx="0" cy="0"/>
-          <a:chOff x="0" y="0"/>
-          <a:chExt cx="0" cy="0"/>
-        </a:xfrm>
-      </p:grpSpPr>
-      <p:sp>
-        <p:nvSpPr>
-          <p:cNvPr id="2" name="Titolo 1">
-            <a:extLst>
-              <a:ext uri="{FF2B5EF4-FFF2-40B4-BE49-F238E27FC236}">
-                <a16:creationId xmlns:a16="http://schemas.microsoft.com/office/drawing/2014/main" id="{29776B8B-AC00-4588-B60F-1ED8C33B6FA8}"/>
-              </a:ext>
-            </a:extLst>
-          </p:cNvPr>
-          <p:cNvSpPr>
-            <a:spLocks noGrp="1"/>
-          </p:cNvSpPr>
-          <p:nvPr>
-            <p:ph type="title"/>
-          </p:nvPr>
-        </p:nvSpPr>
-        <p:spPr>
-          <a:xfrm>
-            <a:off x="416460" y="353085"/>
-            <a:ext cx="8596668" cy="1320800"/>
-          </a:xfrm>
-        </p:spPr>
-        <p:txBody>
-          <a:bodyPr/>
-          <a:lstStyle/>
-          <a:p>
-            <a:r>
-              <a:rPr lang="it-IT" dirty="0">
-                <a:latin typeface="Times New Roman" panose="02020603050405020304" pitchFamily="18" charset="0"/>
-                <a:cs typeface="Times New Roman" panose="02020603050405020304" pitchFamily="18" charset="0"/>
-              </a:rPr>
-              <a:t>Database Creation MySQL (2/3)</a:t>
-            </a:r>
-            <a:endParaRPr lang="en-US" dirty="0"/>
-          </a:p>
-        </p:txBody>
-      </p:sp>
-      <p:sp>
-        <p:nvSpPr>
-          <p:cNvPr id="3" name="Segnaposto contenuto 2">
-            <a:extLst>
-              <a:ext uri="{FF2B5EF4-FFF2-40B4-BE49-F238E27FC236}">
-                <a16:creationId xmlns:a16="http://schemas.microsoft.com/office/drawing/2014/main" id="{541C88A0-121A-11E1-F6B9-2A3A457B723E}"/>
-              </a:ext>
-            </a:extLst>
-          </p:cNvPr>
-          <p:cNvSpPr>
-            <a:spLocks noGrp="1"/>
-          </p:cNvSpPr>
-          <p:nvPr>
-            <p:ph idx="1"/>
-          </p:nvPr>
-        </p:nvSpPr>
-        <p:spPr>
-          <a:xfrm>
-            <a:off x="416460" y="1339410"/>
-            <a:ext cx="10322627" cy="5369208"/>
-          </a:xfrm>
-        </p:spPr>
-        <p:txBody>
-          <a:bodyPr>
-            <a:normAutofit/>
-          </a:bodyPr>
-          <a:lstStyle/>
-          <a:p>
-            <a:pPr marL="0" indent="0">
-              <a:spcBef>
-                <a:spcPts val="0"/>
-              </a:spcBef>
-              <a:buNone/>
-            </a:pPr>
-            <a:r>
-              <a:rPr lang="en-US" sz="1500" dirty="0">
-                <a:solidFill>
-                  <a:srgbClr val="00B0F0"/>
-                </a:solidFill>
-                <a:latin typeface="Times New Roman" panose="02020603050405020304" pitchFamily="18" charset="0"/>
-                <a:cs typeface="Times New Roman" panose="02020603050405020304" pitchFamily="18" charset="0"/>
-              </a:rPr>
-              <a:t>CREATE TABLE </a:t>
-            </a:r>
-            <a:r>
-              <a:rPr lang="en-US" sz="1500" dirty="0">
-                <a:solidFill>
-                  <a:srgbClr val="C00000"/>
-                </a:solidFill>
-                <a:latin typeface="Times New Roman" panose="02020603050405020304" pitchFamily="18" charset="0"/>
-                <a:cs typeface="Times New Roman" panose="02020603050405020304" pitchFamily="18" charset="0"/>
-              </a:rPr>
-              <a:t>`</a:t>
-            </a:r>
-            <a:r>
-              <a:rPr lang="en-US" sz="1500" dirty="0" err="1">
-                <a:solidFill>
-                  <a:srgbClr val="C00000"/>
-                </a:solidFill>
-                <a:latin typeface="Times New Roman" panose="02020603050405020304" pitchFamily="18" charset="0"/>
-                <a:cs typeface="Times New Roman" panose="02020603050405020304" pitchFamily="18" charset="0"/>
-              </a:rPr>
-              <a:t>astearticoli</a:t>
-            </a:r>
-            <a:r>
-              <a:rPr lang="en-US" sz="1500" dirty="0">
-                <a:solidFill>
-                  <a:srgbClr val="C00000"/>
-                </a:solidFill>
-                <a:latin typeface="Times New Roman" panose="02020603050405020304" pitchFamily="18" charset="0"/>
-                <a:cs typeface="Times New Roman" panose="02020603050405020304" pitchFamily="18" charset="0"/>
-              </a:rPr>
-              <a:t>`</a:t>
-            </a:r>
-            <a:r>
-              <a:rPr lang="en-US" sz="1500" dirty="0">
-                <a:latin typeface="Times New Roman" panose="02020603050405020304" pitchFamily="18" charset="0"/>
-                <a:cs typeface="Times New Roman" panose="02020603050405020304" pitchFamily="18" charset="0"/>
-              </a:rPr>
-              <a:t> (  </a:t>
-            </a:r>
-          </a:p>
-          <a:p>
-            <a:pPr marL="0" indent="0">
-              <a:spcBef>
-                <a:spcPts val="0"/>
-              </a:spcBef>
-              <a:buNone/>
-            </a:pPr>
-            <a:r>
-              <a:rPr lang="en-US" sz="1500" dirty="0">
-                <a:latin typeface="Times New Roman" panose="02020603050405020304" pitchFamily="18" charset="0"/>
-                <a:cs typeface="Times New Roman" panose="02020603050405020304" pitchFamily="18" charset="0"/>
-              </a:rPr>
-              <a:t>	</a:t>
-            </a:r>
-            <a:r>
-              <a:rPr lang="en-US" sz="1500" dirty="0">
-                <a:solidFill>
-                  <a:srgbClr val="C00000"/>
-                </a:solidFill>
-                <a:latin typeface="Times New Roman" panose="02020603050405020304" pitchFamily="18" charset="0"/>
-                <a:cs typeface="Times New Roman" panose="02020603050405020304" pitchFamily="18" charset="0"/>
-              </a:rPr>
-              <a:t>`</a:t>
-            </a:r>
-            <a:r>
-              <a:rPr lang="en-US" sz="1500" dirty="0" err="1">
-                <a:solidFill>
-                  <a:srgbClr val="C00000"/>
-                </a:solidFill>
-                <a:latin typeface="Times New Roman" panose="02020603050405020304" pitchFamily="18" charset="0"/>
-                <a:cs typeface="Times New Roman" panose="02020603050405020304" pitchFamily="18" charset="0"/>
-              </a:rPr>
-              <a:t>articolo_codArticolo</a:t>
-            </a:r>
-            <a:r>
-              <a:rPr lang="en-US" sz="1500" dirty="0">
-                <a:solidFill>
-                  <a:srgbClr val="C00000"/>
-                </a:solidFill>
-                <a:latin typeface="Times New Roman" panose="02020603050405020304" pitchFamily="18" charset="0"/>
-                <a:cs typeface="Times New Roman" panose="02020603050405020304" pitchFamily="18" charset="0"/>
-              </a:rPr>
-              <a:t>`</a:t>
-            </a:r>
-            <a:r>
-              <a:rPr lang="en-US" sz="1500" dirty="0">
-                <a:latin typeface="Times New Roman" panose="02020603050405020304" pitchFamily="18" charset="0"/>
-                <a:cs typeface="Times New Roman" panose="02020603050405020304" pitchFamily="18" charset="0"/>
-              </a:rPr>
-              <a:t> </a:t>
-            </a:r>
-            <a:r>
-              <a:rPr lang="en-US" sz="1500" dirty="0">
-                <a:solidFill>
-                  <a:srgbClr val="00B0F0"/>
-                </a:solidFill>
-                <a:latin typeface="Times New Roman" panose="02020603050405020304" pitchFamily="18" charset="0"/>
-                <a:cs typeface="Times New Roman" panose="02020603050405020304" pitchFamily="18" charset="0"/>
-              </a:rPr>
-              <a:t>int NOT NULL</a:t>
-            </a:r>
-            <a:r>
-              <a:rPr lang="en-US" sz="1500" dirty="0">
-                <a:latin typeface="Times New Roman" panose="02020603050405020304" pitchFamily="18" charset="0"/>
-                <a:cs typeface="Times New Roman" panose="02020603050405020304" pitchFamily="18" charset="0"/>
-              </a:rPr>
-              <a:t>,  </a:t>
-            </a:r>
-          </a:p>
-          <a:p>
-            <a:pPr marL="0" indent="0">
-              <a:spcBef>
-                <a:spcPts val="0"/>
-              </a:spcBef>
-              <a:buNone/>
-            </a:pPr>
-            <a:r>
-              <a:rPr lang="en-US" sz="1500" dirty="0">
-                <a:latin typeface="Times New Roman" panose="02020603050405020304" pitchFamily="18" charset="0"/>
-                <a:cs typeface="Times New Roman" panose="02020603050405020304" pitchFamily="18" charset="0"/>
-              </a:rPr>
-              <a:t>	</a:t>
-            </a:r>
-            <a:r>
-              <a:rPr lang="en-US" sz="1500" dirty="0">
-                <a:solidFill>
-                  <a:srgbClr val="C00000"/>
-                </a:solidFill>
-                <a:latin typeface="Times New Roman" panose="02020603050405020304" pitchFamily="18" charset="0"/>
-                <a:cs typeface="Times New Roman" panose="02020603050405020304" pitchFamily="18" charset="0"/>
-              </a:rPr>
-              <a:t>`</a:t>
-            </a:r>
-            <a:r>
-              <a:rPr lang="en-US" sz="1500" dirty="0" err="1">
-                <a:solidFill>
-                  <a:srgbClr val="C00000"/>
-                </a:solidFill>
-                <a:latin typeface="Times New Roman" panose="02020603050405020304" pitchFamily="18" charset="0"/>
-                <a:cs typeface="Times New Roman" panose="02020603050405020304" pitchFamily="18" charset="0"/>
-              </a:rPr>
-              <a:t>asta_idAsta</a:t>
-            </a:r>
-            <a:r>
-              <a:rPr lang="en-US" sz="1500" dirty="0">
-                <a:solidFill>
-                  <a:srgbClr val="C00000"/>
-                </a:solidFill>
-                <a:latin typeface="Times New Roman" panose="02020603050405020304" pitchFamily="18" charset="0"/>
-                <a:cs typeface="Times New Roman" panose="02020603050405020304" pitchFamily="18" charset="0"/>
-              </a:rPr>
-              <a:t>`</a:t>
-            </a:r>
-            <a:r>
-              <a:rPr lang="en-US" sz="1500" dirty="0">
-                <a:latin typeface="Times New Roman" panose="02020603050405020304" pitchFamily="18" charset="0"/>
-                <a:cs typeface="Times New Roman" panose="02020603050405020304" pitchFamily="18" charset="0"/>
-              </a:rPr>
-              <a:t> </a:t>
-            </a:r>
-            <a:r>
-              <a:rPr lang="en-US" sz="1500" dirty="0">
-                <a:solidFill>
-                  <a:srgbClr val="00B0F0"/>
-                </a:solidFill>
-                <a:latin typeface="Times New Roman" panose="02020603050405020304" pitchFamily="18" charset="0"/>
-                <a:cs typeface="Times New Roman" panose="02020603050405020304" pitchFamily="18" charset="0"/>
-              </a:rPr>
-              <a:t>int NOT NULL</a:t>
-            </a:r>
-            <a:r>
-              <a:rPr lang="en-US" sz="1500" dirty="0">
-                <a:latin typeface="Times New Roman" panose="02020603050405020304" pitchFamily="18" charset="0"/>
-                <a:cs typeface="Times New Roman" panose="02020603050405020304" pitchFamily="18" charset="0"/>
-              </a:rPr>
-              <a:t>,  </a:t>
-            </a:r>
-          </a:p>
-          <a:p>
-            <a:pPr marL="0" indent="0">
-              <a:spcBef>
-                <a:spcPts val="0"/>
-              </a:spcBef>
-              <a:buNone/>
-            </a:pPr>
-            <a:r>
-              <a:rPr lang="en-US" sz="1500" dirty="0">
-                <a:latin typeface="Times New Roman" panose="02020603050405020304" pitchFamily="18" charset="0"/>
-                <a:cs typeface="Times New Roman" panose="02020603050405020304" pitchFamily="18" charset="0"/>
-              </a:rPr>
-              <a:t>	</a:t>
-            </a:r>
-            <a:r>
-              <a:rPr lang="en-US" sz="1500" dirty="0">
-                <a:solidFill>
-                  <a:srgbClr val="00B0F0"/>
-                </a:solidFill>
-                <a:latin typeface="Times New Roman" panose="02020603050405020304" pitchFamily="18" charset="0"/>
-                <a:cs typeface="Times New Roman" panose="02020603050405020304" pitchFamily="18" charset="0"/>
-              </a:rPr>
-              <a:t>PRIMARY KEY</a:t>
-            </a:r>
-            <a:r>
-              <a:rPr lang="en-US" sz="1500" dirty="0">
-                <a:latin typeface="Times New Roman" panose="02020603050405020304" pitchFamily="18" charset="0"/>
-                <a:cs typeface="Times New Roman" panose="02020603050405020304" pitchFamily="18" charset="0"/>
-              </a:rPr>
-              <a:t> (</a:t>
-            </a:r>
-            <a:r>
-              <a:rPr lang="en-US" sz="1500" dirty="0">
-                <a:solidFill>
-                  <a:srgbClr val="C00000"/>
-                </a:solidFill>
-                <a:latin typeface="Times New Roman" panose="02020603050405020304" pitchFamily="18" charset="0"/>
-                <a:cs typeface="Times New Roman" panose="02020603050405020304" pitchFamily="18" charset="0"/>
-              </a:rPr>
-              <a:t>`articolo_</a:t>
-            </a:r>
-            <a:r>
-              <a:rPr lang="en-US" sz="1500" dirty="0" err="1">
-                <a:solidFill>
-                  <a:srgbClr val="C00000"/>
-                </a:solidFill>
-                <a:latin typeface="Times New Roman" panose="02020603050405020304" pitchFamily="18" charset="0"/>
-                <a:cs typeface="Times New Roman" panose="02020603050405020304" pitchFamily="18" charset="0"/>
-              </a:rPr>
-              <a:t>codArticolo</a:t>
-            </a:r>
-            <a:r>
-              <a:rPr lang="en-US" sz="1500" dirty="0">
-                <a:solidFill>
-                  <a:srgbClr val="C00000"/>
-                </a:solidFill>
-                <a:latin typeface="Times New Roman" panose="02020603050405020304" pitchFamily="18" charset="0"/>
-                <a:cs typeface="Times New Roman" panose="02020603050405020304" pitchFamily="18" charset="0"/>
-              </a:rPr>
-              <a:t>`</a:t>
-            </a:r>
-            <a:r>
-              <a:rPr lang="en-US" sz="1500" dirty="0">
-                <a:latin typeface="Times New Roman" panose="02020603050405020304" pitchFamily="18" charset="0"/>
-                <a:cs typeface="Times New Roman" panose="02020603050405020304" pitchFamily="18" charset="0"/>
-              </a:rPr>
-              <a:t>,</a:t>
-            </a:r>
-            <a:r>
-              <a:rPr lang="en-US" sz="1500" dirty="0">
-                <a:solidFill>
-                  <a:srgbClr val="C00000"/>
-                </a:solidFill>
-                <a:latin typeface="Times New Roman" panose="02020603050405020304" pitchFamily="18" charset="0"/>
-                <a:cs typeface="Times New Roman" panose="02020603050405020304" pitchFamily="18" charset="0"/>
-              </a:rPr>
-              <a:t>`</a:t>
-            </a:r>
-            <a:r>
-              <a:rPr lang="en-US" sz="1500" dirty="0" err="1">
-                <a:solidFill>
-                  <a:srgbClr val="C00000"/>
-                </a:solidFill>
-                <a:latin typeface="Times New Roman" panose="02020603050405020304" pitchFamily="18" charset="0"/>
-                <a:cs typeface="Times New Roman" panose="02020603050405020304" pitchFamily="18" charset="0"/>
-              </a:rPr>
-              <a:t>asta_idAsta</a:t>
-            </a:r>
-            <a:r>
-              <a:rPr lang="en-US" sz="1500" dirty="0">
-                <a:solidFill>
-                  <a:srgbClr val="C00000"/>
-                </a:solidFill>
-                <a:latin typeface="Times New Roman" panose="02020603050405020304" pitchFamily="18" charset="0"/>
-                <a:cs typeface="Times New Roman" panose="02020603050405020304" pitchFamily="18" charset="0"/>
-              </a:rPr>
-              <a:t>`</a:t>
-            </a:r>
-            <a:r>
-              <a:rPr lang="en-US" sz="1500" dirty="0">
-                <a:latin typeface="Times New Roman" panose="02020603050405020304" pitchFamily="18" charset="0"/>
-                <a:cs typeface="Times New Roman" panose="02020603050405020304" pitchFamily="18" charset="0"/>
-              </a:rPr>
-              <a:t>),  </a:t>
-            </a:r>
-          </a:p>
-          <a:p>
-            <a:pPr marL="0" indent="0">
-              <a:spcBef>
-                <a:spcPts val="0"/>
-              </a:spcBef>
-              <a:buNone/>
-            </a:pPr>
-            <a:r>
-              <a:rPr lang="en-US" sz="1500" dirty="0">
-                <a:latin typeface="Times New Roman" panose="02020603050405020304" pitchFamily="18" charset="0"/>
-                <a:cs typeface="Times New Roman" panose="02020603050405020304" pitchFamily="18" charset="0"/>
-              </a:rPr>
-              <a:t>	</a:t>
-            </a:r>
-            <a:r>
-              <a:rPr lang="en-US" sz="1500" dirty="0">
-                <a:solidFill>
-                  <a:srgbClr val="00B0F0"/>
-                </a:solidFill>
-                <a:latin typeface="Times New Roman" panose="02020603050405020304" pitchFamily="18" charset="0"/>
-                <a:cs typeface="Times New Roman" panose="02020603050405020304" pitchFamily="18" charset="0"/>
-              </a:rPr>
-              <a:t>KEY </a:t>
-            </a:r>
-            <a:r>
-              <a:rPr lang="en-US" sz="1500" dirty="0">
-                <a:solidFill>
-                  <a:srgbClr val="C00000"/>
-                </a:solidFill>
-                <a:latin typeface="Times New Roman" panose="02020603050405020304" pitchFamily="18" charset="0"/>
-                <a:cs typeface="Times New Roman" panose="02020603050405020304" pitchFamily="18" charset="0"/>
-              </a:rPr>
-              <a:t>`</a:t>
-            </a:r>
-            <a:r>
-              <a:rPr lang="en-US" sz="1500" dirty="0" err="1">
-                <a:solidFill>
-                  <a:srgbClr val="C00000"/>
-                </a:solidFill>
-                <a:latin typeface="Times New Roman" panose="02020603050405020304" pitchFamily="18" charset="0"/>
-                <a:cs typeface="Times New Roman" panose="02020603050405020304" pitchFamily="18" charset="0"/>
-              </a:rPr>
-              <a:t>fk_asteArticoli_articolo_idx</a:t>
-            </a:r>
-            <a:r>
-              <a:rPr lang="en-US" sz="1500" dirty="0">
-                <a:solidFill>
-                  <a:srgbClr val="C00000"/>
-                </a:solidFill>
-                <a:latin typeface="Times New Roman" panose="02020603050405020304" pitchFamily="18" charset="0"/>
-                <a:cs typeface="Times New Roman" panose="02020603050405020304" pitchFamily="18" charset="0"/>
-              </a:rPr>
-              <a:t>`</a:t>
-            </a:r>
-            <a:r>
-              <a:rPr lang="en-US" sz="1500" dirty="0">
-                <a:latin typeface="Times New Roman" panose="02020603050405020304" pitchFamily="18" charset="0"/>
-                <a:cs typeface="Times New Roman" panose="02020603050405020304" pitchFamily="18" charset="0"/>
-              </a:rPr>
-              <a:t> (</a:t>
-            </a:r>
-            <a:r>
-              <a:rPr lang="en-US" sz="1500" dirty="0">
-                <a:solidFill>
-                  <a:srgbClr val="C00000"/>
-                </a:solidFill>
-                <a:latin typeface="Times New Roman" panose="02020603050405020304" pitchFamily="18" charset="0"/>
-                <a:cs typeface="Times New Roman" panose="02020603050405020304" pitchFamily="18" charset="0"/>
-              </a:rPr>
-              <a:t>`</a:t>
-            </a:r>
-            <a:r>
-              <a:rPr lang="en-US" sz="1500" dirty="0" err="1">
-                <a:solidFill>
-                  <a:srgbClr val="C00000"/>
-                </a:solidFill>
-                <a:latin typeface="Times New Roman" panose="02020603050405020304" pitchFamily="18" charset="0"/>
-                <a:cs typeface="Times New Roman" panose="02020603050405020304" pitchFamily="18" charset="0"/>
-              </a:rPr>
-              <a:t>articolo_codArticolo</a:t>
-            </a:r>
-            <a:r>
-              <a:rPr lang="en-US" sz="1500" dirty="0">
-                <a:solidFill>
-                  <a:srgbClr val="C00000"/>
-                </a:solidFill>
-                <a:latin typeface="Times New Roman" panose="02020603050405020304" pitchFamily="18" charset="0"/>
-                <a:cs typeface="Times New Roman" panose="02020603050405020304" pitchFamily="18" charset="0"/>
-              </a:rPr>
-              <a:t>`</a:t>
-            </a:r>
-            <a:r>
-              <a:rPr lang="en-US" sz="1500" dirty="0">
-                <a:latin typeface="Times New Roman" panose="02020603050405020304" pitchFamily="18" charset="0"/>
-                <a:cs typeface="Times New Roman" panose="02020603050405020304" pitchFamily="18" charset="0"/>
-              </a:rPr>
-              <a:t>),  </a:t>
-            </a:r>
-          </a:p>
-          <a:p>
-            <a:pPr marL="0" indent="0">
-              <a:spcBef>
-                <a:spcPts val="0"/>
-              </a:spcBef>
-              <a:buNone/>
-            </a:pPr>
-            <a:r>
-              <a:rPr lang="en-US" sz="1500" dirty="0">
-                <a:latin typeface="Times New Roman" panose="02020603050405020304" pitchFamily="18" charset="0"/>
-                <a:cs typeface="Times New Roman" panose="02020603050405020304" pitchFamily="18" charset="0"/>
-              </a:rPr>
-              <a:t>	</a:t>
-            </a:r>
-            <a:r>
-              <a:rPr lang="en-US" sz="1500" dirty="0">
-                <a:solidFill>
-                  <a:srgbClr val="00B0F0"/>
-                </a:solidFill>
-                <a:latin typeface="Times New Roman" panose="02020603050405020304" pitchFamily="18" charset="0"/>
-                <a:cs typeface="Times New Roman" panose="02020603050405020304" pitchFamily="18" charset="0"/>
-              </a:rPr>
-              <a:t>KEY</a:t>
-            </a:r>
-            <a:r>
-              <a:rPr lang="en-US" sz="1500" dirty="0">
-                <a:latin typeface="Times New Roman" panose="02020603050405020304" pitchFamily="18" charset="0"/>
-                <a:cs typeface="Times New Roman" panose="02020603050405020304" pitchFamily="18" charset="0"/>
-              </a:rPr>
-              <a:t> </a:t>
-            </a:r>
-            <a:r>
-              <a:rPr lang="en-US" sz="1500" dirty="0">
-                <a:solidFill>
-                  <a:srgbClr val="C00000"/>
-                </a:solidFill>
-                <a:latin typeface="Times New Roman" panose="02020603050405020304" pitchFamily="18" charset="0"/>
-                <a:cs typeface="Times New Roman" panose="02020603050405020304" pitchFamily="18" charset="0"/>
-              </a:rPr>
-              <a:t>`fk_asteArticoli_asta1_idx`</a:t>
-            </a:r>
-            <a:r>
-              <a:rPr lang="en-US" sz="1500" dirty="0">
-                <a:latin typeface="Times New Roman" panose="02020603050405020304" pitchFamily="18" charset="0"/>
-                <a:cs typeface="Times New Roman" panose="02020603050405020304" pitchFamily="18" charset="0"/>
-              </a:rPr>
-              <a:t> (</a:t>
-            </a:r>
-            <a:r>
-              <a:rPr lang="en-US" sz="1500" dirty="0">
-                <a:solidFill>
-                  <a:srgbClr val="C00000"/>
-                </a:solidFill>
-                <a:latin typeface="Times New Roman" panose="02020603050405020304" pitchFamily="18" charset="0"/>
-                <a:cs typeface="Times New Roman" panose="02020603050405020304" pitchFamily="18" charset="0"/>
-              </a:rPr>
-              <a:t>`</a:t>
-            </a:r>
-            <a:r>
-              <a:rPr lang="en-US" sz="1500" dirty="0" err="1">
-                <a:solidFill>
-                  <a:srgbClr val="C00000"/>
-                </a:solidFill>
-                <a:latin typeface="Times New Roman" panose="02020603050405020304" pitchFamily="18" charset="0"/>
-                <a:cs typeface="Times New Roman" panose="02020603050405020304" pitchFamily="18" charset="0"/>
-              </a:rPr>
-              <a:t>asta_idAsta</a:t>
-            </a:r>
-            <a:r>
-              <a:rPr lang="en-US" sz="1500" dirty="0">
-                <a:solidFill>
-                  <a:srgbClr val="C00000"/>
-                </a:solidFill>
-                <a:latin typeface="Times New Roman" panose="02020603050405020304" pitchFamily="18" charset="0"/>
-                <a:cs typeface="Times New Roman" panose="02020603050405020304" pitchFamily="18" charset="0"/>
-              </a:rPr>
-              <a:t>`</a:t>
-            </a:r>
-            <a:r>
-              <a:rPr lang="en-US" sz="1500" dirty="0">
-                <a:latin typeface="Times New Roman" panose="02020603050405020304" pitchFamily="18" charset="0"/>
-                <a:cs typeface="Times New Roman" panose="02020603050405020304" pitchFamily="18" charset="0"/>
-              </a:rPr>
-              <a:t>),  </a:t>
-            </a:r>
-          </a:p>
-          <a:p>
-            <a:pPr marL="0" indent="0">
-              <a:spcBef>
-                <a:spcPts val="0"/>
-              </a:spcBef>
-              <a:buNone/>
-            </a:pPr>
-            <a:r>
-              <a:rPr lang="en-US" sz="1500" dirty="0">
-                <a:latin typeface="Times New Roman" panose="02020603050405020304" pitchFamily="18" charset="0"/>
-                <a:cs typeface="Times New Roman" panose="02020603050405020304" pitchFamily="18" charset="0"/>
-              </a:rPr>
-              <a:t>	</a:t>
-            </a:r>
-            <a:r>
-              <a:rPr lang="en-US" sz="1500" dirty="0">
-                <a:solidFill>
-                  <a:srgbClr val="00B0F0"/>
-                </a:solidFill>
-                <a:latin typeface="Times New Roman" panose="02020603050405020304" pitchFamily="18" charset="0"/>
-                <a:cs typeface="Times New Roman" panose="02020603050405020304" pitchFamily="18" charset="0"/>
-              </a:rPr>
-              <a:t>CONSTRAINT </a:t>
-            </a:r>
-            <a:r>
-              <a:rPr lang="en-US" sz="1500" dirty="0">
-                <a:solidFill>
-                  <a:srgbClr val="C00000"/>
-                </a:solidFill>
-                <a:latin typeface="Times New Roman" panose="02020603050405020304" pitchFamily="18" charset="0"/>
-                <a:cs typeface="Times New Roman" panose="02020603050405020304" pitchFamily="18" charset="0"/>
-              </a:rPr>
-              <a:t>`</a:t>
-            </a:r>
-            <a:r>
-              <a:rPr lang="en-US" sz="1500" dirty="0" err="1">
-                <a:solidFill>
-                  <a:srgbClr val="C00000"/>
-                </a:solidFill>
-                <a:latin typeface="Times New Roman" panose="02020603050405020304" pitchFamily="18" charset="0"/>
-                <a:cs typeface="Times New Roman" panose="02020603050405020304" pitchFamily="18" charset="0"/>
-              </a:rPr>
-              <a:t>fk_asteArticoli_articolo</a:t>
-            </a:r>
-            <a:r>
-              <a:rPr lang="en-US" sz="1500" dirty="0">
-                <a:solidFill>
-                  <a:srgbClr val="C00000"/>
-                </a:solidFill>
-                <a:latin typeface="Times New Roman" panose="02020603050405020304" pitchFamily="18" charset="0"/>
-                <a:cs typeface="Times New Roman" panose="02020603050405020304" pitchFamily="18" charset="0"/>
-              </a:rPr>
-              <a:t>`</a:t>
-            </a:r>
-            <a:r>
-              <a:rPr lang="en-US" sz="1500" dirty="0">
-                <a:latin typeface="Times New Roman" panose="02020603050405020304" pitchFamily="18" charset="0"/>
-                <a:cs typeface="Times New Roman" panose="02020603050405020304" pitchFamily="18" charset="0"/>
-              </a:rPr>
-              <a:t> </a:t>
-            </a:r>
-            <a:r>
-              <a:rPr lang="en-US" sz="1500" dirty="0">
-                <a:solidFill>
-                  <a:srgbClr val="00B0F0"/>
-                </a:solidFill>
-                <a:latin typeface="Times New Roman" panose="02020603050405020304" pitchFamily="18" charset="0"/>
-                <a:cs typeface="Times New Roman" panose="02020603050405020304" pitchFamily="18" charset="0"/>
-              </a:rPr>
-              <a:t>FOREIGN KEY </a:t>
-            </a:r>
-            <a:r>
-              <a:rPr lang="en-US" sz="1500" dirty="0">
-                <a:latin typeface="Times New Roman" panose="02020603050405020304" pitchFamily="18" charset="0"/>
-                <a:cs typeface="Times New Roman" panose="02020603050405020304" pitchFamily="18" charset="0"/>
-              </a:rPr>
-              <a:t>(</a:t>
-            </a:r>
-            <a:r>
-              <a:rPr lang="en-US" sz="1500" dirty="0">
-                <a:solidFill>
-                  <a:srgbClr val="C00000"/>
-                </a:solidFill>
-                <a:latin typeface="Times New Roman" panose="02020603050405020304" pitchFamily="18" charset="0"/>
-                <a:cs typeface="Times New Roman" panose="02020603050405020304" pitchFamily="18" charset="0"/>
-              </a:rPr>
-              <a:t>`</a:t>
-            </a:r>
-            <a:r>
-              <a:rPr lang="en-US" sz="1500" dirty="0" err="1">
-                <a:solidFill>
-                  <a:srgbClr val="C00000"/>
-                </a:solidFill>
-                <a:latin typeface="Times New Roman" panose="02020603050405020304" pitchFamily="18" charset="0"/>
-                <a:cs typeface="Times New Roman" panose="02020603050405020304" pitchFamily="18" charset="0"/>
-              </a:rPr>
-              <a:t>articolo_codArticolo</a:t>
-            </a:r>
-            <a:r>
-              <a:rPr lang="en-US" sz="1500" dirty="0">
-                <a:solidFill>
-                  <a:srgbClr val="C00000"/>
-                </a:solidFill>
-                <a:latin typeface="Times New Roman" panose="02020603050405020304" pitchFamily="18" charset="0"/>
-                <a:cs typeface="Times New Roman" panose="02020603050405020304" pitchFamily="18" charset="0"/>
-              </a:rPr>
-              <a:t>`</a:t>
-            </a:r>
-            <a:r>
-              <a:rPr lang="en-US" sz="1500" dirty="0">
-                <a:latin typeface="Times New Roman" panose="02020603050405020304" pitchFamily="18" charset="0"/>
-                <a:cs typeface="Times New Roman" panose="02020603050405020304" pitchFamily="18" charset="0"/>
-              </a:rPr>
-              <a:t>) </a:t>
-            </a:r>
-          </a:p>
-          <a:p>
-            <a:pPr marL="0" indent="0">
-              <a:spcBef>
-                <a:spcPts val="0"/>
-              </a:spcBef>
-              <a:buNone/>
-            </a:pPr>
-            <a:r>
-              <a:rPr lang="en-US" sz="1500" dirty="0">
-                <a:latin typeface="Times New Roman" panose="02020603050405020304" pitchFamily="18" charset="0"/>
-                <a:cs typeface="Times New Roman" panose="02020603050405020304" pitchFamily="18" charset="0"/>
-              </a:rPr>
-              <a:t>		</a:t>
-            </a:r>
-            <a:r>
-              <a:rPr lang="en-US" sz="1500" dirty="0">
-                <a:solidFill>
-                  <a:srgbClr val="00B0F0"/>
-                </a:solidFill>
-                <a:latin typeface="Times New Roman" panose="02020603050405020304" pitchFamily="18" charset="0"/>
-                <a:cs typeface="Times New Roman" panose="02020603050405020304" pitchFamily="18" charset="0"/>
-              </a:rPr>
-              <a:t>REFERENCES</a:t>
-            </a:r>
-            <a:r>
-              <a:rPr lang="en-US" sz="1500" dirty="0">
-                <a:latin typeface="Times New Roman" panose="02020603050405020304" pitchFamily="18" charset="0"/>
-                <a:cs typeface="Times New Roman" panose="02020603050405020304" pitchFamily="18" charset="0"/>
-              </a:rPr>
-              <a:t> </a:t>
-            </a:r>
-            <a:r>
-              <a:rPr lang="en-US" sz="1500" dirty="0">
-                <a:solidFill>
-                  <a:srgbClr val="C00000"/>
-                </a:solidFill>
-                <a:latin typeface="Times New Roman" panose="02020603050405020304" pitchFamily="18" charset="0"/>
-                <a:cs typeface="Times New Roman" panose="02020603050405020304" pitchFamily="18" charset="0"/>
-              </a:rPr>
-              <a:t>`</a:t>
-            </a:r>
-            <a:r>
-              <a:rPr lang="en-US" sz="1500" dirty="0" err="1">
-                <a:solidFill>
-                  <a:srgbClr val="C00000"/>
-                </a:solidFill>
-                <a:latin typeface="Times New Roman" panose="02020603050405020304" pitchFamily="18" charset="0"/>
-                <a:cs typeface="Times New Roman" panose="02020603050405020304" pitchFamily="18" charset="0"/>
-              </a:rPr>
-              <a:t>articolo</a:t>
-            </a:r>
-            <a:r>
-              <a:rPr lang="en-US" sz="1500" dirty="0">
-                <a:solidFill>
-                  <a:srgbClr val="C00000"/>
-                </a:solidFill>
-                <a:latin typeface="Times New Roman" panose="02020603050405020304" pitchFamily="18" charset="0"/>
-                <a:cs typeface="Times New Roman" panose="02020603050405020304" pitchFamily="18" charset="0"/>
-              </a:rPr>
-              <a:t>`</a:t>
-            </a:r>
-            <a:r>
-              <a:rPr lang="en-US" sz="1500" dirty="0">
-                <a:latin typeface="Times New Roman" panose="02020603050405020304" pitchFamily="18" charset="0"/>
-                <a:cs typeface="Times New Roman" panose="02020603050405020304" pitchFamily="18" charset="0"/>
-              </a:rPr>
-              <a:t> (</a:t>
-            </a:r>
-            <a:r>
-              <a:rPr lang="en-US" sz="1500" dirty="0">
-                <a:solidFill>
-                  <a:srgbClr val="C00000"/>
-                </a:solidFill>
-                <a:latin typeface="Times New Roman" panose="02020603050405020304" pitchFamily="18" charset="0"/>
-                <a:cs typeface="Times New Roman" panose="02020603050405020304" pitchFamily="18" charset="0"/>
-              </a:rPr>
-              <a:t>`</a:t>
-            </a:r>
-            <a:r>
-              <a:rPr lang="en-US" sz="1500" dirty="0" err="1">
-                <a:solidFill>
-                  <a:srgbClr val="C00000"/>
-                </a:solidFill>
-                <a:latin typeface="Times New Roman" panose="02020603050405020304" pitchFamily="18" charset="0"/>
-                <a:cs typeface="Times New Roman" panose="02020603050405020304" pitchFamily="18" charset="0"/>
-              </a:rPr>
-              <a:t>codArticolo</a:t>
-            </a:r>
-            <a:r>
-              <a:rPr lang="en-US" sz="1500" dirty="0">
-                <a:solidFill>
-                  <a:srgbClr val="C00000"/>
-                </a:solidFill>
-                <a:latin typeface="Times New Roman" panose="02020603050405020304" pitchFamily="18" charset="0"/>
-                <a:cs typeface="Times New Roman" panose="02020603050405020304" pitchFamily="18" charset="0"/>
-              </a:rPr>
-              <a:t>`</a:t>
-            </a:r>
-            <a:r>
-              <a:rPr lang="en-US" sz="1500" dirty="0">
-                <a:latin typeface="Times New Roman" panose="02020603050405020304" pitchFamily="18" charset="0"/>
-                <a:cs typeface="Times New Roman" panose="02020603050405020304" pitchFamily="18" charset="0"/>
-              </a:rPr>
-              <a:t>),  </a:t>
-            </a:r>
-          </a:p>
-          <a:p>
-            <a:pPr marL="0" indent="0">
-              <a:spcBef>
-                <a:spcPts val="0"/>
-              </a:spcBef>
-              <a:buNone/>
-            </a:pPr>
-            <a:r>
-              <a:rPr lang="en-US" sz="1500" dirty="0">
-                <a:latin typeface="Times New Roman" panose="02020603050405020304" pitchFamily="18" charset="0"/>
-                <a:cs typeface="Times New Roman" panose="02020603050405020304" pitchFamily="18" charset="0"/>
-              </a:rPr>
-              <a:t>	</a:t>
-            </a:r>
-            <a:r>
-              <a:rPr lang="en-US" sz="1500" dirty="0">
-                <a:solidFill>
-                  <a:srgbClr val="00B0F0"/>
-                </a:solidFill>
-                <a:latin typeface="Times New Roman" panose="02020603050405020304" pitchFamily="18" charset="0"/>
-                <a:cs typeface="Times New Roman" panose="02020603050405020304" pitchFamily="18" charset="0"/>
-              </a:rPr>
-              <a:t>CONSTRAINT</a:t>
-            </a:r>
-            <a:r>
-              <a:rPr lang="en-US" sz="1500" dirty="0">
-                <a:latin typeface="Times New Roman" panose="02020603050405020304" pitchFamily="18" charset="0"/>
-                <a:cs typeface="Times New Roman" panose="02020603050405020304" pitchFamily="18" charset="0"/>
-              </a:rPr>
-              <a:t> </a:t>
-            </a:r>
-            <a:r>
-              <a:rPr lang="en-US" sz="1500" dirty="0">
-                <a:solidFill>
-                  <a:srgbClr val="C00000"/>
-                </a:solidFill>
-                <a:latin typeface="Times New Roman" panose="02020603050405020304" pitchFamily="18" charset="0"/>
-                <a:cs typeface="Times New Roman" panose="02020603050405020304" pitchFamily="18" charset="0"/>
-              </a:rPr>
-              <a:t>`fk_asteArticoli_asta1`</a:t>
-            </a:r>
-            <a:r>
-              <a:rPr lang="en-US" sz="1500" dirty="0">
-                <a:latin typeface="Times New Roman" panose="02020603050405020304" pitchFamily="18" charset="0"/>
-                <a:cs typeface="Times New Roman" panose="02020603050405020304" pitchFamily="18" charset="0"/>
-              </a:rPr>
-              <a:t> </a:t>
-            </a:r>
-            <a:r>
-              <a:rPr lang="en-US" sz="1500" dirty="0">
-                <a:solidFill>
-                  <a:srgbClr val="00B0F0"/>
-                </a:solidFill>
-                <a:latin typeface="Times New Roman" panose="02020603050405020304" pitchFamily="18" charset="0"/>
-                <a:cs typeface="Times New Roman" panose="02020603050405020304" pitchFamily="18" charset="0"/>
-              </a:rPr>
-              <a:t>FOREIGN KEY </a:t>
-            </a:r>
-            <a:r>
-              <a:rPr lang="en-US" sz="1500" dirty="0">
-                <a:latin typeface="Times New Roman" panose="02020603050405020304" pitchFamily="18" charset="0"/>
-                <a:cs typeface="Times New Roman" panose="02020603050405020304" pitchFamily="18" charset="0"/>
-              </a:rPr>
-              <a:t>(</a:t>
-            </a:r>
-            <a:r>
-              <a:rPr lang="en-US" sz="1500" dirty="0">
-                <a:solidFill>
-                  <a:srgbClr val="C00000"/>
-                </a:solidFill>
-                <a:latin typeface="Times New Roman" panose="02020603050405020304" pitchFamily="18" charset="0"/>
-                <a:cs typeface="Times New Roman" panose="02020603050405020304" pitchFamily="18" charset="0"/>
-              </a:rPr>
-              <a:t>`</a:t>
-            </a:r>
-            <a:r>
-              <a:rPr lang="en-US" sz="1500" dirty="0" err="1">
-                <a:solidFill>
-                  <a:srgbClr val="C00000"/>
-                </a:solidFill>
-                <a:latin typeface="Times New Roman" panose="02020603050405020304" pitchFamily="18" charset="0"/>
-                <a:cs typeface="Times New Roman" panose="02020603050405020304" pitchFamily="18" charset="0"/>
-              </a:rPr>
-              <a:t>asta_idAsta</a:t>
-            </a:r>
-            <a:r>
-              <a:rPr lang="en-US" sz="1500" dirty="0">
-                <a:solidFill>
-                  <a:srgbClr val="C00000"/>
-                </a:solidFill>
-                <a:latin typeface="Times New Roman" panose="02020603050405020304" pitchFamily="18" charset="0"/>
-                <a:cs typeface="Times New Roman" panose="02020603050405020304" pitchFamily="18" charset="0"/>
-              </a:rPr>
-              <a:t>`</a:t>
-            </a:r>
-            <a:r>
-              <a:rPr lang="en-US" sz="1500" dirty="0">
-                <a:latin typeface="Times New Roman" panose="02020603050405020304" pitchFamily="18" charset="0"/>
-                <a:cs typeface="Times New Roman" panose="02020603050405020304" pitchFamily="18" charset="0"/>
-              </a:rPr>
-              <a:t>) </a:t>
-            </a:r>
-            <a:r>
-              <a:rPr lang="en-US" sz="1500" dirty="0">
-                <a:solidFill>
-                  <a:srgbClr val="00B0F0"/>
-                </a:solidFill>
-                <a:latin typeface="Times New Roman" panose="02020603050405020304" pitchFamily="18" charset="0"/>
-                <a:cs typeface="Times New Roman" panose="02020603050405020304" pitchFamily="18" charset="0"/>
-              </a:rPr>
-              <a:t>REFERENCES</a:t>
-            </a:r>
-            <a:r>
-              <a:rPr lang="en-US" sz="1500" dirty="0">
-                <a:latin typeface="Times New Roman" panose="02020603050405020304" pitchFamily="18" charset="0"/>
-                <a:cs typeface="Times New Roman" panose="02020603050405020304" pitchFamily="18" charset="0"/>
-              </a:rPr>
-              <a:t> </a:t>
-            </a:r>
-            <a:r>
-              <a:rPr lang="en-US" sz="1500" dirty="0">
-                <a:solidFill>
-                  <a:srgbClr val="C00000"/>
-                </a:solidFill>
-                <a:latin typeface="Times New Roman" panose="02020603050405020304" pitchFamily="18" charset="0"/>
-                <a:cs typeface="Times New Roman" panose="02020603050405020304" pitchFamily="18" charset="0"/>
-              </a:rPr>
-              <a:t>`</a:t>
-            </a:r>
-            <a:r>
-              <a:rPr lang="en-US" sz="1500" dirty="0" err="1">
-                <a:solidFill>
-                  <a:srgbClr val="C00000"/>
-                </a:solidFill>
-                <a:latin typeface="Times New Roman" panose="02020603050405020304" pitchFamily="18" charset="0"/>
-                <a:cs typeface="Times New Roman" panose="02020603050405020304" pitchFamily="18" charset="0"/>
-              </a:rPr>
-              <a:t>asta</a:t>
-            </a:r>
-            <a:r>
-              <a:rPr lang="en-US" sz="1500" dirty="0">
-                <a:solidFill>
-                  <a:srgbClr val="C00000"/>
-                </a:solidFill>
-                <a:latin typeface="Times New Roman" panose="02020603050405020304" pitchFamily="18" charset="0"/>
-                <a:cs typeface="Times New Roman" panose="02020603050405020304" pitchFamily="18" charset="0"/>
-              </a:rPr>
-              <a:t>`</a:t>
-            </a:r>
-            <a:r>
-              <a:rPr lang="en-US" sz="1500" dirty="0">
-                <a:latin typeface="Times New Roman" panose="02020603050405020304" pitchFamily="18" charset="0"/>
-                <a:cs typeface="Times New Roman" panose="02020603050405020304" pitchFamily="18" charset="0"/>
-              </a:rPr>
-              <a:t> (</a:t>
-            </a:r>
-            <a:r>
-              <a:rPr lang="en-US" sz="1500" dirty="0">
-                <a:solidFill>
-                  <a:srgbClr val="C00000"/>
-                </a:solidFill>
-                <a:latin typeface="Times New Roman" panose="02020603050405020304" pitchFamily="18" charset="0"/>
-                <a:cs typeface="Times New Roman" panose="02020603050405020304" pitchFamily="18" charset="0"/>
-              </a:rPr>
-              <a:t>`</a:t>
-            </a:r>
-            <a:r>
-              <a:rPr lang="en-US" sz="1500" dirty="0" err="1">
-                <a:solidFill>
-                  <a:srgbClr val="C00000"/>
-                </a:solidFill>
-                <a:latin typeface="Times New Roman" panose="02020603050405020304" pitchFamily="18" charset="0"/>
-                <a:cs typeface="Times New Roman" panose="02020603050405020304" pitchFamily="18" charset="0"/>
-              </a:rPr>
-              <a:t>idAsta</a:t>
-            </a:r>
-            <a:r>
-              <a:rPr lang="en-US" sz="1500" dirty="0">
-                <a:solidFill>
-                  <a:srgbClr val="C00000"/>
-                </a:solidFill>
-                <a:latin typeface="Times New Roman" panose="02020603050405020304" pitchFamily="18" charset="0"/>
-                <a:cs typeface="Times New Roman" panose="02020603050405020304" pitchFamily="18" charset="0"/>
-              </a:rPr>
-              <a:t>`</a:t>
-            </a:r>
-            <a:r>
-              <a:rPr lang="en-US" sz="1500" dirty="0">
-                <a:latin typeface="Times New Roman" panose="02020603050405020304" pitchFamily="18" charset="0"/>
-                <a:cs typeface="Times New Roman" panose="02020603050405020304" pitchFamily="18" charset="0"/>
-              </a:rPr>
-              <a:t>)</a:t>
-            </a:r>
-          </a:p>
-          <a:p>
-            <a:pPr marL="0" indent="0">
-              <a:spcBef>
-                <a:spcPts val="0"/>
-              </a:spcBef>
-              <a:buNone/>
-            </a:pPr>
-            <a:r>
-              <a:rPr lang="en-US" sz="1500" dirty="0">
-                <a:latin typeface="Times New Roman" panose="02020603050405020304" pitchFamily="18" charset="0"/>
-                <a:cs typeface="Times New Roman" panose="02020603050405020304" pitchFamily="18" charset="0"/>
-              </a:rPr>
-              <a:t>);</a:t>
-            </a:r>
-          </a:p>
-          <a:p>
-            <a:pPr marL="0" indent="0">
-              <a:spcBef>
-                <a:spcPts val="0"/>
-              </a:spcBef>
-              <a:buNone/>
-            </a:pPr>
-            <a:endParaRPr lang="en-US" sz="1500" dirty="0">
-              <a:latin typeface="Times New Roman" panose="02020603050405020304" pitchFamily="18" charset="0"/>
-              <a:cs typeface="Times New Roman" panose="02020603050405020304" pitchFamily="18" charset="0"/>
-            </a:endParaRPr>
-          </a:p>
-          <a:p>
-            <a:pPr marL="0" indent="0">
-              <a:spcBef>
-                <a:spcPts val="0"/>
-              </a:spcBef>
-              <a:buNone/>
-            </a:pPr>
-            <a:r>
-              <a:rPr lang="en-US" sz="1500" dirty="0">
-                <a:solidFill>
-                  <a:srgbClr val="00B0F0"/>
-                </a:solidFill>
-                <a:latin typeface="Times New Roman" panose="02020603050405020304" pitchFamily="18" charset="0"/>
-                <a:cs typeface="Times New Roman" panose="02020603050405020304" pitchFamily="18" charset="0"/>
-              </a:rPr>
-              <a:t>CREATE TABLE</a:t>
-            </a:r>
-            <a:r>
-              <a:rPr lang="en-US" sz="1500" dirty="0">
-                <a:latin typeface="Times New Roman" panose="02020603050405020304" pitchFamily="18" charset="0"/>
-                <a:cs typeface="Times New Roman" panose="02020603050405020304" pitchFamily="18" charset="0"/>
-              </a:rPr>
-              <a:t> </a:t>
-            </a:r>
-            <a:r>
-              <a:rPr lang="en-US" sz="1500" dirty="0">
-                <a:solidFill>
-                  <a:srgbClr val="C00000"/>
-                </a:solidFill>
-                <a:latin typeface="Times New Roman" panose="02020603050405020304" pitchFamily="18" charset="0"/>
-                <a:cs typeface="Times New Roman" panose="02020603050405020304" pitchFamily="18" charset="0"/>
-              </a:rPr>
-              <a:t>`</a:t>
-            </a:r>
-            <a:r>
-              <a:rPr lang="en-US" sz="1500" dirty="0" err="1">
-                <a:solidFill>
-                  <a:srgbClr val="C00000"/>
-                </a:solidFill>
-                <a:latin typeface="Times New Roman" panose="02020603050405020304" pitchFamily="18" charset="0"/>
-                <a:cs typeface="Times New Roman" panose="02020603050405020304" pitchFamily="18" charset="0"/>
-              </a:rPr>
-              <a:t>utente</a:t>
-            </a:r>
-            <a:r>
-              <a:rPr lang="en-US" sz="1500" dirty="0">
-                <a:solidFill>
-                  <a:srgbClr val="C00000"/>
-                </a:solidFill>
-                <a:latin typeface="Times New Roman" panose="02020603050405020304" pitchFamily="18" charset="0"/>
-                <a:cs typeface="Times New Roman" panose="02020603050405020304" pitchFamily="18" charset="0"/>
-              </a:rPr>
-              <a:t>`</a:t>
-            </a:r>
-            <a:r>
-              <a:rPr lang="en-US" sz="1500" dirty="0">
-                <a:latin typeface="Times New Roman" panose="02020603050405020304" pitchFamily="18" charset="0"/>
-                <a:cs typeface="Times New Roman" panose="02020603050405020304" pitchFamily="18" charset="0"/>
-              </a:rPr>
-              <a:t> (  </a:t>
-            </a:r>
-          </a:p>
-          <a:p>
-            <a:pPr marL="0" indent="0">
-              <a:spcBef>
-                <a:spcPts val="0"/>
-              </a:spcBef>
-              <a:buNone/>
-            </a:pPr>
-            <a:r>
-              <a:rPr lang="en-US" sz="1500" dirty="0">
-                <a:latin typeface="Times New Roman" panose="02020603050405020304" pitchFamily="18" charset="0"/>
-                <a:cs typeface="Times New Roman" panose="02020603050405020304" pitchFamily="18" charset="0"/>
-              </a:rPr>
-              <a:t>	</a:t>
-            </a:r>
-            <a:r>
-              <a:rPr lang="en-US" sz="1500" dirty="0">
-                <a:solidFill>
-                  <a:srgbClr val="C00000"/>
-                </a:solidFill>
-                <a:latin typeface="Times New Roman" panose="02020603050405020304" pitchFamily="18" charset="0"/>
-                <a:cs typeface="Times New Roman" panose="02020603050405020304" pitchFamily="18" charset="0"/>
-              </a:rPr>
-              <a:t>`</a:t>
-            </a:r>
-            <a:r>
-              <a:rPr lang="en-US" sz="1500" dirty="0" err="1">
-                <a:solidFill>
-                  <a:srgbClr val="C00000"/>
-                </a:solidFill>
-                <a:latin typeface="Times New Roman" panose="02020603050405020304" pitchFamily="18" charset="0"/>
-                <a:cs typeface="Times New Roman" panose="02020603050405020304" pitchFamily="18" charset="0"/>
-              </a:rPr>
-              <a:t>idUtente</a:t>
-            </a:r>
-            <a:r>
-              <a:rPr lang="en-US" sz="1500" dirty="0">
-                <a:solidFill>
-                  <a:srgbClr val="C00000"/>
-                </a:solidFill>
-                <a:latin typeface="Times New Roman" panose="02020603050405020304" pitchFamily="18" charset="0"/>
-                <a:cs typeface="Times New Roman" panose="02020603050405020304" pitchFamily="18" charset="0"/>
-              </a:rPr>
-              <a:t>`</a:t>
-            </a:r>
-            <a:r>
-              <a:rPr lang="en-US" sz="1500" dirty="0">
-                <a:latin typeface="Times New Roman" panose="02020603050405020304" pitchFamily="18" charset="0"/>
-                <a:cs typeface="Times New Roman" panose="02020603050405020304" pitchFamily="18" charset="0"/>
-              </a:rPr>
-              <a:t> </a:t>
-            </a:r>
-            <a:r>
-              <a:rPr lang="en-US" sz="1500" dirty="0">
-                <a:solidFill>
-                  <a:srgbClr val="00B0F0"/>
-                </a:solidFill>
-                <a:latin typeface="Times New Roman" panose="02020603050405020304" pitchFamily="18" charset="0"/>
-                <a:cs typeface="Times New Roman" panose="02020603050405020304" pitchFamily="18" charset="0"/>
-              </a:rPr>
-              <a:t>int NOT NULL AUTO_INCREMENT</a:t>
-            </a:r>
-            <a:r>
-              <a:rPr lang="en-US" sz="1500" dirty="0">
-                <a:latin typeface="Times New Roman" panose="02020603050405020304" pitchFamily="18" charset="0"/>
-                <a:cs typeface="Times New Roman" panose="02020603050405020304" pitchFamily="18" charset="0"/>
-              </a:rPr>
-              <a:t>,  </a:t>
-            </a:r>
-          </a:p>
-          <a:p>
-            <a:pPr marL="0" indent="0">
-              <a:spcBef>
-                <a:spcPts val="0"/>
-              </a:spcBef>
-              <a:buNone/>
-            </a:pPr>
-            <a:r>
-              <a:rPr lang="en-US" sz="1500" dirty="0">
-                <a:latin typeface="Times New Roman" panose="02020603050405020304" pitchFamily="18" charset="0"/>
-                <a:cs typeface="Times New Roman" panose="02020603050405020304" pitchFamily="18" charset="0"/>
-              </a:rPr>
-              <a:t>	</a:t>
-            </a:r>
-            <a:r>
-              <a:rPr lang="en-US" sz="1500" dirty="0">
-                <a:solidFill>
-                  <a:srgbClr val="C00000"/>
-                </a:solidFill>
-                <a:latin typeface="Times New Roman" panose="02020603050405020304" pitchFamily="18" charset="0"/>
-                <a:cs typeface="Times New Roman" panose="02020603050405020304" pitchFamily="18" charset="0"/>
-              </a:rPr>
-              <a:t>`</a:t>
-            </a:r>
-            <a:r>
-              <a:rPr lang="en-US" sz="1500" dirty="0" err="1">
-                <a:solidFill>
-                  <a:srgbClr val="C00000"/>
-                </a:solidFill>
-                <a:latin typeface="Times New Roman" panose="02020603050405020304" pitchFamily="18" charset="0"/>
-                <a:cs typeface="Times New Roman" panose="02020603050405020304" pitchFamily="18" charset="0"/>
-              </a:rPr>
-              <a:t>nome</a:t>
-            </a:r>
-            <a:r>
-              <a:rPr lang="en-US" sz="1500" dirty="0">
-                <a:solidFill>
-                  <a:srgbClr val="C00000"/>
-                </a:solidFill>
-                <a:latin typeface="Times New Roman" panose="02020603050405020304" pitchFamily="18" charset="0"/>
-                <a:cs typeface="Times New Roman" panose="02020603050405020304" pitchFamily="18" charset="0"/>
-              </a:rPr>
-              <a:t>`</a:t>
-            </a:r>
-            <a:r>
-              <a:rPr lang="en-US" sz="1500" dirty="0">
-                <a:latin typeface="Times New Roman" panose="02020603050405020304" pitchFamily="18" charset="0"/>
-                <a:cs typeface="Times New Roman" panose="02020603050405020304" pitchFamily="18" charset="0"/>
-              </a:rPr>
-              <a:t> </a:t>
-            </a:r>
-            <a:r>
-              <a:rPr lang="en-US" sz="1500" dirty="0">
-                <a:solidFill>
-                  <a:srgbClr val="00B0F0"/>
-                </a:solidFill>
-                <a:latin typeface="Times New Roman" panose="02020603050405020304" pitchFamily="18" charset="0"/>
-                <a:cs typeface="Times New Roman" panose="02020603050405020304" pitchFamily="18" charset="0"/>
-              </a:rPr>
-              <a:t>varchar</a:t>
-            </a:r>
-            <a:r>
-              <a:rPr lang="en-US" sz="1500" dirty="0">
-                <a:latin typeface="Times New Roman" panose="02020603050405020304" pitchFamily="18" charset="0"/>
-                <a:cs typeface="Times New Roman" panose="02020603050405020304" pitchFamily="18" charset="0"/>
-              </a:rPr>
-              <a:t>(</a:t>
-            </a:r>
-            <a:r>
-              <a:rPr lang="en-US" sz="1500" dirty="0">
-                <a:solidFill>
-                  <a:srgbClr val="FFC000"/>
-                </a:solidFill>
-                <a:latin typeface="Times New Roman" panose="02020603050405020304" pitchFamily="18" charset="0"/>
-                <a:cs typeface="Times New Roman" panose="02020603050405020304" pitchFamily="18" charset="0"/>
-              </a:rPr>
-              <a:t>45</a:t>
-            </a:r>
-            <a:r>
-              <a:rPr lang="en-US" sz="1500" dirty="0">
-                <a:latin typeface="Times New Roman" panose="02020603050405020304" pitchFamily="18" charset="0"/>
-                <a:cs typeface="Times New Roman" panose="02020603050405020304" pitchFamily="18" charset="0"/>
-              </a:rPr>
-              <a:t>)</a:t>
-            </a:r>
-            <a:r>
-              <a:rPr lang="en-US" sz="1500" dirty="0">
-                <a:solidFill>
-                  <a:srgbClr val="00B0F0"/>
-                </a:solidFill>
-                <a:latin typeface="Times New Roman" panose="02020603050405020304" pitchFamily="18" charset="0"/>
-                <a:cs typeface="Times New Roman" panose="02020603050405020304" pitchFamily="18" charset="0"/>
-              </a:rPr>
-              <a:t> NOT NULL</a:t>
-            </a:r>
-            <a:r>
-              <a:rPr lang="en-US" sz="1500" dirty="0">
-                <a:latin typeface="Times New Roman" panose="02020603050405020304" pitchFamily="18" charset="0"/>
-                <a:cs typeface="Times New Roman" panose="02020603050405020304" pitchFamily="18" charset="0"/>
-              </a:rPr>
-              <a:t>,  </a:t>
-            </a:r>
-          </a:p>
-          <a:p>
-            <a:pPr marL="0" indent="0">
-              <a:spcBef>
-                <a:spcPts val="0"/>
-              </a:spcBef>
-              <a:buNone/>
-            </a:pPr>
-            <a:r>
-              <a:rPr lang="en-US" sz="1500" dirty="0">
-                <a:latin typeface="Times New Roman" panose="02020603050405020304" pitchFamily="18" charset="0"/>
-                <a:cs typeface="Times New Roman" panose="02020603050405020304" pitchFamily="18" charset="0"/>
-              </a:rPr>
-              <a:t>	</a:t>
-            </a:r>
-            <a:r>
-              <a:rPr lang="en-US" sz="1500" dirty="0">
-                <a:solidFill>
-                  <a:srgbClr val="C00000"/>
-                </a:solidFill>
-                <a:latin typeface="Times New Roman" panose="02020603050405020304" pitchFamily="18" charset="0"/>
-                <a:cs typeface="Times New Roman" panose="02020603050405020304" pitchFamily="18" charset="0"/>
-              </a:rPr>
-              <a:t>`</a:t>
-            </a:r>
-            <a:r>
-              <a:rPr lang="en-US" sz="1500" dirty="0" err="1">
-                <a:solidFill>
-                  <a:srgbClr val="C00000"/>
-                </a:solidFill>
-                <a:latin typeface="Times New Roman" panose="02020603050405020304" pitchFamily="18" charset="0"/>
-                <a:cs typeface="Times New Roman" panose="02020603050405020304" pitchFamily="18" charset="0"/>
-              </a:rPr>
-              <a:t>cognome</a:t>
-            </a:r>
-            <a:r>
-              <a:rPr lang="en-US" sz="1500" dirty="0">
-                <a:solidFill>
-                  <a:srgbClr val="C00000"/>
-                </a:solidFill>
-                <a:latin typeface="Times New Roman" panose="02020603050405020304" pitchFamily="18" charset="0"/>
-                <a:cs typeface="Times New Roman" panose="02020603050405020304" pitchFamily="18" charset="0"/>
-              </a:rPr>
-              <a:t>`</a:t>
-            </a:r>
-            <a:r>
-              <a:rPr lang="en-US" sz="1500" dirty="0">
-                <a:latin typeface="Times New Roman" panose="02020603050405020304" pitchFamily="18" charset="0"/>
-                <a:cs typeface="Times New Roman" panose="02020603050405020304" pitchFamily="18" charset="0"/>
-              </a:rPr>
-              <a:t> </a:t>
-            </a:r>
-            <a:r>
-              <a:rPr lang="en-US" sz="1500" dirty="0">
-                <a:solidFill>
-                  <a:srgbClr val="00B0F0"/>
-                </a:solidFill>
-                <a:latin typeface="Times New Roman" panose="02020603050405020304" pitchFamily="18" charset="0"/>
-                <a:cs typeface="Times New Roman" panose="02020603050405020304" pitchFamily="18" charset="0"/>
-              </a:rPr>
-              <a:t>varchar</a:t>
-            </a:r>
-            <a:r>
-              <a:rPr lang="en-US" sz="1500" dirty="0">
-                <a:latin typeface="Times New Roman" panose="02020603050405020304" pitchFamily="18" charset="0"/>
-                <a:cs typeface="Times New Roman" panose="02020603050405020304" pitchFamily="18" charset="0"/>
-              </a:rPr>
-              <a:t>(</a:t>
-            </a:r>
-            <a:r>
-              <a:rPr lang="en-US" sz="1500" dirty="0">
-                <a:solidFill>
-                  <a:srgbClr val="FFC000"/>
-                </a:solidFill>
-                <a:latin typeface="Times New Roman" panose="02020603050405020304" pitchFamily="18" charset="0"/>
-                <a:cs typeface="Times New Roman" panose="02020603050405020304" pitchFamily="18" charset="0"/>
-              </a:rPr>
-              <a:t>45</a:t>
-            </a:r>
-            <a:r>
-              <a:rPr lang="en-US" sz="1500" dirty="0">
-                <a:latin typeface="Times New Roman" panose="02020603050405020304" pitchFamily="18" charset="0"/>
-                <a:cs typeface="Times New Roman" panose="02020603050405020304" pitchFamily="18" charset="0"/>
-              </a:rPr>
-              <a:t>) </a:t>
-            </a:r>
-            <a:r>
-              <a:rPr lang="en-US" sz="1500" dirty="0">
-                <a:solidFill>
-                  <a:srgbClr val="00B0F0"/>
-                </a:solidFill>
-                <a:latin typeface="Times New Roman" panose="02020603050405020304" pitchFamily="18" charset="0"/>
-                <a:cs typeface="Times New Roman" panose="02020603050405020304" pitchFamily="18" charset="0"/>
-              </a:rPr>
-              <a:t>NOT NULL</a:t>
-            </a:r>
-            <a:r>
-              <a:rPr lang="en-US" sz="1500" dirty="0">
-                <a:latin typeface="Times New Roman" panose="02020603050405020304" pitchFamily="18" charset="0"/>
-                <a:cs typeface="Times New Roman" panose="02020603050405020304" pitchFamily="18" charset="0"/>
-              </a:rPr>
-              <a:t>,  </a:t>
-            </a:r>
-          </a:p>
-          <a:p>
-            <a:pPr marL="0" indent="0">
-              <a:spcBef>
-                <a:spcPts val="0"/>
-              </a:spcBef>
-              <a:buNone/>
-            </a:pPr>
-            <a:r>
-              <a:rPr lang="en-US" sz="1500" dirty="0">
-                <a:latin typeface="Times New Roman" panose="02020603050405020304" pitchFamily="18" charset="0"/>
-                <a:cs typeface="Times New Roman" panose="02020603050405020304" pitchFamily="18" charset="0"/>
-              </a:rPr>
-              <a:t>	</a:t>
-            </a:r>
-            <a:r>
-              <a:rPr lang="en-US" sz="1500" dirty="0">
-                <a:solidFill>
-                  <a:srgbClr val="C00000"/>
-                </a:solidFill>
-                <a:latin typeface="Times New Roman" panose="02020603050405020304" pitchFamily="18" charset="0"/>
-                <a:cs typeface="Times New Roman" panose="02020603050405020304" pitchFamily="18" charset="0"/>
-              </a:rPr>
-              <a:t>`email`</a:t>
-            </a:r>
-            <a:r>
-              <a:rPr lang="en-US" sz="1500" dirty="0">
-                <a:latin typeface="Times New Roman" panose="02020603050405020304" pitchFamily="18" charset="0"/>
-                <a:cs typeface="Times New Roman" panose="02020603050405020304" pitchFamily="18" charset="0"/>
-              </a:rPr>
-              <a:t> </a:t>
-            </a:r>
-            <a:r>
-              <a:rPr lang="en-US" sz="1500" dirty="0">
-                <a:solidFill>
-                  <a:srgbClr val="00B0F0"/>
-                </a:solidFill>
-                <a:latin typeface="Times New Roman" panose="02020603050405020304" pitchFamily="18" charset="0"/>
-                <a:cs typeface="Times New Roman" panose="02020603050405020304" pitchFamily="18" charset="0"/>
-              </a:rPr>
-              <a:t>varchar</a:t>
-            </a:r>
-            <a:r>
-              <a:rPr lang="en-US" sz="1500" dirty="0">
-                <a:latin typeface="Times New Roman" panose="02020603050405020304" pitchFamily="18" charset="0"/>
-                <a:cs typeface="Times New Roman" panose="02020603050405020304" pitchFamily="18" charset="0"/>
-              </a:rPr>
-              <a:t>(</a:t>
-            </a:r>
-            <a:r>
-              <a:rPr lang="en-US" sz="1500" dirty="0">
-                <a:solidFill>
-                  <a:srgbClr val="FFC000"/>
-                </a:solidFill>
-                <a:latin typeface="Times New Roman" panose="02020603050405020304" pitchFamily="18" charset="0"/>
-                <a:cs typeface="Times New Roman" panose="02020603050405020304" pitchFamily="18" charset="0"/>
-              </a:rPr>
-              <a:t>45</a:t>
-            </a:r>
-            <a:r>
-              <a:rPr lang="en-US" sz="1500" dirty="0">
-                <a:latin typeface="Times New Roman" panose="02020603050405020304" pitchFamily="18" charset="0"/>
-                <a:cs typeface="Times New Roman" panose="02020603050405020304" pitchFamily="18" charset="0"/>
-              </a:rPr>
-              <a:t>) </a:t>
-            </a:r>
-            <a:r>
-              <a:rPr lang="en-US" sz="1500" dirty="0">
-                <a:solidFill>
-                  <a:srgbClr val="00B0F0"/>
-                </a:solidFill>
-                <a:latin typeface="Times New Roman" panose="02020603050405020304" pitchFamily="18" charset="0"/>
-                <a:cs typeface="Times New Roman" panose="02020603050405020304" pitchFamily="18" charset="0"/>
-              </a:rPr>
-              <a:t>NOT NULL</a:t>
-            </a:r>
-            <a:r>
-              <a:rPr lang="en-US" sz="1500" dirty="0">
-                <a:latin typeface="Times New Roman" panose="02020603050405020304" pitchFamily="18" charset="0"/>
-                <a:cs typeface="Times New Roman" panose="02020603050405020304" pitchFamily="18" charset="0"/>
-              </a:rPr>
-              <a:t>,  </a:t>
-            </a:r>
-          </a:p>
-          <a:p>
-            <a:pPr marL="0" indent="0">
-              <a:spcBef>
-                <a:spcPts val="0"/>
-              </a:spcBef>
-              <a:buNone/>
-            </a:pPr>
-            <a:r>
-              <a:rPr lang="en-US" sz="1500" dirty="0">
-                <a:latin typeface="Times New Roman" panose="02020603050405020304" pitchFamily="18" charset="0"/>
-                <a:cs typeface="Times New Roman" panose="02020603050405020304" pitchFamily="18" charset="0"/>
-              </a:rPr>
-              <a:t>	</a:t>
-            </a:r>
-            <a:r>
-              <a:rPr lang="en-US" sz="1500" dirty="0">
-                <a:solidFill>
-                  <a:srgbClr val="C00000"/>
-                </a:solidFill>
-                <a:latin typeface="Times New Roman" panose="02020603050405020304" pitchFamily="18" charset="0"/>
-                <a:cs typeface="Times New Roman" panose="02020603050405020304" pitchFamily="18" charset="0"/>
-              </a:rPr>
-              <a:t>`password`</a:t>
-            </a:r>
-            <a:r>
-              <a:rPr lang="en-US" sz="1500" dirty="0">
-                <a:latin typeface="Times New Roman" panose="02020603050405020304" pitchFamily="18" charset="0"/>
-                <a:cs typeface="Times New Roman" panose="02020603050405020304" pitchFamily="18" charset="0"/>
-              </a:rPr>
-              <a:t> </a:t>
-            </a:r>
-            <a:r>
-              <a:rPr lang="en-US" sz="1500" dirty="0">
-                <a:solidFill>
-                  <a:srgbClr val="00B0F0"/>
-                </a:solidFill>
-                <a:latin typeface="Times New Roman" panose="02020603050405020304" pitchFamily="18" charset="0"/>
-                <a:cs typeface="Times New Roman" panose="02020603050405020304" pitchFamily="18" charset="0"/>
-              </a:rPr>
-              <a:t>varchar</a:t>
-            </a:r>
-            <a:r>
-              <a:rPr lang="en-US" sz="1500" dirty="0">
-                <a:latin typeface="Times New Roman" panose="02020603050405020304" pitchFamily="18" charset="0"/>
-                <a:cs typeface="Times New Roman" panose="02020603050405020304" pitchFamily="18" charset="0"/>
-              </a:rPr>
-              <a:t>(255) </a:t>
-            </a:r>
-            <a:r>
-              <a:rPr lang="en-US" sz="1500" dirty="0">
-                <a:solidFill>
-                  <a:srgbClr val="00B0F0"/>
-                </a:solidFill>
-                <a:latin typeface="Times New Roman" panose="02020603050405020304" pitchFamily="18" charset="0"/>
-                <a:cs typeface="Times New Roman" panose="02020603050405020304" pitchFamily="18" charset="0"/>
-              </a:rPr>
-              <a:t>NOT NULL</a:t>
-            </a:r>
-            <a:r>
-              <a:rPr lang="en-US" sz="1500" dirty="0">
-                <a:latin typeface="Times New Roman" panose="02020603050405020304" pitchFamily="18" charset="0"/>
-                <a:cs typeface="Times New Roman" panose="02020603050405020304" pitchFamily="18" charset="0"/>
-              </a:rPr>
-              <a:t>,  </a:t>
-            </a:r>
-          </a:p>
-          <a:p>
-            <a:pPr marL="0" indent="0">
-              <a:spcBef>
-                <a:spcPts val="0"/>
-              </a:spcBef>
-              <a:buNone/>
-            </a:pPr>
-            <a:r>
-              <a:rPr lang="en-US" sz="1500" dirty="0">
-                <a:latin typeface="Times New Roman" panose="02020603050405020304" pitchFamily="18" charset="0"/>
-                <a:cs typeface="Times New Roman" panose="02020603050405020304" pitchFamily="18" charset="0"/>
-              </a:rPr>
-              <a:t>	</a:t>
-            </a:r>
-            <a:r>
-              <a:rPr lang="en-US" sz="1500" dirty="0">
-                <a:solidFill>
-                  <a:srgbClr val="C00000"/>
-                </a:solidFill>
-                <a:latin typeface="Times New Roman" panose="02020603050405020304" pitchFamily="18" charset="0"/>
-                <a:cs typeface="Times New Roman" panose="02020603050405020304" pitchFamily="18" charset="0"/>
-              </a:rPr>
-              <a:t>`</a:t>
-            </a:r>
-            <a:r>
-              <a:rPr lang="en-US" sz="1500" dirty="0" err="1">
-                <a:solidFill>
-                  <a:srgbClr val="C00000"/>
-                </a:solidFill>
-                <a:latin typeface="Times New Roman" panose="02020603050405020304" pitchFamily="18" charset="0"/>
-                <a:cs typeface="Times New Roman" panose="02020603050405020304" pitchFamily="18" charset="0"/>
-              </a:rPr>
-              <a:t>indirizzo</a:t>
-            </a:r>
-            <a:r>
-              <a:rPr lang="en-US" sz="1500" dirty="0">
-                <a:solidFill>
-                  <a:srgbClr val="C00000"/>
-                </a:solidFill>
-                <a:latin typeface="Times New Roman" panose="02020603050405020304" pitchFamily="18" charset="0"/>
-                <a:cs typeface="Times New Roman" panose="02020603050405020304" pitchFamily="18" charset="0"/>
-              </a:rPr>
-              <a:t>`</a:t>
-            </a:r>
-            <a:r>
-              <a:rPr lang="en-US" sz="1500" dirty="0">
-                <a:latin typeface="Times New Roman" panose="02020603050405020304" pitchFamily="18" charset="0"/>
-                <a:cs typeface="Times New Roman" panose="02020603050405020304" pitchFamily="18" charset="0"/>
-              </a:rPr>
-              <a:t> </a:t>
-            </a:r>
-            <a:r>
-              <a:rPr lang="en-US" sz="1500" dirty="0">
-                <a:solidFill>
-                  <a:srgbClr val="00B0F0"/>
-                </a:solidFill>
-                <a:latin typeface="Times New Roman" panose="02020603050405020304" pitchFamily="18" charset="0"/>
-                <a:cs typeface="Times New Roman" panose="02020603050405020304" pitchFamily="18" charset="0"/>
-              </a:rPr>
-              <a:t>varchar</a:t>
-            </a:r>
-            <a:r>
-              <a:rPr lang="en-US" sz="1500" dirty="0">
-                <a:latin typeface="Times New Roman" panose="02020603050405020304" pitchFamily="18" charset="0"/>
-                <a:cs typeface="Times New Roman" panose="02020603050405020304" pitchFamily="18" charset="0"/>
-              </a:rPr>
-              <a:t>(</a:t>
-            </a:r>
-            <a:r>
-              <a:rPr lang="en-US" sz="1500" dirty="0">
-                <a:solidFill>
-                  <a:srgbClr val="FFC000"/>
-                </a:solidFill>
-                <a:latin typeface="Times New Roman" panose="02020603050405020304" pitchFamily="18" charset="0"/>
-                <a:cs typeface="Times New Roman" panose="02020603050405020304" pitchFamily="18" charset="0"/>
-              </a:rPr>
-              <a:t>45</a:t>
-            </a:r>
-            <a:r>
-              <a:rPr lang="en-US" sz="1500" dirty="0">
-                <a:latin typeface="Times New Roman" panose="02020603050405020304" pitchFamily="18" charset="0"/>
-                <a:cs typeface="Times New Roman" panose="02020603050405020304" pitchFamily="18" charset="0"/>
-              </a:rPr>
-              <a:t>) </a:t>
-            </a:r>
-            <a:r>
-              <a:rPr lang="en-US" sz="1500" dirty="0">
-                <a:solidFill>
-                  <a:srgbClr val="00B0F0"/>
-                </a:solidFill>
-                <a:latin typeface="Times New Roman" panose="02020603050405020304" pitchFamily="18" charset="0"/>
-                <a:cs typeface="Times New Roman" panose="02020603050405020304" pitchFamily="18" charset="0"/>
-              </a:rPr>
-              <a:t>NOT NULL</a:t>
-            </a:r>
-            <a:r>
-              <a:rPr lang="en-US" sz="1500" dirty="0">
-                <a:latin typeface="Times New Roman" panose="02020603050405020304" pitchFamily="18" charset="0"/>
-                <a:cs typeface="Times New Roman" panose="02020603050405020304" pitchFamily="18" charset="0"/>
-              </a:rPr>
-              <a:t>,  </a:t>
-            </a:r>
-          </a:p>
-          <a:p>
-            <a:pPr marL="0" indent="0">
-              <a:spcBef>
-                <a:spcPts val="0"/>
-              </a:spcBef>
-              <a:buNone/>
-            </a:pPr>
-            <a:r>
-              <a:rPr lang="en-US" sz="1500" dirty="0">
-                <a:latin typeface="Times New Roman" panose="02020603050405020304" pitchFamily="18" charset="0"/>
-                <a:cs typeface="Times New Roman" panose="02020603050405020304" pitchFamily="18" charset="0"/>
-              </a:rPr>
-              <a:t>	</a:t>
-            </a:r>
-            <a:r>
-              <a:rPr lang="en-US" sz="1500" dirty="0">
-                <a:solidFill>
-                  <a:srgbClr val="00B0F0"/>
-                </a:solidFill>
-                <a:latin typeface="Times New Roman" panose="02020603050405020304" pitchFamily="18" charset="0"/>
-                <a:cs typeface="Times New Roman" panose="02020603050405020304" pitchFamily="18" charset="0"/>
-              </a:rPr>
-              <a:t>PRIMARY KEY</a:t>
-            </a:r>
-            <a:r>
-              <a:rPr lang="en-US" sz="1500" dirty="0">
-                <a:latin typeface="Times New Roman" panose="02020603050405020304" pitchFamily="18" charset="0"/>
-                <a:cs typeface="Times New Roman" panose="02020603050405020304" pitchFamily="18" charset="0"/>
-              </a:rPr>
-              <a:t> (</a:t>
-            </a:r>
-            <a:r>
-              <a:rPr lang="en-US" sz="1500" dirty="0">
-                <a:solidFill>
-                  <a:srgbClr val="C00000"/>
-                </a:solidFill>
-                <a:latin typeface="Times New Roman" panose="02020603050405020304" pitchFamily="18" charset="0"/>
-                <a:cs typeface="Times New Roman" panose="02020603050405020304" pitchFamily="18" charset="0"/>
-              </a:rPr>
-              <a:t>`</a:t>
-            </a:r>
-            <a:r>
-              <a:rPr lang="en-US" sz="1500" dirty="0" err="1">
-                <a:solidFill>
-                  <a:srgbClr val="C00000"/>
-                </a:solidFill>
-                <a:latin typeface="Times New Roman" panose="02020603050405020304" pitchFamily="18" charset="0"/>
-                <a:cs typeface="Times New Roman" panose="02020603050405020304" pitchFamily="18" charset="0"/>
-              </a:rPr>
-              <a:t>idUtente</a:t>
-            </a:r>
-            <a:r>
-              <a:rPr lang="en-US" sz="1500" dirty="0">
-                <a:solidFill>
-                  <a:srgbClr val="C00000"/>
-                </a:solidFill>
-                <a:latin typeface="Times New Roman" panose="02020603050405020304" pitchFamily="18" charset="0"/>
-                <a:cs typeface="Times New Roman" panose="02020603050405020304" pitchFamily="18" charset="0"/>
-              </a:rPr>
-              <a:t>`</a:t>
-            </a:r>
-            <a:r>
-              <a:rPr lang="en-US" sz="1500" dirty="0">
-                <a:latin typeface="Times New Roman" panose="02020603050405020304" pitchFamily="18" charset="0"/>
-                <a:cs typeface="Times New Roman" panose="02020603050405020304" pitchFamily="18" charset="0"/>
-              </a:rPr>
-              <a:t>),  </a:t>
-            </a:r>
-          </a:p>
-          <a:p>
-            <a:pPr marL="0" indent="0">
-              <a:spcBef>
-                <a:spcPts val="0"/>
-              </a:spcBef>
-              <a:buNone/>
-            </a:pPr>
-            <a:r>
-              <a:rPr lang="en-US" sz="1500" dirty="0">
-                <a:latin typeface="Times New Roman" panose="02020603050405020304" pitchFamily="18" charset="0"/>
-                <a:cs typeface="Times New Roman" panose="02020603050405020304" pitchFamily="18" charset="0"/>
-              </a:rPr>
-              <a:t>	</a:t>
-            </a:r>
-            <a:r>
-              <a:rPr lang="en-US" sz="1500" dirty="0">
-                <a:solidFill>
-                  <a:srgbClr val="00B0F0"/>
-                </a:solidFill>
-                <a:latin typeface="Times New Roman" panose="02020603050405020304" pitchFamily="18" charset="0"/>
-                <a:cs typeface="Times New Roman" panose="02020603050405020304" pitchFamily="18" charset="0"/>
-              </a:rPr>
-              <a:t>UNIQUE KEY </a:t>
-            </a:r>
-            <a:r>
-              <a:rPr lang="en-US" sz="1500" dirty="0">
-                <a:solidFill>
-                  <a:srgbClr val="C00000"/>
-                </a:solidFill>
-                <a:latin typeface="Times New Roman" panose="02020603050405020304" pitchFamily="18" charset="0"/>
-                <a:cs typeface="Times New Roman" panose="02020603050405020304" pitchFamily="18" charset="0"/>
-              </a:rPr>
-              <a:t>`</a:t>
-            </a:r>
-            <a:r>
-              <a:rPr lang="en-US" sz="1500" dirty="0" err="1">
-                <a:solidFill>
-                  <a:srgbClr val="C00000"/>
-                </a:solidFill>
-                <a:latin typeface="Times New Roman" panose="02020603050405020304" pitchFamily="18" charset="0"/>
-                <a:cs typeface="Times New Roman" panose="02020603050405020304" pitchFamily="18" charset="0"/>
-              </a:rPr>
-              <a:t>email_UNIQUE</a:t>
-            </a:r>
-            <a:r>
-              <a:rPr lang="en-US" sz="1500" dirty="0">
-                <a:solidFill>
-                  <a:srgbClr val="C00000"/>
-                </a:solidFill>
-                <a:latin typeface="Times New Roman" panose="02020603050405020304" pitchFamily="18" charset="0"/>
-                <a:cs typeface="Times New Roman" panose="02020603050405020304" pitchFamily="18" charset="0"/>
-              </a:rPr>
-              <a:t>`</a:t>
-            </a:r>
-            <a:r>
-              <a:rPr lang="en-US" sz="1500" dirty="0">
-                <a:latin typeface="Times New Roman" panose="02020603050405020304" pitchFamily="18" charset="0"/>
-                <a:cs typeface="Times New Roman" panose="02020603050405020304" pitchFamily="18" charset="0"/>
-              </a:rPr>
-              <a:t> (</a:t>
-            </a:r>
-            <a:r>
-              <a:rPr lang="en-US" sz="1500" dirty="0">
-                <a:solidFill>
-                  <a:srgbClr val="C00000"/>
-                </a:solidFill>
-                <a:latin typeface="Times New Roman" panose="02020603050405020304" pitchFamily="18" charset="0"/>
-                <a:cs typeface="Times New Roman" panose="02020603050405020304" pitchFamily="18" charset="0"/>
-              </a:rPr>
-              <a:t>`email`</a:t>
-            </a:r>
-            <a:r>
-              <a:rPr lang="en-US" sz="1500" dirty="0">
-                <a:latin typeface="Times New Roman" panose="02020603050405020304" pitchFamily="18" charset="0"/>
-                <a:cs typeface="Times New Roman" panose="02020603050405020304" pitchFamily="18" charset="0"/>
-              </a:rPr>
-              <a:t>)</a:t>
-            </a:r>
-          </a:p>
-          <a:p>
-            <a:pPr marL="0" indent="0">
-              <a:spcBef>
-                <a:spcPts val="0"/>
-              </a:spcBef>
-              <a:buNone/>
-            </a:pPr>
-            <a:r>
-              <a:rPr lang="en-US" sz="1500" dirty="0">
-                <a:latin typeface="Times New Roman" panose="02020603050405020304" pitchFamily="18" charset="0"/>
-                <a:cs typeface="Times New Roman" panose="02020603050405020304" pitchFamily="18" charset="0"/>
-              </a:rPr>
-              <a:t>);</a:t>
-            </a:r>
-          </a:p>
-        </p:txBody>
-      </p:sp>
-    </p:spTree>
-    <p:extLst>
-      <p:ext uri="{BB962C8B-B14F-4D97-AF65-F5344CB8AC3E}">
-        <p14:creationId xmlns:p14="http://schemas.microsoft.com/office/powerpoint/2010/main" val="2628600513"/>
       </p:ext>
     </p:extLst>
   </p:cSld>

--- a/docs/Presentation.pptx
+++ b/docs/Presentation.pptx
@@ -1,9 +1,12 @@
 
 <file path=ppt/presentation.xml><?xml version="1.0" encoding="utf-8"?>
-<p:presentation xmlns:a="http://schemas.openxmlformats.org/drawingml/2006/main" xmlns:r="http://schemas.openxmlformats.org/officeDocument/2006/relationships" xmlns:p="http://schemas.openxmlformats.org/presentationml/2006/main" saveSubsetFonts="1">
+<p:presentation xmlns:a="http://schemas.openxmlformats.org/drawingml/2006/main" xmlns:r="http://schemas.openxmlformats.org/officeDocument/2006/relationships" xmlns:p="http://schemas.openxmlformats.org/presentationml/2006/main" showSpecialPlsOnTitleSld="0" saveSubsetFonts="1">
   <p:sldMasterIdLst>
     <p:sldMasterId id="2147483739" r:id="rId1"/>
   </p:sldMasterIdLst>
+  <p:notesMasterIdLst>
+    <p:notesMasterId r:id="rId16"/>
+  </p:notesMasterIdLst>
   <p:sldIdLst>
     <p:sldId id="256" r:id="rId2"/>
     <p:sldId id="257" r:id="rId3"/>
@@ -123,6 +126,355 @@
     </p:ext>
   </p:extLst>
 </p:presentation>
+</file>
+
+<file path=ppt/notesMasters/notesMaster1.xml><?xml version="1.0" encoding="utf-8"?>
+<p:notesMaster xmlns:a="http://schemas.openxmlformats.org/drawingml/2006/main" xmlns:r="http://schemas.openxmlformats.org/officeDocument/2006/relationships" xmlns:p="http://schemas.openxmlformats.org/presentationml/2006/main">
+  <p:cSld>
+    <p:bg>
+      <p:bgRef idx="1001">
+        <a:schemeClr val="bg1"/>
+      </p:bgRef>
+    </p:bg>
+    <p:spTree>
+      <p:nvGrpSpPr>
+        <p:cNvPr id="1" name=""/>
+        <p:cNvGrpSpPr/>
+        <p:nvPr/>
+      </p:nvGrpSpPr>
+      <p:grpSpPr>
+        <a:xfrm>
+          <a:off x="0" y="0"/>
+          <a:ext cx="0" cy="0"/>
+          <a:chOff x="0" y="0"/>
+          <a:chExt cx="0" cy="0"/>
+        </a:xfrm>
+      </p:grpSpPr>
+      <p:sp>
+        <p:nvSpPr>
+          <p:cNvPr id="2" name="Segnaposto intestazione 1"/>
+          <p:cNvSpPr>
+            <a:spLocks noGrp="1"/>
+          </p:cNvSpPr>
+          <p:nvPr>
+            <p:ph type="hdr" sz="quarter"/>
+          </p:nvPr>
+        </p:nvSpPr>
+        <p:spPr>
+          <a:xfrm>
+            <a:off x="0" y="0"/>
+            <a:ext cx="2971800" cy="458788"/>
+          </a:xfrm>
+          <a:prstGeom prst="rect">
+            <a:avLst/>
+          </a:prstGeom>
+        </p:spPr>
+        <p:txBody>
+          <a:bodyPr vert="horz" lIns="91440" tIns="45720" rIns="91440" bIns="45720" rtlCol="0"/>
+          <a:lstStyle>
+            <a:lvl1pPr algn="l">
+              <a:defRPr sz="1200"/>
+            </a:lvl1pPr>
+          </a:lstStyle>
+          <a:p>
+            <a:endParaRPr lang="it-IT"/>
+          </a:p>
+        </p:txBody>
+      </p:sp>
+      <p:sp>
+        <p:nvSpPr>
+          <p:cNvPr id="3" name="Segnaposto data 2"/>
+          <p:cNvSpPr>
+            <a:spLocks noGrp="1"/>
+          </p:cNvSpPr>
+          <p:nvPr>
+            <p:ph type="dt" idx="1"/>
+          </p:nvPr>
+        </p:nvSpPr>
+        <p:spPr>
+          <a:xfrm>
+            <a:off x="3884613" y="0"/>
+            <a:ext cx="2971800" cy="458788"/>
+          </a:xfrm>
+          <a:prstGeom prst="rect">
+            <a:avLst/>
+          </a:prstGeom>
+        </p:spPr>
+        <p:txBody>
+          <a:bodyPr vert="horz" lIns="91440" tIns="45720" rIns="91440" bIns="45720" rtlCol="0"/>
+          <a:lstStyle>
+            <a:lvl1pPr algn="r">
+              <a:defRPr sz="1200"/>
+            </a:lvl1pPr>
+          </a:lstStyle>
+          <a:p>
+            <a:fld id="{35601A18-2790-4E0D-9E0A-B60FBFBE341A}" type="datetimeFigureOut">
+              <a:rPr lang="it-IT" smtClean="0"/>
+              <a:t>06/06/2023</a:t>
+            </a:fld>
+            <a:endParaRPr lang="it-IT"/>
+          </a:p>
+        </p:txBody>
+      </p:sp>
+      <p:sp>
+        <p:nvSpPr>
+          <p:cNvPr id="4" name="Segnaposto immagine diapositiva 3"/>
+          <p:cNvSpPr>
+            <a:spLocks noGrp="1" noRot="1" noChangeAspect="1"/>
+          </p:cNvSpPr>
+          <p:nvPr>
+            <p:ph type="sldImg" idx="2"/>
+          </p:nvPr>
+        </p:nvSpPr>
+        <p:spPr>
+          <a:xfrm>
+            <a:off x="685800" y="1143000"/>
+            <a:ext cx="5486400" cy="3086100"/>
+          </a:xfrm>
+          <a:prstGeom prst="rect">
+            <a:avLst/>
+          </a:prstGeom>
+          <a:noFill/>
+          <a:ln w="12700">
+            <a:solidFill>
+              <a:prstClr val="black"/>
+            </a:solidFill>
+          </a:ln>
+        </p:spPr>
+        <p:txBody>
+          <a:bodyPr vert="horz" lIns="91440" tIns="45720" rIns="91440" bIns="45720" rtlCol="0" anchor="ctr"/>
+          <a:lstStyle/>
+          <a:p>
+            <a:endParaRPr lang="it-IT"/>
+          </a:p>
+        </p:txBody>
+      </p:sp>
+      <p:sp>
+        <p:nvSpPr>
+          <p:cNvPr id="5" name="Segnaposto note 4"/>
+          <p:cNvSpPr>
+            <a:spLocks noGrp="1"/>
+          </p:cNvSpPr>
+          <p:nvPr>
+            <p:ph type="body" sz="quarter" idx="3"/>
+          </p:nvPr>
+        </p:nvSpPr>
+        <p:spPr>
+          <a:xfrm>
+            <a:off x="685800" y="4400550"/>
+            <a:ext cx="5486400" cy="3600450"/>
+          </a:xfrm>
+          <a:prstGeom prst="rect">
+            <a:avLst/>
+          </a:prstGeom>
+        </p:spPr>
+        <p:txBody>
+          <a:bodyPr vert="horz" lIns="91440" tIns="45720" rIns="91440" bIns="45720" rtlCol="0"/>
+          <a:lstStyle/>
+          <a:p>
+            <a:pPr lvl="0"/>
+            <a:r>
+              <a:rPr lang="it-IT"/>
+              <a:t>Fare clic per modificare gli stili del testo dello schema</a:t>
+            </a:r>
+          </a:p>
+          <a:p>
+            <a:pPr lvl="1"/>
+            <a:r>
+              <a:rPr lang="it-IT"/>
+              <a:t>Secondo livello</a:t>
+            </a:r>
+          </a:p>
+          <a:p>
+            <a:pPr lvl="2"/>
+            <a:r>
+              <a:rPr lang="it-IT"/>
+              <a:t>Terzo livello</a:t>
+            </a:r>
+          </a:p>
+          <a:p>
+            <a:pPr lvl="3"/>
+            <a:r>
+              <a:rPr lang="it-IT"/>
+              <a:t>Quarto livello</a:t>
+            </a:r>
+          </a:p>
+          <a:p>
+            <a:pPr lvl="4"/>
+            <a:r>
+              <a:rPr lang="it-IT"/>
+              <a:t>Quinto livello</a:t>
+            </a:r>
+          </a:p>
+        </p:txBody>
+      </p:sp>
+      <p:sp>
+        <p:nvSpPr>
+          <p:cNvPr id="6" name="Segnaposto piè di pagina 5"/>
+          <p:cNvSpPr>
+            <a:spLocks noGrp="1"/>
+          </p:cNvSpPr>
+          <p:nvPr>
+            <p:ph type="ftr" sz="quarter" idx="4"/>
+          </p:nvPr>
+        </p:nvSpPr>
+        <p:spPr>
+          <a:xfrm>
+            <a:off x="0" y="8685213"/>
+            <a:ext cx="2971800" cy="458787"/>
+          </a:xfrm>
+          <a:prstGeom prst="rect">
+            <a:avLst/>
+          </a:prstGeom>
+        </p:spPr>
+        <p:txBody>
+          <a:bodyPr vert="horz" lIns="91440" tIns="45720" rIns="91440" bIns="45720" rtlCol="0" anchor="b"/>
+          <a:lstStyle>
+            <a:lvl1pPr algn="l">
+              <a:defRPr sz="1200"/>
+            </a:lvl1pPr>
+          </a:lstStyle>
+          <a:p>
+            <a:endParaRPr lang="it-IT"/>
+          </a:p>
+        </p:txBody>
+      </p:sp>
+      <p:sp>
+        <p:nvSpPr>
+          <p:cNvPr id="7" name="Segnaposto numero diapositiva 6"/>
+          <p:cNvSpPr>
+            <a:spLocks noGrp="1"/>
+          </p:cNvSpPr>
+          <p:nvPr>
+            <p:ph type="sldNum" sz="quarter" idx="5"/>
+          </p:nvPr>
+        </p:nvSpPr>
+        <p:spPr>
+          <a:xfrm>
+            <a:off x="3884613" y="8685213"/>
+            <a:ext cx="2971800" cy="458787"/>
+          </a:xfrm>
+          <a:prstGeom prst="rect">
+            <a:avLst/>
+          </a:prstGeom>
+        </p:spPr>
+        <p:txBody>
+          <a:bodyPr vert="horz" lIns="91440" tIns="45720" rIns="91440" bIns="45720" rtlCol="0" anchor="b"/>
+          <a:lstStyle>
+            <a:lvl1pPr algn="r">
+              <a:defRPr sz="1200"/>
+            </a:lvl1pPr>
+          </a:lstStyle>
+          <a:p>
+            <a:fld id="{EFC57D4E-9DCC-4F5D-8818-11FED0C6A79E}" type="slidenum">
+              <a:rPr lang="it-IT" smtClean="0"/>
+              <a:t>‹N›</a:t>
+            </a:fld>
+            <a:endParaRPr lang="it-IT"/>
+          </a:p>
+        </p:txBody>
+      </p:sp>
+    </p:spTree>
+    <p:extLst>
+      <p:ext uri="{BB962C8B-B14F-4D97-AF65-F5344CB8AC3E}">
+        <p14:creationId xmlns:p14="http://schemas.microsoft.com/office/powerpoint/2010/main" val="549262982"/>
+      </p:ext>
+    </p:extLst>
+  </p:cSld>
+  <p:clrMap bg1="lt1" tx1="dk1" bg2="lt2" tx2="dk2" accent1="accent1" accent2="accent2" accent3="accent3" accent4="accent4" accent5="accent5" accent6="accent6" hlink="hlink" folHlink="folHlink"/>
+  <p:notesStyle>
+    <a:lvl1pPr marL="0" algn="l" defTabSz="914400" rtl="0" eaLnBrk="1" latinLnBrk="0" hangingPunct="1">
+      <a:defRPr sz="1200" kern="1200">
+        <a:solidFill>
+          <a:schemeClr val="tx1"/>
+        </a:solidFill>
+        <a:latin typeface="+mn-lt"/>
+        <a:ea typeface="+mn-ea"/>
+        <a:cs typeface="+mn-cs"/>
+      </a:defRPr>
+    </a:lvl1pPr>
+    <a:lvl2pPr marL="457200" algn="l" defTabSz="914400" rtl="0" eaLnBrk="1" latinLnBrk="0" hangingPunct="1">
+      <a:defRPr sz="1200" kern="1200">
+        <a:solidFill>
+          <a:schemeClr val="tx1"/>
+        </a:solidFill>
+        <a:latin typeface="+mn-lt"/>
+        <a:ea typeface="+mn-ea"/>
+        <a:cs typeface="+mn-cs"/>
+      </a:defRPr>
+    </a:lvl2pPr>
+    <a:lvl3pPr marL="914400" algn="l" defTabSz="914400" rtl="0" eaLnBrk="1" latinLnBrk="0" hangingPunct="1">
+      <a:defRPr sz="1200" kern="1200">
+        <a:solidFill>
+          <a:schemeClr val="tx1"/>
+        </a:solidFill>
+        <a:latin typeface="+mn-lt"/>
+        <a:ea typeface="+mn-ea"/>
+        <a:cs typeface="+mn-cs"/>
+      </a:defRPr>
+    </a:lvl3pPr>
+    <a:lvl4pPr marL="1371600" algn="l" defTabSz="914400" rtl="0" eaLnBrk="1" latinLnBrk="0" hangingPunct="1">
+      <a:defRPr sz="1200" kern="1200">
+        <a:solidFill>
+          <a:schemeClr val="tx1"/>
+        </a:solidFill>
+        <a:latin typeface="+mn-lt"/>
+        <a:ea typeface="+mn-ea"/>
+        <a:cs typeface="+mn-cs"/>
+      </a:defRPr>
+    </a:lvl4pPr>
+    <a:lvl5pPr marL="1828800" algn="l" defTabSz="914400" rtl="0" eaLnBrk="1" latinLnBrk="0" hangingPunct="1">
+      <a:defRPr sz="1200" kern="1200">
+        <a:solidFill>
+          <a:schemeClr val="tx1"/>
+        </a:solidFill>
+        <a:latin typeface="+mn-lt"/>
+        <a:ea typeface="+mn-ea"/>
+        <a:cs typeface="+mn-cs"/>
+      </a:defRPr>
+    </a:lvl5pPr>
+    <a:lvl6pPr marL="2286000" algn="l" defTabSz="914400" rtl="0" eaLnBrk="1" latinLnBrk="0" hangingPunct="1">
+      <a:defRPr sz="1200" kern="1200">
+        <a:solidFill>
+          <a:schemeClr val="tx1"/>
+        </a:solidFill>
+        <a:latin typeface="+mn-lt"/>
+        <a:ea typeface="+mn-ea"/>
+        <a:cs typeface="+mn-cs"/>
+      </a:defRPr>
+    </a:lvl6pPr>
+    <a:lvl7pPr marL="2743200" algn="l" defTabSz="914400" rtl="0" eaLnBrk="1" latinLnBrk="0" hangingPunct="1">
+      <a:defRPr sz="1200" kern="1200">
+        <a:solidFill>
+          <a:schemeClr val="tx1"/>
+        </a:solidFill>
+        <a:latin typeface="+mn-lt"/>
+        <a:ea typeface="+mn-ea"/>
+        <a:cs typeface="+mn-cs"/>
+      </a:defRPr>
+    </a:lvl7pPr>
+    <a:lvl8pPr marL="3200400" algn="l" defTabSz="914400" rtl="0" eaLnBrk="1" latinLnBrk="0" hangingPunct="1">
+      <a:defRPr sz="1200" kern="1200">
+        <a:solidFill>
+          <a:schemeClr val="tx1"/>
+        </a:solidFill>
+        <a:latin typeface="+mn-lt"/>
+        <a:ea typeface="+mn-ea"/>
+        <a:cs typeface="+mn-cs"/>
+      </a:defRPr>
+    </a:lvl8pPr>
+    <a:lvl9pPr marL="3657600" algn="l" defTabSz="914400" rtl="0" eaLnBrk="1" latinLnBrk="0" hangingPunct="1">
+      <a:defRPr sz="1200" kern="1200">
+        <a:solidFill>
+          <a:schemeClr val="tx1"/>
+        </a:solidFill>
+        <a:latin typeface="+mn-lt"/>
+        <a:ea typeface="+mn-ea"/>
+        <a:cs typeface="+mn-cs"/>
+      </a:defRPr>
+    </a:lvl9pPr>
+  </p:notesStyle>
+</p:notesMaster>
 </file>
 
 <file path=ppt/slideLayouts/slideLayout1.xml><?xml version="1.0" encoding="utf-8"?>
@@ -832,30 +1184,6 @@
       </p:sp>
       <p:sp>
         <p:nvSpPr>
-          <p:cNvPr id="4" name="Date Placeholder 3"/>
-          <p:cNvSpPr>
-            <a:spLocks noGrp="1"/>
-          </p:cNvSpPr>
-          <p:nvPr>
-            <p:ph type="dt" sz="half" idx="10"/>
-          </p:nvPr>
-        </p:nvSpPr>
-        <p:spPr/>
-        <p:txBody>
-          <a:bodyPr/>
-          <a:lstStyle/>
-          <a:p>
-            <a:fld id="{D208048B-57AF-4F53-BC84-8E0A1033FBEC}" type="datetimeFigureOut">
-              <a:rPr lang="en-US" smtClean="0"/>
-              <a:pPr/>
-              <a:t>6/6/2023</a:t>
-            </a:fld>
-            <a:endParaRPr lang="en-US" dirty="0"/>
-          </a:p>
-        </p:txBody>
-      </p:sp>
-      <p:sp>
-        <p:nvSpPr>
           <p:cNvPr id="5" name="Footer Placeholder 4"/>
           <p:cNvSpPr>
             <a:spLocks noGrp="1"/>
@@ -869,6 +1197,10 @@
           <a:bodyPr/>
           <a:lstStyle/>
           <a:p>
+            <a:r>
+              <a:rPr lang="en-US"/>
+              <a:t>Traccia 1 - Spangaro, Ferlin</a:t>
+            </a:r>
             <a:endParaRPr lang="en-US" dirty="0"/>
           </a:p>
         </p:txBody>
@@ -883,7 +1215,12 @@
             <p:ph type="sldNum" sz="quarter" idx="12"/>
           </p:nvPr>
         </p:nvSpPr>
-        <p:spPr/>
+        <p:spPr>
+          <a:xfrm>
+            <a:off x="8228859" y="6492875"/>
+            <a:ext cx="683339" cy="365125"/>
+          </a:xfrm>
+        </p:spPr>
         <p:txBody>
           <a:bodyPr/>
           <a:lstStyle/>
@@ -1098,9 +1435,8 @@
           <a:bodyPr/>
           <a:lstStyle/>
           <a:p>
-            <a:fld id="{D208048B-57AF-4F53-BC84-8E0A1033FBEC}" type="datetimeFigureOut">
+            <a:fld id="{357907C4-9CB2-473C-8F1E-9EB7DA8C6EE5}" type="datetime1">
               <a:rPr lang="en-US" smtClean="0"/>
-              <a:pPr/>
               <a:t>6/6/2023</a:t>
             </a:fld>
             <a:endParaRPr lang="en-US" dirty="0"/>
@@ -1122,6 +1458,10 @@
           <a:bodyPr/>
           <a:lstStyle/>
           <a:p>
+            <a:r>
+              <a:rPr lang="en-US"/>
+              <a:t>Traccia 1 - Spangaro, Ferlin</a:t>
+            </a:r>
             <a:endParaRPr lang="en-US" dirty="0"/>
           </a:p>
         </p:txBody>
@@ -1414,9 +1754,8 @@
           <a:bodyPr/>
           <a:lstStyle/>
           <a:p>
-            <a:fld id="{D208048B-57AF-4F53-BC84-8E0A1033FBEC}" type="datetimeFigureOut">
+            <a:fld id="{6FC8DCB0-6640-4A72-9CF4-93F869B697D6}" type="datetime1">
               <a:rPr lang="en-US" smtClean="0"/>
-              <a:pPr/>
               <a:t>6/6/2023</a:t>
             </a:fld>
             <a:endParaRPr lang="en-US" dirty="0"/>
@@ -1438,6 +1777,10 @@
           <a:bodyPr/>
           <a:lstStyle/>
           <a:p>
+            <a:r>
+              <a:rPr lang="en-US"/>
+              <a:t>Traccia 1 - Spangaro, Ferlin</a:t>
+            </a:r>
             <a:endParaRPr lang="en-US" dirty="0"/>
           </a:p>
         </p:txBody>
@@ -1757,9 +2100,8 @@
           <a:bodyPr/>
           <a:lstStyle/>
           <a:p>
-            <a:fld id="{D208048B-57AF-4F53-BC84-8E0A1033FBEC}" type="datetimeFigureOut">
+            <a:fld id="{D67E8864-7085-440F-B607-8BAD8B9A09ED}" type="datetime1">
               <a:rPr lang="en-US" smtClean="0"/>
-              <a:pPr/>
               <a:t>6/6/2023</a:t>
             </a:fld>
             <a:endParaRPr lang="en-US" dirty="0"/>
@@ -1781,6 +2123,10 @@
           <a:bodyPr/>
           <a:lstStyle/>
           <a:p>
+            <a:r>
+              <a:rPr lang="en-US"/>
+              <a:t>Traccia 1 - Spangaro, Ferlin</a:t>
+            </a:r>
             <a:endParaRPr lang="en-US" dirty="0"/>
           </a:p>
         </p:txBody>
@@ -2073,9 +2419,8 @@
           <a:bodyPr/>
           <a:lstStyle/>
           <a:p>
-            <a:fld id="{D208048B-57AF-4F53-BC84-8E0A1033FBEC}" type="datetimeFigureOut">
+            <a:fld id="{2912CAFD-8303-400C-A997-D52B48155AB3}" type="datetime1">
               <a:rPr lang="en-US" smtClean="0"/>
-              <a:pPr/>
               <a:t>6/6/2023</a:t>
             </a:fld>
             <a:endParaRPr lang="en-US" dirty="0"/>
@@ -2097,6 +2442,10 @@
           <a:bodyPr/>
           <a:lstStyle/>
           <a:p>
+            <a:r>
+              <a:rPr lang="en-US"/>
+              <a:t>Traccia 1 - Spangaro, Ferlin</a:t>
+            </a:r>
             <a:endParaRPr lang="en-US" dirty="0"/>
           </a:p>
         </p:txBody>
@@ -2468,9 +2817,8 @@
           <a:bodyPr/>
           <a:lstStyle/>
           <a:p>
-            <a:fld id="{D208048B-57AF-4F53-BC84-8E0A1033FBEC}" type="datetimeFigureOut">
+            <a:fld id="{0DDBA534-795D-4161-8204-01B63DBF0458}" type="datetime1">
               <a:rPr lang="en-US" smtClean="0"/>
-              <a:pPr/>
               <a:t>6/6/2023</a:t>
             </a:fld>
             <a:endParaRPr lang="en-US" dirty="0"/>
@@ -2492,6 +2840,10 @@
           <a:bodyPr/>
           <a:lstStyle/>
           <a:p>
+            <a:r>
+              <a:rPr lang="en-US"/>
+              <a:t>Traccia 1 - Spangaro, Ferlin</a:t>
+            </a:r>
             <a:endParaRPr lang="en-US" dirty="0"/>
           </a:p>
         </p:txBody>
@@ -2640,9 +2992,8 @@
           <a:bodyPr/>
           <a:lstStyle/>
           <a:p>
-            <a:fld id="{D208048B-57AF-4F53-BC84-8E0A1033FBEC}" type="datetimeFigureOut">
+            <a:fld id="{5702EABF-10E0-47D0-8986-540D17BBD7C6}" type="datetime1">
               <a:rPr lang="en-US" smtClean="0"/>
-              <a:pPr/>
               <a:t>6/6/2023</a:t>
             </a:fld>
             <a:endParaRPr lang="en-US" dirty="0"/>
@@ -2664,6 +3015,10 @@
           <a:bodyPr/>
           <a:lstStyle/>
           <a:p>
+            <a:r>
+              <a:rPr lang="en-US"/>
+              <a:t>Traccia 1 - Spangaro, Ferlin</a:t>
+            </a:r>
             <a:endParaRPr lang="en-US" dirty="0"/>
           </a:p>
         </p:txBody>
@@ -2822,9 +3177,8 @@
           <a:bodyPr/>
           <a:lstStyle/>
           <a:p>
-            <a:fld id="{D208048B-57AF-4F53-BC84-8E0A1033FBEC}" type="datetimeFigureOut">
+            <a:fld id="{17705F27-6B4F-4BF2-90B7-6FA83DB3EC42}" type="datetime1">
               <a:rPr lang="en-US" smtClean="0"/>
-              <a:pPr/>
               <a:t>6/6/2023</a:t>
             </a:fld>
             <a:endParaRPr lang="en-US" dirty="0"/>
@@ -2846,6 +3200,10 @@
           <a:bodyPr/>
           <a:lstStyle/>
           <a:p>
+            <a:r>
+              <a:rPr lang="en-US"/>
+              <a:t>Traccia 1 - Spangaro, Ferlin</a:t>
+            </a:r>
             <a:endParaRPr lang="en-US" dirty="0"/>
           </a:p>
         </p:txBody>
@@ -3000,9 +3358,8 @@
           <a:bodyPr/>
           <a:lstStyle/>
           <a:p>
-            <a:fld id="{D208048B-57AF-4F53-BC84-8E0A1033FBEC}" type="datetimeFigureOut">
+            <a:fld id="{A974F074-A364-4565-A414-4AFC7311D019}" type="datetime1">
               <a:rPr lang="en-US" smtClean="0"/>
-              <a:pPr/>
               <a:t>6/6/2023</a:t>
             </a:fld>
             <a:endParaRPr lang="en-US" dirty="0"/>
@@ -3024,6 +3381,10 @@
           <a:bodyPr/>
           <a:lstStyle/>
           <a:p>
+            <a:r>
+              <a:rPr lang="en-US"/>
+              <a:t>Traccia 1 - Spangaro, Ferlin</a:t>
+            </a:r>
             <a:endParaRPr lang="en-US" dirty="0"/>
           </a:p>
         </p:txBody>
@@ -3249,9 +3610,8 @@
           <a:bodyPr/>
           <a:lstStyle/>
           <a:p>
-            <a:fld id="{D208048B-57AF-4F53-BC84-8E0A1033FBEC}" type="datetimeFigureOut">
+            <a:fld id="{E299508C-DBB5-46FB-B2CD-87C59AF3C7B7}" type="datetime1">
               <a:rPr lang="en-US" smtClean="0"/>
-              <a:pPr/>
               <a:t>6/6/2023</a:t>
             </a:fld>
             <a:endParaRPr lang="en-US" dirty="0"/>
@@ -3273,6 +3633,10 @@
           <a:bodyPr/>
           <a:lstStyle/>
           <a:p>
+            <a:r>
+              <a:rPr lang="en-US"/>
+              <a:t>Traccia 1 - Spangaro, Ferlin</a:t>
+            </a:r>
             <a:endParaRPr lang="en-US" dirty="0"/>
           </a:p>
         </p:txBody>
@@ -3483,9 +3847,8 @@
           <a:bodyPr/>
           <a:lstStyle/>
           <a:p>
-            <a:fld id="{D208048B-57AF-4F53-BC84-8E0A1033FBEC}" type="datetimeFigureOut">
+            <a:fld id="{650EA983-5088-4F4D-952F-920B62D227A8}" type="datetime1">
               <a:rPr lang="en-US" smtClean="0"/>
-              <a:pPr/>
               <a:t>6/6/2023</a:t>
             </a:fld>
             <a:endParaRPr lang="en-US" dirty="0"/>
@@ -3507,6 +3870,10 @@
           <a:bodyPr/>
           <a:lstStyle/>
           <a:p>
+            <a:r>
+              <a:rPr lang="en-US"/>
+              <a:t>Traccia 1 - Spangaro, Ferlin</a:t>
+            </a:r>
             <a:endParaRPr lang="en-US" dirty="0"/>
           </a:p>
         </p:txBody>
@@ -3859,9 +4226,8 @@
           <a:bodyPr/>
           <a:lstStyle/>
           <a:p>
-            <a:fld id="{D208048B-57AF-4F53-BC84-8E0A1033FBEC}" type="datetimeFigureOut">
+            <a:fld id="{CB403D85-F5BA-420C-888B-9B2AD9A1DFCA}" type="datetime1">
               <a:rPr lang="en-US" smtClean="0"/>
-              <a:pPr/>
               <a:t>6/6/2023</a:t>
             </a:fld>
             <a:endParaRPr lang="en-US" dirty="0"/>
@@ -3883,6 +4249,10 @@
           <a:bodyPr/>
           <a:lstStyle/>
           <a:p>
+            <a:r>
+              <a:rPr lang="en-US"/>
+              <a:t>Traccia 1 - Spangaro, Ferlin</a:t>
+            </a:r>
             <a:endParaRPr lang="en-US" dirty="0"/>
           </a:p>
         </p:txBody>
@@ -3984,9 +4354,8 @@
           <a:bodyPr/>
           <a:lstStyle/>
           <a:p>
-            <a:fld id="{D208048B-57AF-4F53-BC84-8E0A1033FBEC}" type="datetimeFigureOut">
+            <a:fld id="{09E1F234-7473-4766-B88D-5640670D78B2}" type="datetime1">
               <a:rPr lang="en-US" smtClean="0"/>
-              <a:pPr/>
               <a:t>6/6/2023</a:t>
             </a:fld>
             <a:endParaRPr lang="en-US" dirty="0"/>
@@ -4008,6 +4377,10 @@
           <a:bodyPr/>
           <a:lstStyle/>
           <a:p>
+            <a:r>
+              <a:rPr lang="en-US"/>
+              <a:t>Traccia 1 - Spangaro, Ferlin</a:t>
+            </a:r>
             <a:endParaRPr lang="en-US" dirty="0"/>
           </a:p>
         </p:txBody>
@@ -4081,9 +4454,8 @@
           <a:bodyPr/>
           <a:lstStyle/>
           <a:p>
-            <a:fld id="{D208048B-57AF-4F53-BC84-8E0A1033FBEC}" type="datetimeFigureOut">
+            <a:fld id="{C22C728A-5E9A-43F1-B882-03D2D359E0E6}" type="datetime1">
               <a:rPr lang="en-US" smtClean="0"/>
-              <a:pPr/>
               <a:t>6/6/2023</a:t>
             </a:fld>
             <a:endParaRPr lang="en-US" dirty="0"/>
@@ -4105,6 +4477,10 @@
           <a:bodyPr/>
           <a:lstStyle/>
           <a:p>
+            <a:r>
+              <a:rPr lang="en-US"/>
+              <a:t>Traccia 1 - Spangaro, Ferlin</a:t>
+            </a:r>
             <a:endParaRPr lang="en-US" dirty="0"/>
           </a:p>
         </p:txBody>
@@ -4338,9 +4714,8 @@
           <a:bodyPr/>
           <a:lstStyle/>
           <a:p>
-            <a:fld id="{D208048B-57AF-4F53-BC84-8E0A1033FBEC}" type="datetimeFigureOut">
+            <a:fld id="{2F770CA2-55E1-45D7-967F-27AF5D7AB325}" type="datetime1">
               <a:rPr lang="en-US" smtClean="0"/>
-              <a:pPr/>
               <a:t>6/6/2023</a:t>
             </a:fld>
             <a:endParaRPr lang="en-US" dirty="0"/>
@@ -4362,6 +4737,10 @@
           <a:bodyPr/>
           <a:lstStyle/>
           <a:p>
+            <a:r>
+              <a:rPr lang="en-US"/>
+              <a:t>Traccia 1 - Spangaro, Ferlin</a:t>
+            </a:r>
             <a:endParaRPr lang="en-US" dirty="0"/>
           </a:p>
         </p:txBody>
@@ -4603,9 +4982,8 @@
           <a:bodyPr/>
           <a:lstStyle/>
           <a:p>
-            <a:fld id="{D208048B-57AF-4F53-BC84-8E0A1033FBEC}" type="datetimeFigureOut">
+            <a:fld id="{4F39197D-17CA-459D-9050-0578DFDFB7F0}" type="datetime1">
               <a:rPr lang="en-US" smtClean="0"/>
-              <a:pPr/>
               <a:t>6/6/2023</a:t>
             </a:fld>
             <a:endParaRPr lang="en-US" dirty="0"/>
@@ -4627,6 +5005,10 @@
           <a:bodyPr/>
           <a:lstStyle/>
           <a:p>
+            <a:r>
+              <a:rPr lang="en-US"/>
+              <a:t>Traccia 1 - Spangaro, Ferlin</a:t>
+            </a:r>
             <a:endParaRPr lang="en-US" dirty="0"/>
           </a:p>
         </p:txBody>
@@ -5280,35 +5662,35 @@
           <a:p>
             <a:pPr lvl="0"/>
             <a:r>
-              <a:rPr lang="it-IT"/>
+              <a:rPr lang="it-IT" dirty="0"/>
               <a:t>Fare clic per modificare gli stili del testo dello schema</a:t>
             </a:r>
           </a:p>
           <a:p>
             <a:pPr lvl="1"/>
             <a:r>
-              <a:rPr lang="it-IT"/>
+              <a:rPr lang="it-IT" dirty="0"/>
               <a:t>Secondo livello</a:t>
             </a:r>
           </a:p>
           <a:p>
             <a:pPr lvl="2"/>
             <a:r>
-              <a:rPr lang="it-IT"/>
+              <a:rPr lang="it-IT" dirty="0"/>
               <a:t>Terzo livello</a:t>
             </a:r>
           </a:p>
           <a:p>
             <a:pPr lvl="3"/>
             <a:r>
-              <a:rPr lang="it-IT"/>
+              <a:rPr lang="it-IT" dirty="0"/>
               <a:t>Quarto livello</a:t>
             </a:r>
           </a:p>
           <a:p>
             <a:pPr lvl="4"/>
             <a:r>
-              <a:rPr lang="it-IT"/>
+              <a:rPr lang="it-IT" dirty="0"/>
               <a:t>Quinto livello</a:t>
             </a:r>
             <a:endParaRPr lang="en-US" dirty="0"/>
@@ -5348,9 +5730,8 @@
             </a:lvl1pPr>
           </a:lstStyle>
           <a:p>
-            <a:fld id="{D208048B-57AF-4F53-BC84-8E0A1033FBEC}" type="datetimeFigureOut">
+            <a:fld id="{54A3B0FD-53C6-48ED-B23C-F2D344026392}" type="datetime1">
               <a:rPr lang="en-US" smtClean="0"/>
-              <a:pPr/>
               <a:t>6/6/2023</a:t>
             </a:fld>
             <a:endParaRPr lang="en-US" dirty="0"/>
@@ -5369,7 +5750,7 @@
         </p:nvSpPr>
         <p:spPr>
           <a:xfrm>
-            <a:off x="677334" y="6041362"/>
+            <a:off x="677334" y="6485862"/>
             <a:ext cx="6297612" cy="365125"/>
           </a:xfrm>
           <a:prstGeom prst="rect">
@@ -5390,7 +5771,22 @@
             </a:lvl1pPr>
           </a:lstStyle>
           <a:p>
-            <a:endParaRPr lang="en-US" dirty="0"/>
+            <a:r>
+              <a:rPr lang="en-US" dirty="0" err="1"/>
+              <a:t>Traccia</a:t>
+            </a:r>
+            <a:r>
+              <a:rPr lang="en-US" dirty="0"/>
+              <a:t> 1 - </a:t>
+            </a:r>
+            <a:r>
+              <a:rPr lang="en-US" dirty="0" err="1"/>
+              <a:t>Spangaro</a:t>
+            </a:r>
+            <a:r>
+              <a:rPr lang="en-US" dirty="0"/>
+              <a:t>, Ferlin</a:t>
+            </a:r>
           </a:p>
         </p:txBody>
       </p:sp>
@@ -5406,7 +5802,7 @@
         </p:nvSpPr>
         <p:spPr>
           <a:xfrm>
-            <a:off x="8590663" y="6041362"/>
+            <a:off x="8248993" y="6492875"/>
             <a:ext cx="683339" cy="365125"/>
           </a:xfrm>
           <a:prstGeom prst="rect">
@@ -5434,6 +5830,50 @@
           </a:p>
         </p:txBody>
       </p:sp>
+      <p:pic>
+        <p:nvPicPr>
+          <p:cNvPr id="9" name="Immagine 8" descr="Immagine che contiene cerchio, disegno, design&#10;&#10;Descrizione generata automaticamente">
+            <a:extLst>
+              <a:ext uri="{FF2B5EF4-FFF2-40B4-BE49-F238E27FC236}">
+                <a16:creationId xmlns:a16="http://schemas.microsoft.com/office/drawing/2014/main" id="{570A2F3F-4754-46AD-9227-2A54BC0BABF2}"/>
+              </a:ext>
+            </a:extLst>
+          </p:cNvPr>
+          <p:cNvPicPr>
+            <a:picLocks noChangeAspect="1"/>
+          </p:cNvPicPr>
+          <p:nvPr userDrawn="1"/>
+        </p:nvPicPr>
+        <p:blipFill rotWithShape="1">
+          <a:blip r:embed="rId18">
+            <a:extLst>
+              <a:ext uri="{BEBA8EAE-BF5A-486C-A8C5-ECC9F3942E4B}">
+                <a14:imgProps xmlns:a14="http://schemas.microsoft.com/office/drawing/2010/main">
+                  <a14:imgLayer r:embed="rId19">
+                    <a14:imgEffect>
+                      <a14:backgroundRemoval t="10000" b="90000" l="10000" r="90000"/>
+                    </a14:imgEffect>
+                  </a14:imgLayer>
+                </a14:imgProps>
+              </a:ext>
+              <a:ext uri="{28A0092B-C50C-407E-A947-70E740481C1C}">
+                <a14:useLocalDpi xmlns:a14="http://schemas.microsoft.com/office/drawing/2010/main" val="0"/>
+              </a:ext>
+            </a:extLst>
+          </a:blip>
+          <a:srcRect l="23586" t="7935" r="23927" b="40593"/>
+          <a:stretch/>
+        </p:blipFill>
+        <p:spPr>
+          <a:xfrm>
+            <a:off x="11077576" y="5765151"/>
+            <a:ext cx="1114424" cy="1092849"/>
+          </a:xfrm>
+          <a:prstGeom prst="rect">
+            <a:avLst/>
+          </a:prstGeom>
+        </p:spPr>
+      </p:pic>
     </p:spTree>
     <p:extLst>
       <p:ext uri="{BB962C8B-B14F-4D97-AF65-F5344CB8AC3E}">
@@ -5460,6 +5900,7 @@
     <p:sldLayoutId id="2147483754" r:id="rId15"/>
     <p:sldLayoutId id="2147483755" r:id="rId16"/>
   </p:sldLayoutIdLst>
+  <p:hf hdr="0" dt="0"/>
   <p:txStyles>
     <p:titleStyle>
       <a:lvl1pPr algn="l" defTabSz="457200" rtl="0" eaLnBrk="1" latinLnBrk="0" hangingPunct="1">
@@ -7788,6 +8229,65 @@
           </a:p>
         </p:txBody>
       </p:sp>
+      <p:sp>
+        <p:nvSpPr>
+          <p:cNvPr id="4" name="Segnaposto piè di pagina 3">
+            <a:extLst>
+              <a:ext uri="{FF2B5EF4-FFF2-40B4-BE49-F238E27FC236}">
+                <a16:creationId xmlns:a16="http://schemas.microsoft.com/office/drawing/2014/main" id="{95BFCD3A-1302-D521-F5DE-DC9388B111E2}"/>
+              </a:ext>
+            </a:extLst>
+          </p:cNvPr>
+          <p:cNvSpPr>
+            <a:spLocks noGrp="1"/>
+          </p:cNvSpPr>
+          <p:nvPr>
+            <p:ph type="ftr" sz="quarter" idx="11"/>
+          </p:nvPr>
+        </p:nvSpPr>
+        <p:spPr/>
+        <p:txBody>
+          <a:bodyPr/>
+          <a:lstStyle/>
+          <a:p>
+            <a:r>
+              <a:rPr lang="en-US"/>
+              <a:t>Traccia 1 - Spangaro, Ferlin</a:t>
+            </a:r>
+            <a:endParaRPr lang="en-US" dirty="0"/>
+          </a:p>
+        </p:txBody>
+      </p:sp>
+      <p:sp>
+        <p:nvSpPr>
+          <p:cNvPr id="5" name="Segnaposto numero diapositiva 4">
+            <a:extLst>
+              <a:ext uri="{FF2B5EF4-FFF2-40B4-BE49-F238E27FC236}">
+                <a16:creationId xmlns:a16="http://schemas.microsoft.com/office/drawing/2014/main" id="{ECD7BC39-FD76-1828-FF23-0412C37A2C48}"/>
+              </a:ext>
+            </a:extLst>
+          </p:cNvPr>
+          <p:cNvSpPr>
+            <a:spLocks noGrp="1"/>
+          </p:cNvSpPr>
+          <p:nvPr>
+            <p:ph type="sldNum" sz="quarter" idx="12"/>
+          </p:nvPr>
+        </p:nvSpPr>
+        <p:spPr/>
+        <p:txBody>
+          <a:bodyPr/>
+          <a:lstStyle/>
+          <a:p>
+            <a:fld id="{BD8A8A1B-4E1E-43EF-8A39-7D4A3879B941}" type="slidenum">
+              <a:rPr lang="en-US" smtClean="0"/>
+              <a:pPr/>
+              <a:t>10</a:t>
+            </a:fld>
+            <a:endParaRPr lang="en-US" dirty="0"/>
+          </a:p>
+        </p:txBody>
+      </p:sp>
     </p:spTree>
     <p:extLst>
       <p:ext uri="{BB962C8B-B14F-4D97-AF65-F5344CB8AC3E}">
@@ -8942,6 +9442,65 @@
               </a:rPr>
               <a:t>);</a:t>
             </a:r>
+          </a:p>
+        </p:txBody>
+      </p:sp>
+      <p:sp>
+        <p:nvSpPr>
+          <p:cNvPr id="4" name="Segnaposto piè di pagina 3">
+            <a:extLst>
+              <a:ext uri="{FF2B5EF4-FFF2-40B4-BE49-F238E27FC236}">
+                <a16:creationId xmlns:a16="http://schemas.microsoft.com/office/drawing/2014/main" id="{22A41438-6AEC-A8CE-A9F2-1A1DD5FEF6AE}"/>
+              </a:ext>
+            </a:extLst>
+          </p:cNvPr>
+          <p:cNvSpPr>
+            <a:spLocks noGrp="1"/>
+          </p:cNvSpPr>
+          <p:nvPr>
+            <p:ph type="ftr" sz="quarter" idx="11"/>
+          </p:nvPr>
+        </p:nvSpPr>
+        <p:spPr/>
+        <p:txBody>
+          <a:bodyPr/>
+          <a:lstStyle/>
+          <a:p>
+            <a:r>
+              <a:rPr lang="en-US"/>
+              <a:t>Traccia 1 - Spangaro, Ferlin</a:t>
+            </a:r>
+            <a:endParaRPr lang="en-US" dirty="0"/>
+          </a:p>
+        </p:txBody>
+      </p:sp>
+      <p:sp>
+        <p:nvSpPr>
+          <p:cNvPr id="5" name="Segnaposto numero diapositiva 4">
+            <a:extLst>
+              <a:ext uri="{FF2B5EF4-FFF2-40B4-BE49-F238E27FC236}">
+                <a16:creationId xmlns:a16="http://schemas.microsoft.com/office/drawing/2014/main" id="{BF496295-DE4C-7ECA-7741-C8DD089EE664}"/>
+              </a:ext>
+            </a:extLst>
+          </p:cNvPr>
+          <p:cNvSpPr>
+            <a:spLocks noGrp="1"/>
+          </p:cNvSpPr>
+          <p:nvPr>
+            <p:ph type="sldNum" sz="quarter" idx="12"/>
+          </p:nvPr>
+        </p:nvSpPr>
+        <p:spPr/>
+        <p:txBody>
+          <a:bodyPr/>
+          <a:lstStyle/>
+          <a:p>
+            <a:fld id="{BD8A8A1B-4E1E-43EF-8A39-7D4A3879B941}" type="slidenum">
+              <a:rPr lang="en-US" smtClean="0"/>
+              <a:pPr/>
+              <a:t>11</a:t>
+            </a:fld>
+            <a:endParaRPr lang="en-US" dirty="0"/>
           </a:p>
         </p:txBody>
       </p:sp>
@@ -9505,6 +10064,65 @@
           </a:p>
         </p:txBody>
       </p:sp>
+      <p:sp>
+        <p:nvSpPr>
+          <p:cNvPr id="4" name="Segnaposto piè di pagina 3">
+            <a:extLst>
+              <a:ext uri="{FF2B5EF4-FFF2-40B4-BE49-F238E27FC236}">
+                <a16:creationId xmlns:a16="http://schemas.microsoft.com/office/drawing/2014/main" id="{13F58204-5ED9-AD88-2A8F-C3F4F3A45BEC}"/>
+              </a:ext>
+            </a:extLst>
+          </p:cNvPr>
+          <p:cNvSpPr>
+            <a:spLocks noGrp="1"/>
+          </p:cNvSpPr>
+          <p:nvPr>
+            <p:ph type="ftr" sz="quarter" idx="11"/>
+          </p:nvPr>
+        </p:nvSpPr>
+        <p:spPr/>
+        <p:txBody>
+          <a:bodyPr/>
+          <a:lstStyle/>
+          <a:p>
+            <a:r>
+              <a:rPr lang="en-US"/>
+              <a:t>Traccia 1 - Spangaro, Ferlin</a:t>
+            </a:r>
+            <a:endParaRPr lang="en-US" dirty="0"/>
+          </a:p>
+        </p:txBody>
+      </p:sp>
+      <p:sp>
+        <p:nvSpPr>
+          <p:cNvPr id="6" name="Segnaposto numero diapositiva 5">
+            <a:extLst>
+              <a:ext uri="{FF2B5EF4-FFF2-40B4-BE49-F238E27FC236}">
+                <a16:creationId xmlns:a16="http://schemas.microsoft.com/office/drawing/2014/main" id="{B08A7BAD-B7FB-3C8E-7933-A173DE9715D6}"/>
+              </a:ext>
+            </a:extLst>
+          </p:cNvPr>
+          <p:cNvSpPr>
+            <a:spLocks noGrp="1"/>
+          </p:cNvSpPr>
+          <p:nvPr>
+            <p:ph type="sldNum" sz="quarter" idx="12"/>
+          </p:nvPr>
+        </p:nvSpPr>
+        <p:spPr/>
+        <p:txBody>
+          <a:bodyPr/>
+          <a:lstStyle/>
+          <a:p>
+            <a:fld id="{BD8A8A1B-4E1E-43EF-8A39-7D4A3879B941}" type="slidenum">
+              <a:rPr lang="en-US" smtClean="0"/>
+              <a:pPr/>
+              <a:t>12</a:t>
+            </a:fld>
+            <a:endParaRPr lang="en-US" dirty="0"/>
+          </a:p>
+        </p:txBody>
+      </p:sp>
     </p:spTree>
     <p:extLst>
       <p:ext uri="{BB962C8B-B14F-4D97-AF65-F5344CB8AC3E}">
@@ -10095,6 +10713,65 @@
               </a:rPr>
               <a:t>Actions</a:t>
             </a:r>
+          </a:p>
+        </p:txBody>
+      </p:sp>
+      <p:sp>
+        <p:nvSpPr>
+          <p:cNvPr id="5" name="Segnaposto piè di pagina 4">
+            <a:extLst>
+              <a:ext uri="{FF2B5EF4-FFF2-40B4-BE49-F238E27FC236}">
+                <a16:creationId xmlns:a16="http://schemas.microsoft.com/office/drawing/2014/main" id="{FF2AE62B-BA36-F82B-46CB-057D64DD0708}"/>
+              </a:ext>
+            </a:extLst>
+          </p:cNvPr>
+          <p:cNvSpPr>
+            <a:spLocks noGrp="1"/>
+          </p:cNvSpPr>
+          <p:nvPr>
+            <p:ph type="ftr" sz="quarter" idx="11"/>
+          </p:nvPr>
+        </p:nvSpPr>
+        <p:spPr/>
+        <p:txBody>
+          <a:bodyPr/>
+          <a:lstStyle/>
+          <a:p>
+            <a:r>
+              <a:rPr lang="en-US"/>
+              <a:t>Traccia 1 - Spangaro, Ferlin</a:t>
+            </a:r>
+            <a:endParaRPr lang="en-US" dirty="0"/>
+          </a:p>
+        </p:txBody>
+      </p:sp>
+      <p:sp>
+        <p:nvSpPr>
+          <p:cNvPr id="6" name="Segnaposto numero diapositiva 5">
+            <a:extLst>
+              <a:ext uri="{FF2B5EF4-FFF2-40B4-BE49-F238E27FC236}">
+                <a16:creationId xmlns:a16="http://schemas.microsoft.com/office/drawing/2014/main" id="{58D57293-5704-7A09-D865-59B1A61ABF10}"/>
+              </a:ext>
+            </a:extLst>
+          </p:cNvPr>
+          <p:cNvSpPr>
+            <a:spLocks noGrp="1"/>
+          </p:cNvSpPr>
+          <p:nvPr>
+            <p:ph type="sldNum" sz="quarter" idx="12"/>
+          </p:nvPr>
+        </p:nvSpPr>
+        <p:spPr/>
+        <p:txBody>
+          <a:bodyPr/>
+          <a:lstStyle/>
+          <a:p>
+            <a:fld id="{BD8A8A1B-4E1E-43EF-8A39-7D4A3879B941}" type="slidenum">
+              <a:rPr lang="en-US" smtClean="0"/>
+              <a:pPr/>
+              <a:t>13</a:t>
+            </a:fld>
+            <a:endParaRPr lang="en-US" dirty="0"/>
           </a:p>
         </p:txBody>
       </p:sp>
@@ -10620,6 +11297,65 @@
           </a:p>
         </p:txBody>
       </p:sp>
+      <p:sp>
+        <p:nvSpPr>
+          <p:cNvPr id="5" name="Segnaposto piè di pagina 4">
+            <a:extLst>
+              <a:ext uri="{FF2B5EF4-FFF2-40B4-BE49-F238E27FC236}">
+                <a16:creationId xmlns:a16="http://schemas.microsoft.com/office/drawing/2014/main" id="{6DB0AF6D-EC21-C53C-0D3B-63B444BBB97B}"/>
+              </a:ext>
+            </a:extLst>
+          </p:cNvPr>
+          <p:cNvSpPr>
+            <a:spLocks noGrp="1"/>
+          </p:cNvSpPr>
+          <p:nvPr>
+            <p:ph type="ftr" sz="quarter" idx="11"/>
+          </p:nvPr>
+        </p:nvSpPr>
+        <p:spPr/>
+        <p:txBody>
+          <a:bodyPr/>
+          <a:lstStyle/>
+          <a:p>
+            <a:r>
+              <a:rPr lang="en-US"/>
+              <a:t>Traccia 1 - Spangaro, Ferlin</a:t>
+            </a:r>
+            <a:endParaRPr lang="en-US" dirty="0"/>
+          </a:p>
+        </p:txBody>
+      </p:sp>
+      <p:sp>
+        <p:nvSpPr>
+          <p:cNvPr id="6" name="Segnaposto numero diapositiva 5">
+            <a:extLst>
+              <a:ext uri="{FF2B5EF4-FFF2-40B4-BE49-F238E27FC236}">
+                <a16:creationId xmlns:a16="http://schemas.microsoft.com/office/drawing/2014/main" id="{9BFA149A-2CA6-EE7C-2A1F-63DBED3BE20E}"/>
+              </a:ext>
+            </a:extLst>
+          </p:cNvPr>
+          <p:cNvSpPr>
+            <a:spLocks noGrp="1"/>
+          </p:cNvSpPr>
+          <p:nvPr>
+            <p:ph type="sldNum" sz="quarter" idx="12"/>
+          </p:nvPr>
+        </p:nvSpPr>
+        <p:spPr/>
+        <p:txBody>
+          <a:bodyPr/>
+          <a:lstStyle/>
+          <a:p>
+            <a:fld id="{BD8A8A1B-4E1E-43EF-8A39-7D4A3879B941}" type="slidenum">
+              <a:rPr lang="en-US" smtClean="0"/>
+              <a:pPr/>
+              <a:t>14</a:t>
+            </a:fld>
+            <a:endParaRPr lang="en-US" dirty="0"/>
+          </a:p>
+        </p:txBody>
+      </p:sp>
     </p:spTree>
     <p:extLst>
       <p:ext uri="{BB962C8B-B14F-4D97-AF65-F5344CB8AC3E}">
@@ -10709,12 +11445,12 @@
         <p:spPr>
           <a:xfrm>
             <a:off x="457200" y="922020"/>
-            <a:ext cx="7909560" cy="5836920"/>
+            <a:ext cx="7909560" cy="5119342"/>
           </a:xfrm>
         </p:spPr>
         <p:txBody>
           <a:bodyPr>
-            <a:normAutofit lnSpcReduction="10000"/>
+            <a:normAutofit fontScale="92500" lnSpcReduction="20000"/>
           </a:bodyPr>
           <a:lstStyle/>
           <a:p>
@@ -10820,6 +11556,65 @@
               </a:rPr>
               <a:t>L’elenco riporta: codice e nome degli articoli compresi nell’asta, offerta massima, tempo mancante (numero di giorni e ore) tra il momento (data ora) del login e la data e ora di chiusura dell’asta. </a:t>
             </a:r>
+          </a:p>
+        </p:txBody>
+      </p:sp>
+      <p:sp>
+        <p:nvSpPr>
+          <p:cNvPr id="4" name="Segnaposto piè di pagina 3">
+            <a:extLst>
+              <a:ext uri="{FF2B5EF4-FFF2-40B4-BE49-F238E27FC236}">
+                <a16:creationId xmlns:a16="http://schemas.microsoft.com/office/drawing/2014/main" id="{7830D223-F4E5-0841-1A9D-E45A1C83CF1D}"/>
+              </a:ext>
+            </a:extLst>
+          </p:cNvPr>
+          <p:cNvSpPr>
+            <a:spLocks noGrp="1"/>
+          </p:cNvSpPr>
+          <p:nvPr>
+            <p:ph type="ftr" sz="quarter" idx="11"/>
+          </p:nvPr>
+        </p:nvSpPr>
+        <p:spPr/>
+        <p:txBody>
+          <a:bodyPr/>
+          <a:lstStyle/>
+          <a:p>
+            <a:r>
+              <a:rPr lang="en-US"/>
+              <a:t>Traccia 1 - Spangaro, Ferlin</a:t>
+            </a:r>
+            <a:endParaRPr lang="en-US" dirty="0"/>
+          </a:p>
+        </p:txBody>
+      </p:sp>
+      <p:sp>
+        <p:nvSpPr>
+          <p:cNvPr id="5" name="Segnaposto numero diapositiva 4">
+            <a:extLst>
+              <a:ext uri="{FF2B5EF4-FFF2-40B4-BE49-F238E27FC236}">
+                <a16:creationId xmlns:a16="http://schemas.microsoft.com/office/drawing/2014/main" id="{2F9C4751-2235-4C97-8431-C8B4A044CD0B}"/>
+              </a:ext>
+            </a:extLst>
+          </p:cNvPr>
+          <p:cNvSpPr>
+            <a:spLocks noGrp="1"/>
+          </p:cNvSpPr>
+          <p:nvPr>
+            <p:ph type="sldNum" sz="quarter" idx="12"/>
+          </p:nvPr>
+        </p:nvSpPr>
+        <p:spPr/>
+        <p:txBody>
+          <a:bodyPr/>
+          <a:lstStyle/>
+          <a:p>
+            <a:fld id="{BD8A8A1B-4E1E-43EF-8A39-7D4A3879B941}" type="slidenum">
+              <a:rPr lang="en-US" smtClean="0"/>
+              <a:pPr/>
+              <a:t>2</a:t>
+            </a:fld>
+            <a:endParaRPr lang="en-US" dirty="0"/>
           </a:p>
         </p:txBody>
       </p:sp>
@@ -11011,6 +11806,65 @@
           </a:p>
         </p:txBody>
       </p:sp>
+      <p:sp>
+        <p:nvSpPr>
+          <p:cNvPr id="4" name="Segnaposto piè di pagina 3">
+            <a:extLst>
+              <a:ext uri="{FF2B5EF4-FFF2-40B4-BE49-F238E27FC236}">
+                <a16:creationId xmlns:a16="http://schemas.microsoft.com/office/drawing/2014/main" id="{73701AE4-DA5C-831E-080C-E95C379BD781}"/>
+              </a:ext>
+            </a:extLst>
+          </p:cNvPr>
+          <p:cNvSpPr>
+            <a:spLocks noGrp="1"/>
+          </p:cNvSpPr>
+          <p:nvPr>
+            <p:ph type="ftr" sz="quarter" idx="11"/>
+          </p:nvPr>
+        </p:nvSpPr>
+        <p:spPr/>
+        <p:txBody>
+          <a:bodyPr/>
+          <a:lstStyle/>
+          <a:p>
+            <a:r>
+              <a:rPr lang="en-US"/>
+              <a:t>Traccia 1 - Spangaro, Ferlin</a:t>
+            </a:r>
+            <a:endParaRPr lang="en-US" dirty="0"/>
+          </a:p>
+        </p:txBody>
+      </p:sp>
+      <p:sp>
+        <p:nvSpPr>
+          <p:cNvPr id="5" name="Segnaposto numero diapositiva 4">
+            <a:extLst>
+              <a:ext uri="{FF2B5EF4-FFF2-40B4-BE49-F238E27FC236}">
+                <a16:creationId xmlns:a16="http://schemas.microsoft.com/office/drawing/2014/main" id="{68BEF52D-1ADB-75E0-09F3-11635E76FC72}"/>
+              </a:ext>
+            </a:extLst>
+          </p:cNvPr>
+          <p:cNvSpPr>
+            <a:spLocks noGrp="1"/>
+          </p:cNvSpPr>
+          <p:nvPr>
+            <p:ph type="sldNum" sz="quarter" idx="12"/>
+          </p:nvPr>
+        </p:nvSpPr>
+        <p:spPr/>
+        <p:txBody>
+          <a:bodyPr/>
+          <a:lstStyle/>
+          <a:p>
+            <a:fld id="{BD8A8A1B-4E1E-43EF-8A39-7D4A3879B941}" type="slidenum">
+              <a:rPr lang="en-US" smtClean="0"/>
+              <a:pPr/>
+              <a:t>3</a:t>
+            </a:fld>
+            <a:endParaRPr lang="en-US" dirty="0"/>
+          </a:p>
+        </p:txBody>
+      </p:sp>
     </p:spTree>
     <p:extLst>
       <p:ext uri="{BB962C8B-B14F-4D97-AF65-F5344CB8AC3E}">
@@ -11185,6 +12039,65 @@
           </a:p>
         </p:txBody>
       </p:sp>
+      <p:sp>
+        <p:nvSpPr>
+          <p:cNvPr id="4" name="Segnaposto piè di pagina 3">
+            <a:extLst>
+              <a:ext uri="{FF2B5EF4-FFF2-40B4-BE49-F238E27FC236}">
+                <a16:creationId xmlns:a16="http://schemas.microsoft.com/office/drawing/2014/main" id="{8D2FBF19-26CE-4B0D-EDCF-0DBEA2D467C8}"/>
+              </a:ext>
+            </a:extLst>
+          </p:cNvPr>
+          <p:cNvSpPr>
+            <a:spLocks noGrp="1"/>
+          </p:cNvSpPr>
+          <p:nvPr>
+            <p:ph type="ftr" sz="quarter" idx="11"/>
+          </p:nvPr>
+        </p:nvSpPr>
+        <p:spPr/>
+        <p:txBody>
+          <a:bodyPr/>
+          <a:lstStyle/>
+          <a:p>
+            <a:r>
+              <a:rPr lang="en-US"/>
+              <a:t>Traccia 1 - Spangaro, Ferlin</a:t>
+            </a:r>
+            <a:endParaRPr lang="en-US" dirty="0"/>
+          </a:p>
+        </p:txBody>
+      </p:sp>
+      <p:sp>
+        <p:nvSpPr>
+          <p:cNvPr id="5" name="Segnaposto numero diapositiva 4">
+            <a:extLst>
+              <a:ext uri="{FF2B5EF4-FFF2-40B4-BE49-F238E27FC236}">
+                <a16:creationId xmlns:a16="http://schemas.microsoft.com/office/drawing/2014/main" id="{510119A3-479B-AC97-6EE6-5011A3A0242D}"/>
+              </a:ext>
+            </a:extLst>
+          </p:cNvPr>
+          <p:cNvSpPr>
+            <a:spLocks noGrp="1"/>
+          </p:cNvSpPr>
+          <p:nvPr>
+            <p:ph type="sldNum" sz="quarter" idx="12"/>
+          </p:nvPr>
+        </p:nvSpPr>
+        <p:spPr/>
+        <p:txBody>
+          <a:bodyPr/>
+          <a:lstStyle/>
+          <a:p>
+            <a:fld id="{BD8A8A1B-4E1E-43EF-8A39-7D4A3879B941}" type="slidenum">
+              <a:rPr lang="en-US" smtClean="0"/>
+              <a:pPr/>
+              <a:t>4</a:t>
+            </a:fld>
+            <a:endParaRPr lang="en-US" dirty="0"/>
+          </a:p>
+        </p:txBody>
+      </p:sp>
     </p:spTree>
     <p:extLst>
       <p:ext uri="{BB962C8B-B14F-4D97-AF65-F5344CB8AC3E}">
@@ -11754,6 +12667,65 @@
               <a:latin typeface="Times New Roman" panose="02020603050405020304" pitchFamily="18" charset="0"/>
               <a:cs typeface="Times New Roman" panose="02020603050405020304" pitchFamily="18" charset="0"/>
             </a:endParaRPr>
+          </a:p>
+        </p:txBody>
+      </p:sp>
+      <p:sp>
+        <p:nvSpPr>
+          <p:cNvPr id="5" name="Segnaposto piè di pagina 4">
+            <a:extLst>
+              <a:ext uri="{FF2B5EF4-FFF2-40B4-BE49-F238E27FC236}">
+                <a16:creationId xmlns:a16="http://schemas.microsoft.com/office/drawing/2014/main" id="{01FFD441-96AA-B04B-1531-AD6C10BAD30B}"/>
+              </a:ext>
+            </a:extLst>
+          </p:cNvPr>
+          <p:cNvSpPr>
+            <a:spLocks noGrp="1"/>
+          </p:cNvSpPr>
+          <p:nvPr>
+            <p:ph type="ftr" sz="quarter" idx="11"/>
+          </p:nvPr>
+        </p:nvSpPr>
+        <p:spPr/>
+        <p:txBody>
+          <a:bodyPr/>
+          <a:lstStyle/>
+          <a:p>
+            <a:r>
+              <a:rPr lang="en-US"/>
+              <a:t>Traccia 1 - Spangaro, Ferlin</a:t>
+            </a:r>
+            <a:endParaRPr lang="en-US" dirty="0"/>
+          </a:p>
+        </p:txBody>
+      </p:sp>
+      <p:sp>
+        <p:nvSpPr>
+          <p:cNvPr id="6" name="Segnaposto numero diapositiva 5">
+            <a:extLst>
+              <a:ext uri="{FF2B5EF4-FFF2-40B4-BE49-F238E27FC236}">
+                <a16:creationId xmlns:a16="http://schemas.microsoft.com/office/drawing/2014/main" id="{5F63A943-EBB8-6151-C7D6-2029F01F25BA}"/>
+              </a:ext>
+            </a:extLst>
+          </p:cNvPr>
+          <p:cNvSpPr>
+            <a:spLocks noGrp="1"/>
+          </p:cNvSpPr>
+          <p:nvPr>
+            <p:ph type="sldNum" sz="quarter" idx="12"/>
+          </p:nvPr>
+        </p:nvSpPr>
+        <p:spPr/>
+        <p:txBody>
+          <a:bodyPr/>
+          <a:lstStyle/>
+          <a:p>
+            <a:fld id="{BD8A8A1B-4E1E-43EF-8A39-7D4A3879B941}" type="slidenum">
+              <a:rPr lang="en-US" smtClean="0"/>
+              <a:pPr/>
+              <a:t>5</a:t>
+            </a:fld>
+            <a:endParaRPr lang="en-US" dirty="0"/>
           </a:p>
         </p:txBody>
       </p:sp>
@@ -12220,6 +13192,65 @@
           </a:p>
         </p:txBody>
       </p:sp>
+      <p:sp>
+        <p:nvSpPr>
+          <p:cNvPr id="5" name="Segnaposto piè di pagina 4">
+            <a:extLst>
+              <a:ext uri="{FF2B5EF4-FFF2-40B4-BE49-F238E27FC236}">
+                <a16:creationId xmlns:a16="http://schemas.microsoft.com/office/drawing/2014/main" id="{9D59FFB8-25F3-93F9-1C64-2FBB108A1CD6}"/>
+              </a:ext>
+            </a:extLst>
+          </p:cNvPr>
+          <p:cNvSpPr>
+            <a:spLocks noGrp="1"/>
+          </p:cNvSpPr>
+          <p:nvPr>
+            <p:ph type="ftr" sz="quarter" idx="11"/>
+          </p:nvPr>
+        </p:nvSpPr>
+        <p:spPr/>
+        <p:txBody>
+          <a:bodyPr/>
+          <a:lstStyle/>
+          <a:p>
+            <a:r>
+              <a:rPr lang="en-US"/>
+              <a:t>Traccia 1 - Spangaro, Ferlin</a:t>
+            </a:r>
+            <a:endParaRPr lang="en-US" dirty="0"/>
+          </a:p>
+        </p:txBody>
+      </p:sp>
+      <p:sp>
+        <p:nvSpPr>
+          <p:cNvPr id="6" name="Segnaposto numero diapositiva 5">
+            <a:extLst>
+              <a:ext uri="{FF2B5EF4-FFF2-40B4-BE49-F238E27FC236}">
+                <a16:creationId xmlns:a16="http://schemas.microsoft.com/office/drawing/2014/main" id="{F10CED89-27BA-B38E-7815-863446854128}"/>
+              </a:ext>
+            </a:extLst>
+          </p:cNvPr>
+          <p:cNvSpPr>
+            <a:spLocks noGrp="1"/>
+          </p:cNvSpPr>
+          <p:nvPr>
+            <p:ph type="sldNum" sz="quarter" idx="12"/>
+          </p:nvPr>
+        </p:nvSpPr>
+        <p:spPr/>
+        <p:txBody>
+          <a:bodyPr/>
+          <a:lstStyle/>
+          <a:p>
+            <a:fld id="{BD8A8A1B-4E1E-43EF-8A39-7D4A3879B941}" type="slidenum">
+              <a:rPr lang="en-US" smtClean="0"/>
+              <a:pPr/>
+              <a:t>6</a:t>
+            </a:fld>
+            <a:endParaRPr lang="en-US" dirty="0"/>
+          </a:p>
+        </p:txBody>
+      </p:sp>
     </p:spTree>
     <p:extLst>
       <p:ext uri="{BB962C8B-B14F-4D97-AF65-F5344CB8AC3E}">
@@ -12372,6 +13403,65 @@
           </a:prstGeom>
         </p:spPr>
       </p:pic>
+      <p:sp>
+        <p:nvSpPr>
+          <p:cNvPr id="3" name="Segnaposto piè di pagina 2">
+            <a:extLst>
+              <a:ext uri="{FF2B5EF4-FFF2-40B4-BE49-F238E27FC236}">
+                <a16:creationId xmlns:a16="http://schemas.microsoft.com/office/drawing/2014/main" id="{7DADEE9D-6CBE-A0CB-D6C3-36D5640E1126}"/>
+              </a:ext>
+            </a:extLst>
+          </p:cNvPr>
+          <p:cNvSpPr>
+            <a:spLocks noGrp="1"/>
+          </p:cNvSpPr>
+          <p:nvPr>
+            <p:ph type="ftr" sz="quarter" idx="11"/>
+          </p:nvPr>
+        </p:nvSpPr>
+        <p:spPr/>
+        <p:txBody>
+          <a:bodyPr/>
+          <a:lstStyle/>
+          <a:p>
+            <a:r>
+              <a:rPr lang="en-US"/>
+              <a:t>Traccia 1 - Spangaro, Ferlin</a:t>
+            </a:r>
+            <a:endParaRPr lang="en-US" dirty="0"/>
+          </a:p>
+        </p:txBody>
+      </p:sp>
+      <p:sp>
+        <p:nvSpPr>
+          <p:cNvPr id="4" name="Segnaposto numero diapositiva 3">
+            <a:extLst>
+              <a:ext uri="{FF2B5EF4-FFF2-40B4-BE49-F238E27FC236}">
+                <a16:creationId xmlns:a16="http://schemas.microsoft.com/office/drawing/2014/main" id="{004C8F2D-868F-98BF-797B-8C09E8183DDE}"/>
+              </a:ext>
+            </a:extLst>
+          </p:cNvPr>
+          <p:cNvSpPr>
+            <a:spLocks noGrp="1"/>
+          </p:cNvSpPr>
+          <p:nvPr>
+            <p:ph type="sldNum" sz="quarter" idx="12"/>
+          </p:nvPr>
+        </p:nvSpPr>
+        <p:spPr/>
+        <p:txBody>
+          <a:bodyPr/>
+          <a:lstStyle/>
+          <a:p>
+            <a:fld id="{BD8A8A1B-4E1E-43EF-8A39-7D4A3879B941}" type="slidenum">
+              <a:rPr lang="en-US" smtClean="0"/>
+              <a:pPr/>
+              <a:t>7</a:t>
+            </a:fld>
+            <a:endParaRPr lang="en-US" dirty="0"/>
+          </a:p>
+        </p:txBody>
+      </p:sp>
     </p:spTree>
     <p:extLst>
       <p:ext uri="{BB962C8B-B14F-4D97-AF65-F5344CB8AC3E}">
@@ -12524,6 +13614,65 @@
           </a:prstGeom>
         </p:spPr>
       </p:pic>
+      <p:sp>
+        <p:nvSpPr>
+          <p:cNvPr id="3" name="Segnaposto piè di pagina 2">
+            <a:extLst>
+              <a:ext uri="{FF2B5EF4-FFF2-40B4-BE49-F238E27FC236}">
+                <a16:creationId xmlns:a16="http://schemas.microsoft.com/office/drawing/2014/main" id="{9FFFC18E-7F7A-B4AD-A269-655DA31D2F45}"/>
+              </a:ext>
+            </a:extLst>
+          </p:cNvPr>
+          <p:cNvSpPr>
+            <a:spLocks noGrp="1"/>
+          </p:cNvSpPr>
+          <p:nvPr>
+            <p:ph type="ftr" sz="quarter" idx="11"/>
+          </p:nvPr>
+        </p:nvSpPr>
+        <p:spPr/>
+        <p:txBody>
+          <a:bodyPr/>
+          <a:lstStyle/>
+          <a:p>
+            <a:r>
+              <a:rPr lang="en-US"/>
+              <a:t>Traccia 1 - Spangaro, Ferlin</a:t>
+            </a:r>
+            <a:endParaRPr lang="en-US" dirty="0"/>
+          </a:p>
+        </p:txBody>
+      </p:sp>
+      <p:sp>
+        <p:nvSpPr>
+          <p:cNvPr id="4" name="Segnaposto numero diapositiva 3">
+            <a:extLst>
+              <a:ext uri="{FF2B5EF4-FFF2-40B4-BE49-F238E27FC236}">
+                <a16:creationId xmlns:a16="http://schemas.microsoft.com/office/drawing/2014/main" id="{FF1E5D44-C614-2090-7607-E75DECB93F17}"/>
+              </a:ext>
+            </a:extLst>
+          </p:cNvPr>
+          <p:cNvSpPr>
+            <a:spLocks noGrp="1"/>
+          </p:cNvSpPr>
+          <p:nvPr>
+            <p:ph type="sldNum" sz="quarter" idx="12"/>
+          </p:nvPr>
+        </p:nvSpPr>
+        <p:spPr/>
+        <p:txBody>
+          <a:bodyPr/>
+          <a:lstStyle/>
+          <a:p>
+            <a:fld id="{BD8A8A1B-4E1E-43EF-8A39-7D4A3879B941}" type="slidenum">
+              <a:rPr lang="en-US" smtClean="0"/>
+              <a:pPr/>
+              <a:t>8</a:t>
+            </a:fld>
+            <a:endParaRPr lang="en-US" dirty="0"/>
+          </a:p>
+        </p:txBody>
+      </p:sp>
     </p:spTree>
     <p:extLst>
       <p:ext uri="{BB962C8B-B14F-4D97-AF65-F5344CB8AC3E}">
@@ -14387,6 +15536,65 @@
               <a:latin typeface="Times New Roman" panose="02020603050405020304" pitchFamily="18" charset="0"/>
               <a:cs typeface="Times New Roman" panose="02020603050405020304" pitchFamily="18" charset="0"/>
             </a:endParaRPr>
+          </a:p>
+        </p:txBody>
+      </p:sp>
+      <p:sp>
+        <p:nvSpPr>
+          <p:cNvPr id="3" name="Segnaposto piè di pagina 2">
+            <a:extLst>
+              <a:ext uri="{FF2B5EF4-FFF2-40B4-BE49-F238E27FC236}">
+                <a16:creationId xmlns:a16="http://schemas.microsoft.com/office/drawing/2014/main" id="{42ADE86A-ED40-7DAA-E4AB-F11CC92FF6EE}"/>
+              </a:ext>
+            </a:extLst>
+          </p:cNvPr>
+          <p:cNvSpPr>
+            <a:spLocks noGrp="1"/>
+          </p:cNvSpPr>
+          <p:nvPr>
+            <p:ph type="ftr" sz="quarter" idx="11"/>
+          </p:nvPr>
+        </p:nvSpPr>
+        <p:spPr/>
+        <p:txBody>
+          <a:bodyPr/>
+          <a:lstStyle/>
+          <a:p>
+            <a:r>
+              <a:rPr lang="en-US"/>
+              <a:t>Traccia 1 - Spangaro, Ferlin</a:t>
+            </a:r>
+            <a:endParaRPr lang="en-US" dirty="0"/>
+          </a:p>
+        </p:txBody>
+      </p:sp>
+      <p:sp>
+        <p:nvSpPr>
+          <p:cNvPr id="4" name="Segnaposto numero diapositiva 3">
+            <a:extLst>
+              <a:ext uri="{FF2B5EF4-FFF2-40B4-BE49-F238E27FC236}">
+                <a16:creationId xmlns:a16="http://schemas.microsoft.com/office/drawing/2014/main" id="{B4B4A7EA-137E-76DF-889E-C05DB2535ABA}"/>
+              </a:ext>
+            </a:extLst>
+          </p:cNvPr>
+          <p:cNvSpPr>
+            <a:spLocks noGrp="1"/>
+          </p:cNvSpPr>
+          <p:nvPr>
+            <p:ph type="sldNum" sz="quarter" idx="12"/>
+          </p:nvPr>
+        </p:nvSpPr>
+        <p:spPr/>
+        <p:txBody>
+          <a:bodyPr/>
+          <a:lstStyle/>
+          <a:p>
+            <a:fld id="{BD8A8A1B-4E1E-43EF-8A39-7D4A3879B941}" type="slidenum">
+              <a:rPr lang="en-US" smtClean="0"/>
+              <a:pPr/>
+              <a:t>9</a:t>
+            </a:fld>
+            <a:endParaRPr lang="en-US" dirty="0"/>
           </a:p>
         </p:txBody>
       </p:sp>
@@ -14658,4 +15866,299 @@
     </a:ext>
   </a:extLst>
 </a:theme>
+</file>
+
+<file path=ppt/theme/theme2.xml><?xml version="1.0" encoding="utf-8"?>
+<a:theme xmlns:a="http://schemas.openxmlformats.org/drawingml/2006/main" name="Tema di Office">
+  <a:themeElements>
+    <a:clrScheme name="Office">
+      <a:dk1>
+        <a:sysClr val="windowText" lastClr="000000"/>
+      </a:dk1>
+      <a:lt1>
+        <a:sysClr val="window" lastClr="FFFFFF"/>
+      </a:lt1>
+      <a:dk2>
+        <a:srgbClr val="44546A"/>
+      </a:dk2>
+      <a:lt2>
+        <a:srgbClr val="E7E6E6"/>
+      </a:lt2>
+      <a:accent1>
+        <a:srgbClr val="4472C4"/>
+      </a:accent1>
+      <a:accent2>
+        <a:srgbClr val="ED7D31"/>
+      </a:accent2>
+      <a:accent3>
+        <a:srgbClr val="A5A5A5"/>
+      </a:accent3>
+      <a:accent4>
+        <a:srgbClr val="FFC000"/>
+      </a:accent4>
+      <a:accent5>
+        <a:srgbClr val="5B9BD5"/>
+      </a:accent5>
+      <a:accent6>
+        <a:srgbClr val="70AD47"/>
+      </a:accent6>
+      <a:hlink>
+        <a:srgbClr val="0563C1"/>
+      </a:hlink>
+      <a:folHlink>
+        <a:srgbClr val="954F72"/>
+      </a:folHlink>
+    </a:clrScheme>
+    <a:fontScheme name="Office">
+      <a:majorFont>
+        <a:latin typeface="Calibri Light" panose="020F0302020204030204"/>
+        <a:ea typeface=""/>
+        <a:cs typeface=""/>
+        <a:font script="Jpan" typeface="游ゴシック Light"/>
+        <a:font script="Hang" typeface="맑은 고딕"/>
+        <a:font script="Hans" typeface="等线 Light"/>
+        <a:font script="Hant" typeface="新細明體"/>
+        <a:font script="Arab" typeface="Times New Roman"/>
+        <a:font script="Hebr" typeface="Times New Roman"/>
+        <a:font script="Thai" typeface="Angsana New"/>
+        <a:font script="Ethi" typeface="Nyala"/>
+        <a:font script="Beng" typeface="Vrinda"/>
+        <a:font script="Gujr" typeface="Shruti"/>
+        <a:font script="Khmr" typeface="MoolBoran"/>
+        <a:font script="Knda" typeface="Tunga"/>
+        <a:font script="Guru" typeface="Raavi"/>
+        <a:font script="Cans" typeface="Euphemia"/>
+        <a:font script="Cher" typeface="Plantagenet Cherokee"/>
+        <a:font script="Yiii" typeface="Microsoft Yi Baiti"/>
+        <a:font script="Tibt" typeface="Microsoft Himalaya"/>
+        <a:font script="Thaa" typeface="MV Boli"/>
+        <a:font script="Deva" typeface="Mangal"/>
+        <a:font script="Telu" typeface="Gautami"/>
+        <a:font script="Taml" typeface="Latha"/>
+        <a:font script="Syrc" typeface="Estrangelo Edessa"/>
+        <a:font script="Orya" typeface="Kalinga"/>
+        <a:font script="Mlym" typeface="Kartika"/>
+        <a:font script="Laoo" typeface="DokChampa"/>
+        <a:font script="Sinh" typeface="Iskoola Pota"/>
+        <a:font script="Mong" typeface="Mongolian Baiti"/>
+        <a:font script="Viet" typeface="Times New Roman"/>
+        <a:font script="Uigh" typeface="Microsoft Uighur"/>
+        <a:font script="Geor" typeface="Sylfaen"/>
+        <a:font script="Armn" typeface="Arial"/>
+        <a:font script="Bugi" typeface="Leelawadee UI"/>
+        <a:font script="Bopo" typeface="Microsoft JhengHei"/>
+        <a:font script="Java" typeface="Javanese Text"/>
+        <a:font script="Lisu" typeface="Segoe UI"/>
+        <a:font script="Mymr" typeface="Myanmar Text"/>
+        <a:font script="Nkoo" typeface="Ebrima"/>
+        <a:font script="Olck" typeface="Nirmala UI"/>
+        <a:font script="Osma" typeface="Ebrima"/>
+        <a:font script="Phag" typeface="Phagspa"/>
+        <a:font script="Syrn" typeface="Estrangelo Edessa"/>
+        <a:font script="Syrj" typeface="Estrangelo Edessa"/>
+        <a:font script="Syre" typeface="Estrangelo Edessa"/>
+        <a:font script="Sora" typeface="Nirmala UI"/>
+        <a:font script="Tale" typeface="Microsoft Tai Le"/>
+        <a:font script="Talu" typeface="Microsoft New Tai Lue"/>
+        <a:font script="Tfng" typeface="Ebrima"/>
+      </a:majorFont>
+      <a:minorFont>
+        <a:latin typeface="Calibri" panose="020F0502020204030204"/>
+        <a:ea typeface=""/>
+        <a:cs typeface=""/>
+        <a:font script="Jpan" typeface="游ゴシック"/>
+        <a:font script="Hang" typeface="맑은 고딕"/>
+        <a:font script="Hans" typeface="等线"/>
+        <a:font script="Hant" typeface="新細明體"/>
+        <a:font script="Arab" typeface="Arial"/>
+        <a:font script="Hebr" typeface="Arial"/>
+        <a:font script="Thai" typeface="Cordia New"/>
+        <a:font script="Ethi" typeface="Nyala"/>
+        <a:font script="Beng" typeface="Vrinda"/>
+        <a:font script="Gujr" typeface="Shruti"/>
+        <a:font script="Khmr" typeface="DaunPenh"/>
+        <a:font script="Knda" typeface="Tunga"/>
+        <a:font script="Guru" typeface="Raavi"/>
+        <a:font script="Cans" typeface="Euphemia"/>
+        <a:font script="Cher" typeface="Plantagenet Cherokee"/>
+        <a:font script="Yiii" typeface="Microsoft Yi Baiti"/>
+        <a:font script="Tibt" typeface="Microsoft Himalaya"/>
+        <a:font script="Thaa" typeface="MV Boli"/>
+        <a:font script="Deva" typeface="Mangal"/>
+        <a:font script="Telu" typeface="Gautami"/>
+        <a:font script="Taml" typeface="Latha"/>
+        <a:font script="Syrc" typeface="Estrangelo Edessa"/>
+        <a:font script="Orya" typeface="Kalinga"/>
+        <a:font script="Mlym" typeface="Kartika"/>
+        <a:font script="Laoo" typeface="DokChampa"/>
+        <a:font script="Sinh" typeface="Iskoola Pota"/>
+        <a:font script="Mong" typeface="Mongolian Baiti"/>
+        <a:font script="Viet" typeface="Arial"/>
+        <a:font script="Uigh" typeface="Microsoft Uighur"/>
+        <a:font script="Geor" typeface="Sylfaen"/>
+        <a:font script="Armn" typeface="Arial"/>
+        <a:font script="Bugi" typeface="Leelawadee UI"/>
+        <a:font script="Bopo" typeface="Microsoft JhengHei"/>
+        <a:font script="Java" typeface="Javanese Text"/>
+        <a:font script="Lisu" typeface="Segoe UI"/>
+        <a:font script="Mymr" typeface="Myanmar Text"/>
+        <a:font script="Nkoo" typeface="Ebrima"/>
+        <a:font script="Olck" typeface="Nirmala UI"/>
+        <a:font script="Osma" typeface="Ebrima"/>
+        <a:font script="Phag" typeface="Phagspa"/>
+        <a:font script="Syrn" typeface="Estrangelo Edessa"/>
+        <a:font script="Syrj" typeface="Estrangelo Edessa"/>
+        <a:font script="Syre" typeface="Estrangelo Edessa"/>
+        <a:font script="Sora" typeface="Nirmala UI"/>
+        <a:font script="Tale" typeface="Microsoft Tai Le"/>
+        <a:font script="Talu" typeface="Microsoft New Tai Lue"/>
+        <a:font script="Tfng" typeface="Ebrima"/>
+      </a:minorFont>
+    </a:fontScheme>
+    <a:fmtScheme name="Office">
+      <a:fillStyleLst>
+        <a:solidFill>
+          <a:schemeClr val="phClr"/>
+        </a:solidFill>
+        <a:gradFill rotWithShape="1">
+          <a:gsLst>
+            <a:gs pos="0">
+              <a:schemeClr val="phClr">
+                <a:lumMod val="110000"/>
+                <a:satMod val="105000"/>
+                <a:tint val="67000"/>
+              </a:schemeClr>
+            </a:gs>
+            <a:gs pos="50000">
+              <a:schemeClr val="phClr">
+                <a:lumMod val="105000"/>
+                <a:satMod val="103000"/>
+                <a:tint val="73000"/>
+              </a:schemeClr>
+            </a:gs>
+            <a:gs pos="100000">
+              <a:schemeClr val="phClr">
+                <a:lumMod val="105000"/>
+                <a:satMod val="109000"/>
+                <a:tint val="81000"/>
+              </a:schemeClr>
+            </a:gs>
+          </a:gsLst>
+          <a:lin ang="5400000" scaled="0"/>
+        </a:gradFill>
+        <a:gradFill rotWithShape="1">
+          <a:gsLst>
+            <a:gs pos="0">
+              <a:schemeClr val="phClr">
+                <a:satMod val="103000"/>
+                <a:lumMod val="102000"/>
+                <a:tint val="94000"/>
+              </a:schemeClr>
+            </a:gs>
+            <a:gs pos="50000">
+              <a:schemeClr val="phClr">
+                <a:satMod val="110000"/>
+                <a:lumMod val="100000"/>
+                <a:shade val="100000"/>
+              </a:schemeClr>
+            </a:gs>
+            <a:gs pos="100000">
+              <a:schemeClr val="phClr">
+                <a:lumMod val="99000"/>
+                <a:satMod val="120000"/>
+                <a:shade val="78000"/>
+              </a:schemeClr>
+            </a:gs>
+          </a:gsLst>
+          <a:lin ang="5400000" scaled="0"/>
+        </a:gradFill>
+      </a:fillStyleLst>
+      <a:lnStyleLst>
+        <a:ln w="6350" cap="flat" cmpd="sng" algn="ctr">
+          <a:solidFill>
+            <a:schemeClr val="phClr"/>
+          </a:solidFill>
+          <a:prstDash val="solid"/>
+          <a:miter lim="800000"/>
+        </a:ln>
+        <a:ln w="12700" cap="flat" cmpd="sng" algn="ctr">
+          <a:solidFill>
+            <a:schemeClr val="phClr"/>
+          </a:solidFill>
+          <a:prstDash val="solid"/>
+          <a:miter lim="800000"/>
+        </a:ln>
+        <a:ln w="19050" cap="flat" cmpd="sng" algn="ctr">
+          <a:solidFill>
+            <a:schemeClr val="phClr"/>
+          </a:solidFill>
+          <a:prstDash val="solid"/>
+          <a:miter lim="800000"/>
+        </a:ln>
+      </a:lnStyleLst>
+      <a:effectStyleLst>
+        <a:effectStyle>
+          <a:effectLst/>
+        </a:effectStyle>
+        <a:effectStyle>
+          <a:effectLst/>
+        </a:effectStyle>
+        <a:effectStyle>
+          <a:effectLst>
+            <a:outerShdw blurRad="57150" dist="19050" dir="5400000" algn="ctr" rotWithShape="0">
+              <a:srgbClr val="000000">
+                <a:alpha val="63000"/>
+              </a:srgbClr>
+            </a:outerShdw>
+          </a:effectLst>
+        </a:effectStyle>
+      </a:effectStyleLst>
+      <a:bgFillStyleLst>
+        <a:solidFill>
+          <a:schemeClr val="phClr"/>
+        </a:solidFill>
+        <a:solidFill>
+          <a:schemeClr val="phClr">
+            <a:tint val="95000"/>
+            <a:satMod val="170000"/>
+          </a:schemeClr>
+        </a:solidFill>
+        <a:gradFill rotWithShape="1">
+          <a:gsLst>
+            <a:gs pos="0">
+              <a:schemeClr val="phClr">
+                <a:tint val="93000"/>
+                <a:satMod val="150000"/>
+                <a:shade val="98000"/>
+                <a:lumMod val="102000"/>
+              </a:schemeClr>
+            </a:gs>
+            <a:gs pos="50000">
+              <a:schemeClr val="phClr">
+                <a:tint val="98000"/>
+                <a:satMod val="130000"/>
+                <a:shade val="90000"/>
+                <a:lumMod val="103000"/>
+              </a:schemeClr>
+            </a:gs>
+            <a:gs pos="100000">
+              <a:schemeClr val="phClr">
+                <a:shade val="63000"/>
+                <a:satMod val="120000"/>
+              </a:schemeClr>
+            </a:gs>
+          </a:gsLst>
+          <a:lin ang="5400000" scaled="0"/>
+        </a:gradFill>
+      </a:bgFillStyleLst>
+    </a:fmtScheme>
+  </a:themeElements>
+  <a:objectDefaults/>
+  <a:extraClrSchemeLst/>
+  <a:extLst>
+    <a:ext uri="{05A4C25C-085E-4340-85A3-A5531E510DB2}">
+      <thm15:themeFamily xmlns:thm15="http://schemas.microsoft.com/office/thememl/2012/main" name="Office Theme" id="{62F939B6-93AF-4DB8-9C6B-D6C7DFDC589F}" vid="{4A3C46E8-61CC-4603-A589-7422A47A8E4A}"/>
+    </a:ext>
+  </a:extLst>
+</a:theme>
 </file>